--- a/docpac_mar18/Jaysin/ShourSnourGlass.pptx
+++ b/docpac_mar18/Jaysin/ShourSnourGlass.pptx
@@ -2,7 +2,7 @@
 <file path=ppt/presentation.xml><?xml version="1.0" encoding="utf-8"?>
 <p:presentation xmlns:a="http://schemas.openxmlformats.org/drawingml/2006/main" xmlns:r="http://schemas.openxmlformats.org/officeDocument/2006/relationships" xmlns:p="http://schemas.openxmlformats.org/presentationml/2006/main" saveSubsetFonts="1">
   <p:sldMasterIdLst>
-    <p:sldMasterId id="2147483648" r:id="rId1"/>
+    <p:sldMasterId id="2147483660" r:id="rId1"/>
   </p:sldMasterIdLst>
   <p:sldIdLst>
     <p:sldId id="256" r:id="rId2"/>
@@ -19,7 +19,7 @@
     <a:defPPr>
       <a:defRPr lang="en-US"/>
     </a:defPPr>
-    <a:lvl1pPr marL="0" algn="l" defTabSz="914400" rtl="0" eaLnBrk="1" latinLnBrk="0" hangingPunct="1">
+    <a:lvl1pPr marL="0" algn="l" defTabSz="457200" rtl="0" eaLnBrk="1" latinLnBrk="0" hangingPunct="1">
       <a:defRPr sz="1800" kern="1200">
         <a:solidFill>
           <a:schemeClr val="tx1"/>
@@ -29,7 +29,7 @@
         <a:cs typeface="+mn-cs"/>
       </a:defRPr>
     </a:lvl1pPr>
-    <a:lvl2pPr marL="457200" algn="l" defTabSz="914400" rtl="0" eaLnBrk="1" latinLnBrk="0" hangingPunct="1">
+    <a:lvl2pPr marL="457200" algn="l" defTabSz="457200" rtl="0" eaLnBrk="1" latinLnBrk="0" hangingPunct="1">
       <a:defRPr sz="1800" kern="1200">
         <a:solidFill>
           <a:schemeClr val="tx1"/>
@@ -39,7 +39,7 @@
         <a:cs typeface="+mn-cs"/>
       </a:defRPr>
     </a:lvl2pPr>
-    <a:lvl3pPr marL="914400" algn="l" defTabSz="914400" rtl="0" eaLnBrk="1" latinLnBrk="0" hangingPunct="1">
+    <a:lvl3pPr marL="914400" algn="l" defTabSz="457200" rtl="0" eaLnBrk="1" latinLnBrk="0" hangingPunct="1">
       <a:defRPr sz="1800" kern="1200">
         <a:solidFill>
           <a:schemeClr val="tx1"/>
@@ -49,7 +49,7 @@
         <a:cs typeface="+mn-cs"/>
       </a:defRPr>
     </a:lvl3pPr>
-    <a:lvl4pPr marL="1371600" algn="l" defTabSz="914400" rtl="0" eaLnBrk="1" latinLnBrk="0" hangingPunct="1">
+    <a:lvl4pPr marL="1371600" algn="l" defTabSz="457200" rtl="0" eaLnBrk="1" latinLnBrk="0" hangingPunct="1">
       <a:defRPr sz="1800" kern="1200">
         <a:solidFill>
           <a:schemeClr val="tx1"/>
@@ -59,7 +59,7 @@
         <a:cs typeface="+mn-cs"/>
       </a:defRPr>
     </a:lvl4pPr>
-    <a:lvl5pPr marL="1828800" algn="l" defTabSz="914400" rtl="0" eaLnBrk="1" latinLnBrk="0" hangingPunct="1">
+    <a:lvl5pPr marL="1828800" algn="l" defTabSz="457200" rtl="0" eaLnBrk="1" latinLnBrk="0" hangingPunct="1">
       <a:defRPr sz="1800" kern="1200">
         <a:solidFill>
           <a:schemeClr val="tx1"/>
@@ -69,7 +69,7 @@
         <a:cs typeface="+mn-cs"/>
       </a:defRPr>
     </a:lvl5pPr>
-    <a:lvl6pPr marL="2286000" algn="l" defTabSz="914400" rtl="0" eaLnBrk="1" latinLnBrk="0" hangingPunct="1">
+    <a:lvl6pPr marL="2286000" algn="l" defTabSz="457200" rtl="0" eaLnBrk="1" latinLnBrk="0" hangingPunct="1">
       <a:defRPr sz="1800" kern="1200">
         <a:solidFill>
           <a:schemeClr val="tx1"/>
@@ -79,7 +79,7 @@
         <a:cs typeface="+mn-cs"/>
       </a:defRPr>
     </a:lvl6pPr>
-    <a:lvl7pPr marL="2743200" algn="l" defTabSz="914400" rtl="0" eaLnBrk="1" latinLnBrk="0" hangingPunct="1">
+    <a:lvl7pPr marL="2743200" algn="l" defTabSz="457200" rtl="0" eaLnBrk="1" latinLnBrk="0" hangingPunct="1">
       <a:defRPr sz="1800" kern="1200">
         <a:solidFill>
           <a:schemeClr val="tx1"/>
@@ -89,7 +89,7 @@
         <a:cs typeface="+mn-cs"/>
       </a:defRPr>
     </a:lvl7pPr>
-    <a:lvl8pPr marL="3200400" algn="l" defTabSz="914400" rtl="0" eaLnBrk="1" latinLnBrk="0" hangingPunct="1">
+    <a:lvl8pPr marL="3200400" algn="l" defTabSz="457200" rtl="0" eaLnBrk="1" latinLnBrk="0" hangingPunct="1">
       <a:defRPr sz="1800" kern="1200">
         <a:solidFill>
           <a:schemeClr val="tx1"/>
@@ -99,7 +99,7 @@
         <a:cs typeface="+mn-cs"/>
       </a:defRPr>
     </a:lvl8pPr>
-    <a:lvl9pPr marL="3657600" algn="l" defTabSz="914400" rtl="0" eaLnBrk="1" latinLnBrk="0" hangingPunct="1">
+    <a:lvl9pPr marL="3657600" algn="l" defTabSz="457200" rtl="0" eaLnBrk="1" latinLnBrk="0" hangingPunct="1">
       <a:defRPr sz="1800" kern="1200">
         <a:solidFill>
           <a:schemeClr val="tx1"/>
@@ -110,11 +110,16 @@
       </a:defRPr>
     </a:lvl9pPr>
   </p:defaultTextStyle>
+  <p:extLst>
+    <p:ext uri="{EFAFB233-063F-42B5-8137-9DF3F51BA10A}">
+      <p15:sldGuideLst xmlns:p15="http://schemas.microsoft.com/office/powerpoint/2012/main"/>
+    </p:ext>
+  </p:extLst>
 </p:presentation>
 </file>
 
 <file path=ppt/slideLayouts/slideLayout1.xml><?xml version="1.0" encoding="utf-8"?>
-<p:sldLayout xmlns:a="http://schemas.openxmlformats.org/drawingml/2006/main" xmlns:r="http://schemas.openxmlformats.org/officeDocument/2006/relationships" xmlns:p="http://schemas.openxmlformats.org/presentationml/2006/main" type="title" preserve="1">
+<p:sldLayout xmlns:a="http://schemas.openxmlformats.org/drawingml/2006/main" xmlns:r="http://schemas.openxmlformats.org/officeDocument/2006/relationships" xmlns:p="http://schemas.openxmlformats.org/presentationml/2006/main" showMasterSp="0" type="title" preserve="1">
   <p:cSld name="Title Slide">
     <p:spTree>
       <p:nvGrpSpPr>
@@ -130,33 +135,326 @@
           <a:chExt cx="0" cy="0"/>
         </a:xfrm>
       </p:grpSpPr>
-      <p:sp>
-        <p:nvSpPr>
-          <p:cNvPr id="2" name="Title 1">
+      <p:pic>
+        <p:nvPicPr>
+          <p:cNvPr id="7" name="Picture 6" descr="Brickwork-HD-R1a.jpg"/>
+          <p:cNvPicPr>
+            <a:picLocks noChangeAspect="1"/>
+          </p:cNvPicPr>
+          <p:nvPr/>
+        </p:nvPicPr>
+        <p:blipFill>
+          <a:blip r:embed="rId2">
             <a:extLst>
-              <a:ext uri="{FF2B5EF4-FFF2-40B4-BE49-F238E27FC236}">
-                <a16:creationId xmlns:a16="http://schemas.microsoft.com/office/drawing/2014/main" id="{ED36F600-40A6-43BA-82A2-4A0C44A2570D}"/>
+              <a:ext uri="{28A0092B-C50C-407E-A947-70E740481C1C}">
+                <a14:useLocalDpi xmlns:a14="http://schemas.microsoft.com/office/drawing/2010/main" val="0"/>
               </a:ext>
             </a:extLst>
-          </p:cNvPr>
-          <p:cNvSpPr>
-            <a:spLocks noGrp="1"/>
-          </p:cNvSpPr>
-          <p:nvPr>
-            <p:ph type="ctrTitle"/>
-          </p:nvPr>
-        </p:nvSpPr>
+          </a:blip>
+          <a:stretch>
+            <a:fillRect/>
+          </a:stretch>
+        </p:blipFill>
         <p:spPr>
           <a:xfrm>
-            <a:off x="1524000" y="1122363"/>
-            <a:ext cx="9144000" cy="2387600"/>
+            <a:off x="0" y="0"/>
+            <a:ext cx="12192000" cy="6858000"/>
+          </a:xfrm>
+          <a:prstGeom prst="rect">
+            <a:avLst/>
+          </a:prstGeom>
+        </p:spPr>
+      </p:pic>
+      <p:sp useBgFill="1">
+        <p:nvSpPr>
+          <p:cNvPr id="12" name="Freeform 11"/>
+          <p:cNvSpPr/>
+          <p:nvPr/>
+        </p:nvSpPr>
+        <p:spPr>
+          <a:xfrm>
+            <a:off x="-15875" y="0"/>
+            <a:ext cx="11683810" cy="6588125"/>
+          </a:xfrm>
+          <a:custGeom>
+            <a:avLst/>
+            <a:gdLst/>
+            <a:ahLst/>
+            <a:cxnLst/>
+            <a:rect l="l" t="t" r="r" b="b"/>
+            <a:pathLst>
+              <a:path w="11683810" h="6588125">
+                <a:moveTo>
+                  <a:pt x="0" y="0"/>
+                </a:moveTo>
+                <a:lnTo>
+                  <a:pt x="11318691" y="0"/>
+                </a:lnTo>
+                <a:lnTo>
+                  <a:pt x="11683810" y="5976938"/>
+                </a:lnTo>
+                <a:lnTo>
+                  <a:pt x="15875" y="6588125"/>
+                </a:lnTo>
+                <a:cubicBezTo>
+                  <a:pt x="10583" y="4386792"/>
+                  <a:pt x="5292" y="2185458"/>
+                  <a:pt x="0" y="0"/>
+                </a:cubicBezTo>
+                <a:close/>
+              </a:path>
+            </a:pathLst>
+          </a:custGeom>
+          <a:ln>
+            <a:noFill/>
+          </a:ln>
+          <a:effectLst>
+            <a:outerShdw blurRad="101600" dist="152400" dir="4380000" algn="tl" rotWithShape="0">
+              <a:srgbClr val="000000">
+                <a:alpha val="43000"/>
+              </a:srgbClr>
+            </a:outerShdw>
+          </a:effectLst>
+        </p:spPr>
+        <p:style>
+          <a:lnRef idx="1">
+            <a:schemeClr val="accent1"/>
+          </a:lnRef>
+          <a:fillRef idx="3">
+            <a:schemeClr val="accent1"/>
+          </a:fillRef>
+          <a:effectRef idx="2">
+            <a:schemeClr val="accent1"/>
+          </a:effectRef>
+          <a:fontRef idx="minor">
+            <a:schemeClr val="lt1"/>
+          </a:fontRef>
+        </p:style>
+      </p:sp>
+      <p:sp>
+        <p:nvSpPr>
+          <p:cNvPr id="14" name="Freeform 13"/>
+          <p:cNvSpPr/>
+          <p:nvPr/>
+        </p:nvSpPr>
+        <p:spPr>
+          <a:xfrm>
+            <a:off x="0" y="4282257"/>
+            <a:ext cx="11329257" cy="2028845"/>
+          </a:xfrm>
+          <a:custGeom>
+            <a:avLst/>
+            <a:gdLst/>
+            <a:ahLst/>
+            <a:cxnLst/>
+            <a:rect l="l" t="t" r="r" b="b"/>
+            <a:pathLst>
+              <a:path w="11329257" h="2028845">
+                <a:moveTo>
+                  <a:pt x="0" y="588520"/>
+                </a:moveTo>
+                <a:lnTo>
+                  <a:pt x="11244075" y="0"/>
+                </a:lnTo>
+                <a:lnTo>
+                  <a:pt x="11329257" y="1424838"/>
+                </a:lnTo>
+                <a:lnTo>
+                  <a:pt x="0" y="2028845"/>
+                </a:lnTo>
+                <a:lnTo>
+                  <a:pt x="0" y="588520"/>
+                </a:lnTo>
+                <a:close/>
+              </a:path>
+            </a:pathLst>
+          </a:custGeom>
+          <a:gradFill flip="none" rotWithShape="1">
+            <a:gsLst>
+              <a:gs pos="34000">
+                <a:schemeClr val="accent1"/>
+              </a:gs>
+              <a:gs pos="100000">
+                <a:schemeClr val="accent1">
+                  <a:lumMod val="50000"/>
+                </a:schemeClr>
+              </a:gs>
+            </a:gsLst>
+            <a:path path="circle">
+              <a:fillToRect l="50000" t="50000" r="50000" b="50000"/>
+            </a:path>
+            <a:tileRect/>
+          </a:gradFill>
+          <a:ln>
+            <a:noFill/>
+          </a:ln>
+        </p:spPr>
+        <p:style>
+          <a:lnRef idx="1">
+            <a:schemeClr val="accent1"/>
+          </a:lnRef>
+          <a:fillRef idx="3">
+            <a:schemeClr val="accent1"/>
+          </a:fillRef>
+          <a:effectRef idx="2">
+            <a:schemeClr val="accent1"/>
+          </a:effectRef>
+          <a:fontRef idx="minor">
+            <a:schemeClr val="lt1"/>
+          </a:fontRef>
+        </p:style>
+      </p:sp>
+      <p:sp>
+        <p:nvSpPr>
+          <p:cNvPr id="26" name="Freeform 25"/>
+          <p:cNvSpPr/>
+          <p:nvPr/>
+        </p:nvSpPr>
+        <p:spPr>
+          <a:xfrm>
+            <a:off x="0" y="0"/>
+            <a:ext cx="8719579" cy="456877"/>
+          </a:xfrm>
+          <a:custGeom>
+            <a:avLst/>
+            <a:gdLst/>
+            <a:ahLst/>
+            <a:cxnLst/>
+            <a:rect l="l" t="t" r="r" b="b"/>
+            <a:pathLst>
+              <a:path w="8719579" h="456877">
+                <a:moveTo>
+                  <a:pt x="0" y="0"/>
+                </a:moveTo>
+                <a:lnTo>
+                  <a:pt x="8719579" y="0"/>
+                </a:lnTo>
+                <a:lnTo>
+                  <a:pt x="0" y="456877"/>
+                </a:lnTo>
+                <a:lnTo>
+                  <a:pt x="0" y="0"/>
+                </a:lnTo>
+                <a:close/>
+              </a:path>
+            </a:pathLst>
+          </a:custGeom>
+          <a:gradFill flip="none" rotWithShape="1">
+            <a:gsLst>
+              <a:gs pos="34000">
+                <a:schemeClr val="accent1"/>
+              </a:gs>
+              <a:gs pos="100000">
+                <a:schemeClr val="accent1">
+                  <a:lumMod val="50000"/>
+                </a:schemeClr>
+              </a:gs>
+            </a:gsLst>
+            <a:path path="circle">
+              <a:fillToRect l="50000" t="50000" r="50000" b="50000"/>
+            </a:path>
+            <a:tileRect/>
+          </a:gradFill>
+          <a:ln>
+            <a:noFill/>
+          </a:ln>
+        </p:spPr>
+        <p:style>
+          <a:lnRef idx="1">
+            <a:schemeClr val="accent1"/>
+          </a:lnRef>
+          <a:fillRef idx="3">
+            <a:schemeClr val="accent1"/>
+          </a:fillRef>
+          <a:effectRef idx="2">
+            <a:schemeClr val="accent1"/>
+          </a:effectRef>
+          <a:fontRef idx="minor">
+            <a:schemeClr val="lt1"/>
+          </a:fontRef>
+        </p:style>
+      </p:sp>
+      <p:sp>
+        <p:nvSpPr>
+          <p:cNvPr id="15" name="Freeform 14"/>
+          <p:cNvSpPr/>
+          <p:nvPr/>
+        </p:nvSpPr>
+        <p:spPr>
+          <a:xfrm rot="21420000">
+            <a:off x="-161800" y="293317"/>
+            <a:ext cx="11367116" cy="5751804"/>
+          </a:xfrm>
+          <a:custGeom>
+            <a:avLst/>
+            <a:gdLst/>
+            <a:ahLst/>
+            <a:cxnLst/>
+            <a:rect l="l" t="t" r="r" b="b"/>
+            <a:pathLst>
+              <a:path w="11367116" h="5751804">
+                <a:moveTo>
+                  <a:pt x="11346705" y="0"/>
+                </a:moveTo>
+                <a:cubicBezTo>
+                  <a:pt x="11353509" y="1915114"/>
+                  <a:pt x="11360312" y="3830229"/>
+                  <a:pt x="11367116" y="5745343"/>
+                </a:cubicBezTo>
+                <a:lnTo>
+                  <a:pt x="0" y="5751804"/>
+                </a:lnTo>
+              </a:path>
+            </a:pathLst>
+          </a:custGeom>
+          <a:ln w="82550">
+            <a:solidFill>
+              <a:schemeClr val="tx1">
+                <a:lumMod val="50000"/>
+                <a:lumOff val="50000"/>
+              </a:schemeClr>
+            </a:solidFill>
+            <a:miter lim="800000"/>
+          </a:ln>
+        </p:spPr>
+        <p:style>
+          <a:lnRef idx="2">
+            <a:schemeClr val="accent1"/>
+          </a:lnRef>
+          <a:fillRef idx="0">
+            <a:schemeClr val="accent1"/>
+          </a:fillRef>
+          <a:effectRef idx="1">
+            <a:schemeClr val="accent1"/>
+          </a:effectRef>
+          <a:fontRef idx="minor">
+            <a:schemeClr val="tx1"/>
+          </a:fontRef>
+        </p:style>
+      </p:sp>
+      <p:sp>
+        <p:nvSpPr>
+          <p:cNvPr id="2" name="Title 1"/>
+          <p:cNvSpPr>
+            <a:spLocks noGrp="1"/>
+          </p:cNvSpPr>
+          <p:nvPr>
+            <p:ph type="ctrTitle"/>
+          </p:nvPr>
+        </p:nvSpPr>
+        <p:spPr>
+          <a:xfrm rot="21420000">
+            <a:off x="891201" y="662656"/>
+            <a:ext cx="9755187" cy="2766528"/>
           </a:xfrm>
         </p:spPr>
         <p:txBody>
-          <a:bodyPr anchor="b"/>
+          <a:bodyPr anchor="b">
+            <a:normAutofit/>
+          </a:bodyPr>
           <a:lstStyle>
-            <a:lvl1pPr algn="ctr">
-              <a:defRPr sz="6000"/>
+            <a:lvl1pPr algn="r">
+              <a:defRPr sz="8000"/>
             </a:lvl1pPr>
           </a:lstStyle>
           <a:p>
@@ -164,18 +462,13 @@
               <a:rPr lang="en-US"/>
               <a:t>Click to edit Master title style</a:t>
             </a:r>
-          </a:p>
-        </p:txBody>
-      </p:sp>
-      <p:sp>
-        <p:nvSpPr>
-          <p:cNvPr id="3" name="Subtitle 2">
-            <a:extLst>
-              <a:ext uri="{FF2B5EF4-FFF2-40B4-BE49-F238E27FC236}">
-                <a16:creationId xmlns:a16="http://schemas.microsoft.com/office/drawing/2014/main" id="{2EC14209-657B-470F-999D-A436A9275633}"/>
-              </a:ext>
-            </a:extLst>
-          </p:cNvPr>
+            <a:endParaRPr lang="en-US" dirty="0"/>
+          </a:p>
+        </p:txBody>
+      </p:sp>
+      <p:sp>
+        <p:nvSpPr>
+          <p:cNvPr id="3" name="Subtitle 2"/>
           <p:cNvSpPr>
             <a:spLocks noGrp="1"/>
           </p:cNvSpPr>
@@ -184,17 +477,25 @@
           </p:nvPr>
         </p:nvSpPr>
         <p:spPr>
-          <a:xfrm>
-            <a:off x="1524000" y="3602038"/>
-            <a:ext cx="9144000" cy="1655762"/>
+          <a:xfrm rot="21420000">
+            <a:off x="983062" y="3505209"/>
+            <a:ext cx="9755187" cy="550333"/>
           </a:xfrm>
         </p:spPr>
         <p:txBody>
-          <a:bodyPr/>
+          <a:bodyPr anchor="t">
+            <a:noAutofit/>
+          </a:bodyPr>
           <a:lstStyle>
-            <a:lvl1pPr marL="0" indent="0" algn="ctr">
-              <a:buNone/>
-              <a:defRPr sz="2400"/>
+            <a:lvl1pPr marL="0" indent="0" algn="r">
+              <a:buNone/>
+              <a:defRPr sz="2800">
+                <a:solidFill>
+                  <a:schemeClr val="bg1">
+                    <a:lumMod val="50000"/>
+                  </a:schemeClr>
+                </a:solidFill>
+              </a:defRPr>
             </a:lvl1pPr>
             <a:lvl2pPr marL="457200" indent="0" algn="ctr">
               <a:buNone/>
@@ -234,18 +535,13 @@
               <a:rPr lang="en-US"/>
               <a:t>Click to edit Master subtitle style</a:t>
             </a:r>
-          </a:p>
-        </p:txBody>
-      </p:sp>
-      <p:sp>
-        <p:nvSpPr>
-          <p:cNvPr id="4" name="Date Placeholder 3">
-            <a:extLst>
-              <a:ext uri="{FF2B5EF4-FFF2-40B4-BE49-F238E27FC236}">
-                <a16:creationId xmlns:a16="http://schemas.microsoft.com/office/drawing/2014/main" id="{651587CC-98BC-405B-8689-2CEBED53EE9B}"/>
-              </a:ext>
-            </a:extLst>
-          </p:cNvPr>
+            <a:endParaRPr lang="en-US" dirty="0"/>
+          </a:p>
+        </p:txBody>
+      </p:sp>
+      <p:sp>
+        <p:nvSpPr>
+          <p:cNvPr id="4" name="Date Placeholder 3"/>
           <p:cNvSpPr>
             <a:spLocks noGrp="1"/>
           </p:cNvSpPr>
@@ -253,14 +549,29 @@
             <p:ph type="dt" sz="half" idx="10"/>
           </p:nvPr>
         </p:nvSpPr>
-        <p:spPr/>
+        <p:spPr>
+          <a:xfrm rot="21420000">
+            <a:off x="4948541" y="4578463"/>
+            <a:ext cx="6143653" cy="1163112"/>
+          </a:xfrm>
+        </p:spPr>
         <p:txBody>
           <a:bodyPr/>
-          <a:lstStyle/>
+          <a:lstStyle>
+            <a:lvl1pPr algn="ctr">
+              <a:defRPr sz="5400">
+                <a:solidFill>
+                  <a:schemeClr val="accent1">
+                    <a:lumMod val="50000"/>
+                  </a:schemeClr>
+                </a:solidFill>
+              </a:defRPr>
+            </a:lvl1pPr>
+          </a:lstStyle>
           <a:p>
             <a:fld id="{AB8825DF-4850-4405-A21B-790940A69C75}" type="datetimeFigureOut">
               <a:rPr lang="en-US" smtClean="0"/>
-              <a:t>3/15/2022</a:t>
+              <a:t>3/16/2022</a:t>
             </a:fld>
             <a:endParaRPr lang="en-US"/>
           </a:p>
@@ -268,13 +579,7 @@
       </p:sp>
       <p:sp>
         <p:nvSpPr>
-          <p:cNvPr id="5" name="Footer Placeholder 4">
-            <a:extLst>
-              <a:ext uri="{FF2B5EF4-FFF2-40B4-BE49-F238E27FC236}">
-                <a16:creationId xmlns:a16="http://schemas.microsoft.com/office/drawing/2014/main" id="{ED909C34-A8D5-4633-AC60-835883E832FC}"/>
-              </a:ext>
-            </a:extLst>
-          </p:cNvPr>
+          <p:cNvPr id="5" name="Footer Placeholder 4"/>
           <p:cNvSpPr>
             <a:spLocks noGrp="1"/>
           </p:cNvSpPr>
@@ -282,35 +587,54 @@
             <p:ph type="ftr" sz="quarter" idx="11"/>
           </p:nvPr>
         </p:nvSpPr>
-        <p:spPr/>
+        <p:spPr>
+          <a:xfrm rot="21420000">
+            <a:off x="-5560" y="4883024"/>
+            <a:ext cx="4047239" cy="1195538"/>
+          </a:xfrm>
+        </p:spPr>
+        <p:txBody>
+          <a:bodyPr vert="horz" lIns="91440" tIns="45720" rIns="91440" bIns="45720" rtlCol="0" anchor="ctr"/>
+          <a:lstStyle>
+            <a:lvl1pPr algn="r">
+              <a:defRPr lang="en-US" sz="5400" dirty="0"/>
+            </a:lvl1pPr>
+          </a:lstStyle>
+          <a:p>
+            <a:endParaRPr lang="en-US"/>
+          </a:p>
+        </p:txBody>
+      </p:sp>
+      <p:sp>
+        <p:nvSpPr>
+          <p:cNvPr id="6" name="Slide Number Placeholder 5"/>
+          <p:cNvSpPr>
+            <a:spLocks noGrp="1"/>
+          </p:cNvSpPr>
+          <p:nvPr>
+            <p:ph type="sldNum" sz="quarter" idx="12"/>
+          </p:nvPr>
+        </p:nvSpPr>
+        <p:spPr>
+          <a:xfrm rot="21420000">
+            <a:off x="9851758" y="3832648"/>
+            <a:ext cx="907186" cy="498470"/>
+          </a:xfrm>
+        </p:spPr>
         <p:txBody>
           <a:bodyPr/>
-          <a:lstStyle/>
-          <a:p>
-            <a:endParaRPr lang="en-US"/>
-          </a:p>
-        </p:txBody>
-      </p:sp>
-      <p:sp>
-        <p:nvSpPr>
-          <p:cNvPr id="6" name="Slide Number Placeholder 5">
-            <a:extLst>
-              <a:ext uri="{FF2B5EF4-FFF2-40B4-BE49-F238E27FC236}">
-                <a16:creationId xmlns:a16="http://schemas.microsoft.com/office/drawing/2014/main" id="{88F995D5-EF62-4989-BE95-6D708DA93164}"/>
-              </a:ext>
-            </a:extLst>
-          </p:cNvPr>
-          <p:cNvSpPr>
-            <a:spLocks noGrp="1"/>
-          </p:cNvSpPr>
-          <p:nvPr>
-            <p:ph type="sldNum" sz="quarter" idx="12"/>
-          </p:nvPr>
-        </p:nvSpPr>
-        <p:spPr/>
-        <p:txBody>
-          <a:bodyPr/>
-          <a:lstStyle/>
+          <a:lstStyle>
+            <a:lvl1pPr>
+              <a:defRPr sz="2400">
+                <a:solidFill>
+                  <a:schemeClr val="tx1">
+                    <a:lumMod val="75000"/>
+                    <a:lumOff val="25000"/>
+                  </a:schemeClr>
+                </a:solidFill>
+              </a:defRPr>
+            </a:lvl1pPr>
+          </a:lstStyle>
           <a:p>
             <a:fld id="{CC6B00B9-4493-441B-AFBE-C0C0C68EBA7E}" type="slidenum">
               <a:rPr lang="en-US" smtClean="0"/>
@@ -320,10 +644,52 @@
           </a:p>
         </p:txBody>
       </p:sp>
+      <p:sp>
+        <p:nvSpPr>
+          <p:cNvPr id="25" name="5-Point Star 24"/>
+          <p:cNvSpPr/>
+          <p:nvPr/>
+        </p:nvSpPr>
+        <p:spPr>
+          <a:xfrm rot="21420000">
+            <a:off x="4221385" y="5111356"/>
+            <a:ext cx="515386" cy="515386"/>
+          </a:xfrm>
+          <a:prstGeom prst="star5">
+            <a:avLst>
+              <a:gd name="adj" fmla="val 26693"/>
+              <a:gd name="hf" fmla="val 105146"/>
+              <a:gd name="vf" fmla="val 110557"/>
+            </a:avLst>
+          </a:prstGeom>
+          <a:solidFill>
+            <a:schemeClr val="tx1">
+              <a:alpha val="40000"/>
+            </a:schemeClr>
+          </a:solidFill>
+          <a:ln>
+            <a:noFill/>
+          </a:ln>
+        </p:spPr>
+        <p:style>
+          <a:lnRef idx="1">
+            <a:schemeClr val="accent1"/>
+          </a:lnRef>
+          <a:fillRef idx="3">
+            <a:schemeClr val="accent1"/>
+          </a:fillRef>
+          <a:effectRef idx="2">
+            <a:schemeClr val="accent1"/>
+          </a:effectRef>
+          <a:fontRef idx="minor">
+            <a:schemeClr val="lt1"/>
+          </a:fontRef>
+        </p:style>
+      </p:sp>
     </p:spTree>
     <p:extLst>
       <p:ext uri="{BB962C8B-B14F-4D97-AF65-F5344CB8AC3E}">
-        <p14:creationId xmlns:p14="http://schemas.microsoft.com/office/powerpoint/2010/main" val="4137352708"/>
+        <p14:creationId xmlns:p14="http://schemas.microsoft.com/office/powerpoint/2010/main" val="552574458"/>
       </p:ext>
     </p:extLst>
   </p:cSld>
@@ -334,6 +700,2505 @@
 </file>
 
 <file path=ppt/slideLayouts/slideLayout10.xml><?xml version="1.0" encoding="utf-8"?>
+<p:sldLayout xmlns:a="http://schemas.openxmlformats.org/drawingml/2006/main" xmlns:r="http://schemas.openxmlformats.org/officeDocument/2006/relationships" xmlns:p="http://schemas.openxmlformats.org/presentationml/2006/main" preserve="1">
+  <p:cSld name="Panoramic Picture with Caption">
+    <p:spTree>
+      <p:nvGrpSpPr>
+        <p:cNvPr id="1" name=""/>
+        <p:cNvGrpSpPr/>
+        <p:nvPr/>
+      </p:nvGrpSpPr>
+      <p:grpSpPr>
+        <a:xfrm>
+          <a:off x="0" y="0"/>
+          <a:ext cx="0" cy="0"/>
+          <a:chOff x="0" y="0"/>
+          <a:chExt cx="0" cy="0"/>
+        </a:xfrm>
+      </p:grpSpPr>
+      <p:sp>
+        <p:nvSpPr>
+          <p:cNvPr id="2" name="Title 1"/>
+          <p:cNvSpPr>
+            <a:spLocks noGrp="1"/>
+          </p:cNvSpPr>
+          <p:nvPr>
+            <p:ph type="title"/>
+          </p:nvPr>
+        </p:nvSpPr>
+        <p:spPr>
+          <a:xfrm>
+            <a:off x="685800" y="4106333"/>
+            <a:ext cx="10394708" cy="588846"/>
+          </a:xfrm>
+        </p:spPr>
+        <p:txBody>
+          <a:bodyPr anchor="b"/>
+          <a:lstStyle>
+            <a:lvl1pPr>
+              <a:defRPr sz="3200"/>
+            </a:lvl1pPr>
+          </a:lstStyle>
+          <a:p>
+            <a:r>
+              <a:rPr lang="en-US"/>
+              <a:t>Click to edit Master title style</a:t>
+            </a:r>
+            <a:endParaRPr lang="en-US" dirty="0"/>
+          </a:p>
+        </p:txBody>
+      </p:sp>
+      <p:sp>
+        <p:nvSpPr>
+          <p:cNvPr id="3" name="Picture Placeholder 2"/>
+          <p:cNvSpPr>
+            <a:spLocks noGrp="1" noChangeAspect="1"/>
+          </p:cNvSpPr>
+          <p:nvPr>
+            <p:ph type="pic" idx="1"/>
+          </p:nvPr>
+        </p:nvSpPr>
+        <p:spPr>
+          <a:xfrm>
+            <a:off x="685801" y="685799"/>
+            <a:ext cx="10392513" cy="3194903"/>
+          </a:xfrm>
+          <a:ln w="57150" cmpd="thinThick">
+            <a:solidFill>
+              <a:schemeClr val="bg1">
+                <a:lumMod val="50000"/>
+              </a:schemeClr>
+            </a:solidFill>
+            <a:miter lim="800000"/>
+          </a:ln>
+        </p:spPr>
+        <p:txBody>
+          <a:bodyPr anchor="t"/>
+          <a:lstStyle>
+            <a:lvl1pPr marL="0" indent="0" algn="ctr">
+              <a:buNone/>
+              <a:defRPr sz="3200"/>
+            </a:lvl1pPr>
+            <a:lvl2pPr marL="457200" indent="0">
+              <a:buNone/>
+              <a:defRPr sz="2800"/>
+            </a:lvl2pPr>
+            <a:lvl3pPr marL="914400" indent="0">
+              <a:buNone/>
+              <a:defRPr sz="2400"/>
+            </a:lvl3pPr>
+            <a:lvl4pPr marL="1371600" indent="0">
+              <a:buNone/>
+              <a:defRPr sz="2000"/>
+            </a:lvl4pPr>
+            <a:lvl5pPr marL="1828800" indent="0">
+              <a:buNone/>
+              <a:defRPr sz="2000"/>
+            </a:lvl5pPr>
+            <a:lvl6pPr marL="2286000" indent="0">
+              <a:buNone/>
+              <a:defRPr sz="2000"/>
+            </a:lvl6pPr>
+            <a:lvl7pPr marL="2743200" indent="0">
+              <a:buNone/>
+              <a:defRPr sz="2000"/>
+            </a:lvl7pPr>
+            <a:lvl8pPr marL="3200400" indent="0">
+              <a:buNone/>
+              <a:defRPr sz="2000"/>
+            </a:lvl8pPr>
+            <a:lvl9pPr marL="3657600" indent="0">
+              <a:buNone/>
+              <a:defRPr sz="2000"/>
+            </a:lvl9pPr>
+          </a:lstStyle>
+          <a:p>
+            <a:r>
+              <a:rPr lang="en-US"/>
+              <a:t>Click icon to add picture</a:t>
+            </a:r>
+            <a:endParaRPr lang="en-US" dirty="0"/>
+          </a:p>
+        </p:txBody>
+      </p:sp>
+      <p:sp>
+        <p:nvSpPr>
+          <p:cNvPr id="4" name="Text Placeholder 3"/>
+          <p:cNvSpPr>
+            <a:spLocks noGrp="1"/>
+          </p:cNvSpPr>
+          <p:nvPr>
+            <p:ph type="body" sz="half" idx="2"/>
+          </p:nvPr>
+        </p:nvSpPr>
+        <p:spPr>
+          <a:xfrm>
+            <a:off x="685780" y="4702923"/>
+            <a:ext cx="10394728" cy="682472"/>
+          </a:xfrm>
+        </p:spPr>
+        <p:txBody>
+          <a:bodyPr anchor="t"/>
+          <a:lstStyle>
+            <a:lvl1pPr marL="0" indent="0" algn="l">
+              <a:buNone/>
+              <a:defRPr sz="1600"/>
+            </a:lvl1pPr>
+            <a:lvl2pPr marL="457200" indent="0">
+              <a:buNone/>
+              <a:defRPr sz="1400"/>
+            </a:lvl2pPr>
+            <a:lvl3pPr marL="914400" indent="0">
+              <a:buNone/>
+              <a:defRPr sz="1200"/>
+            </a:lvl3pPr>
+            <a:lvl4pPr marL="1371600" indent="0">
+              <a:buNone/>
+              <a:defRPr sz="1000"/>
+            </a:lvl4pPr>
+            <a:lvl5pPr marL="1828800" indent="0">
+              <a:buNone/>
+              <a:defRPr sz="1000"/>
+            </a:lvl5pPr>
+            <a:lvl6pPr marL="2286000" indent="0">
+              <a:buNone/>
+              <a:defRPr sz="1000"/>
+            </a:lvl6pPr>
+            <a:lvl7pPr marL="2743200" indent="0">
+              <a:buNone/>
+              <a:defRPr sz="1000"/>
+            </a:lvl7pPr>
+            <a:lvl8pPr marL="3200400" indent="0">
+              <a:buNone/>
+              <a:defRPr sz="1000"/>
+            </a:lvl8pPr>
+            <a:lvl9pPr marL="3657600" indent="0">
+              <a:buNone/>
+              <a:defRPr sz="1000"/>
+            </a:lvl9pPr>
+          </a:lstStyle>
+          <a:p>
+            <a:pPr lvl="0"/>
+            <a:r>
+              <a:rPr lang="en-US"/>
+              <a:t>Edit Master text styles</a:t>
+            </a:r>
+          </a:p>
+        </p:txBody>
+      </p:sp>
+      <p:sp>
+        <p:nvSpPr>
+          <p:cNvPr id="5" name="Date Placeholder 4"/>
+          <p:cNvSpPr>
+            <a:spLocks noGrp="1"/>
+          </p:cNvSpPr>
+          <p:nvPr>
+            <p:ph type="dt" sz="half" idx="10"/>
+          </p:nvPr>
+        </p:nvSpPr>
+        <p:spPr/>
+        <p:txBody>
+          <a:bodyPr/>
+          <a:lstStyle/>
+          <a:p>
+            <a:fld id="{AB8825DF-4850-4405-A21B-790940A69C75}" type="datetimeFigureOut">
+              <a:rPr lang="en-US" smtClean="0"/>
+              <a:t>3/16/2022</a:t>
+            </a:fld>
+            <a:endParaRPr lang="en-US"/>
+          </a:p>
+        </p:txBody>
+      </p:sp>
+      <p:sp>
+        <p:nvSpPr>
+          <p:cNvPr id="6" name="Footer Placeholder 5"/>
+          <p:cNvSpPr>
+            <a:spLocks noGrp="1"/>
+          </p:cNvSpPr>
+          <p:nvPr>
+            <p:ph type="ftr" sz="quarter" idx="11"/>
+          </p:nvPr>
+        </p:nvSpPr>
+        <p:spPr/>
+        <p:txBody>
+          <a:bodyPr/>
+          <a:lstStyle/>
+          <a:p>
+            <a:endParaRPr lang="en-US"/>
+          </a:p>
+        </p:txBody>
+      </p:sp>
+      <p:sp>
+        <p:nvSpPr>
+          <p:cNvPr id="7" name="Slide Number Placeholder 6"/>
+          <p:cNvSpPr>
+            <a:spLocks noGrp="1"/>
+          </p:cNvSpPr>
+          <p:nvPr>
+            <p:ph type="sldNum" sz="quarter" idx="12"/>
+          </p:nvPr>
+        </p:nvSpPr>
+        <p:spPr/>
+        <p:txBody>
+          <a:bodyPr/>
+          <a:lstStyle/>
+          <a:p>
+            <a:fld id="{CC6B00B9-4493-441B-AFBE-C0C0C68EBA7E}" type="slidenum">
+              <a:rPr lang="en-US" smtClean="0"/>
+              <a:t>‹#›</a:t>
+            </a:fld>
+            <a:endParaRPr lang="en-US"/>
+          </a:p>
+        </p:txBody>
+      </p:sp>
+    </p:spTree>
+    <p:extLst>
+      <p:ext uri="{BB962C8B-B14F-4D97-AF65-F5344CB8AC3E}">
+        <p14:creationId xmlns:p14="http://schemas.microsoft.com/office/powerpoint/2010/main" val="1599103691"/>
+      </p:ext>
+    </p:extLst>
+  </p:cSld>
+  <p:clrMapOvr>
+    <a:masterClrMapping/>
+  </p:clrMapOvr>
+</p:sldLayout>
+</file>
+
+<file path=ppt/slideLayouts/slideLayout11.xml><?xml version="1.0" encoding="utf-8"?>
+<p:sldLayout xmlns:a="http://schemas.openxmlformats.org/drawingml/2006/main" xmlns:r="http://schemas.openxmlformats.org/officeDocument/2006/relationships" xmlns:p="http://schemas.openxmlformats.org/presentationml/2006/main" preserve="1">
+  <p:cSld name="Title and Caption">
+    <p:spTree>
+      <p:nvGrpSpPr>
+        <p:cNvPr id="1" name=""/>
+        <p:cNvGrpSpPr/>
+        <p:nvPr/>
+      </p:nvGrpSpPr>
+      <p:grpSpPr>
+        <a:xfrm>
+          <a:off x="0" y="0"/>
+          <a:ext cx="0" cy="0"/>
+          <a:chOff x="0" y="0"/>
+          <a:chExt cx="0" cy="0"/>
+        </a:xfrm>
+      </p:grpSpPr>
+      <p:sp>
+        <p:nvSpPr>
+          <p:cNvPr id="2" name="Title 1"/>
+          <p:cNvSpPr>
+            <a:spLocks noGrp="1"/>
+          </p:cNvSpPr>
+          <p:nvPr>
+            <p:ph type="title"/>
+          </p:nvPr>
+        </p:nvSpPr>
+        <p:spPr>
+          <a:xfrm>
+            <a:off x="685801" y="685800"/>
+            <a:ext cx="10396902" cy="3194903"/>
+          </a:xfrm>
+        </p:spPr>
+        <p:txBody>
+          <a:bodyPr anchor="ctr">
+            <a:normAutofit/>
+          </a:bodyPr>
+          <a:lstStyle>
+            <a:lvl1pPr algn="ctr">
+              <a:defRPr sz="4800"/>
+            </a:lvl1pPr>
+          </a:lstStyle>
+          <a:p>
+            <a:r>
+              <a:rPr lang="en-US"/>
+              <a:t>Click to edit Master title style</a:t>
+            </a:r>
+            <a:endParaRPr lang="en-US" dirty="0"/>
+          </a:p>
+        </p:txBody>
+      </p:sp>
+      <p:sp>
+        <p:nvSpPr>
+          <p:cNvPr id="4" name="Text Placeholder 3"/>
+          <p:cNvSpPr>
+            <a:spLocks noGrp="1"/>
+          </p:cNvSpPr>
+          <p:nvPr>
+            <p:ph type="body" sz="half" idx="2"/>
+          </p:nvPr>
+        </p:nvSpPr>
+        <p:spPr>
+          <a:xfrm>
+            <a:off x="685779" y="4106333"/>
+            <a:ext cx="10394729" cy="1273606"/>
+          </a:xfrm>
+        </p:spPr>
+        <p:txBody>
+          <a:bodyPr anchor="ctr">
+            <a:normAutofit/>
+          </a:bodyPr>
+          <a:lstStyle>
+            <a:lvl1pPr marL="0" indent="0" algn="ctr">
+              <a:buNone/>
+              <a:defRPr sz="1800"/>
+            </a:lvl1pPr>
+            <a:lvl2pPr marL="457200" indent="0">
+              <a:buNone/>
+              <a:defRPr sz="1400"/>
+            </a:lvl2pPr>
+            <a:lvl3pPr marL="914400" indent="0">
+              <a:buNone/>
+              <a:defRPr sz="1200"/>
+            </a:lvl3pPr>
+            <a:lvl4pPr marL="1371600" indent="0">
+              <a:buNone/>
+              <a:defRPr sz="1000"/>
+            </a:lvl4pPr>
+            <a:lvl5pPr marL="1828800" indent="0">
+              <a:buNone/>
+              <a:defRPr sz="1000"/>
+            </a:lvl5pPr>
+            <a:lvl6pPr marL="2286000" indent="0">
+              <a:buNone/>
+              <a:defRPr sz="1000"/>
+            </a:lvl6pPr>
+            <a:lvl7pPr marL="2743200" indent="0">
+              <a:buNone/>
+              <a:defRPr sz="1000"/>
+            </a:lvl7pPr>
+            <a:lvl8pPr marL="3200400" indent="0">
+              <a:buNone/>
+              <a:defRPr sz="1000"/>
+            </a:lvl8pPr>
+            <a:lvl9pPr marL="3657600" indent="0">
+              <a:buNone/>
+              <a:defRPr sz="1000"/>
+            </a:lvl9pPr>
+          </a:lstStyle>
+          <a:p>
+            <a:pPr lvl="0"/>
+            <a:r>
+              <a:rPr lang="en-US"/>
+              <a:t>Edit Master text styles</a:t>
+            </a:r>
+          </a:p>
+        </p:txBody>
+      </p:sp>
+      <p:sp>
+        <p:nvSpPr>
+          <p:cNvPr id="5" name="Date Placeholder 4"/>
+          <p:cNvSpPr>
+            <a:spLocks noGrp="1"/>
+          </p:cNvSpPr>
+          <p:nvPr>
+            <p:ph type="dt" sz="half" idx="10"/>
+          </p:nvPr>
+        </p:nvSpPr>
+        <p:spPr/>
+        <p:txBody>
+          <a:bodyPr/>
+          <a:lstStyle/>
+          <a:p>
+            <a:fld id="{AB8825DF-4850-4405-A21B-790940A69C75}" type="datetimeFigureOut">
+              <a:rPr lang="en-US" smtClean="0"/>
+              <a:t>3/16/2022</a:t>
+            </a:fld>
+            <a:endParaRPr lang="en-US"/>
+          </a:p>
+        </p:txBody>
+      </p:sp>
+      <p:sp>
+        <p:nvSpPr>
+          <p:cNvPr id="6" name="Footer Placeholder 5"/>
+          <p:cNvSpPr>
+            <a:spLocks noGrp="1"/>
+          </p:cNvSpPr>
+          <p:nvPr>
+            <p:ph type="ftr" sz="quarter" idx="11"/>
+          </p:nvPr>
+        </p:nvSpPr>
+        <p:spPr/>
+        <p:txBody>
+          <a:bodyPr/>
+          <a:lstStyle/>
+          <a:p>
+            <a:endParaRPr lang="en-US"/>
+          </a:p>
+        </p:txBody>
+      </p:sp>
+      <p:sp>
+        <p:nvSpPr>
+          <p:cNvPr id="7" name="Slide Number Placeholder 6"/>
+          <p:cNvSpPr>
+            <a:spLocks noGrp="1"/>
+          </p:cNvSpPr>
+          <p:nvPr>
+            <p:ph type="sldNum" sz="quarter" idx="12"/>
+          </p:nvPr>
+        </p:nvSpPr>
+        <p:spPr/>
+        <p:txBody>
+          <a:bodyPr/>
+          <a:lstStyle/>
+          <a:p>
+            <a:fld id="{CC6B00B9-4493-441B-AFBE-C0C0C68EBA7E}" type="slidenum">
+              <a:rPr lang="en-US" smtClean="0"/>
+              <a:t>‹#›</a:t>
+            </a:fld>
+            <a:endParaRPr lang="en-US"/>
+          </a:p>
+        </p:txBody>
+      </p:sp>
+    </p:spTree>
+    <p:extLst>
+      <p:ext uri="{BB962C8B-B14F-4D97-AF65-F5344CB8AC3E}">
+        <p14:creationId xmlns:p14="http://schemas.microsoft.com/office/powerpoint/2010/main" val="1033664581"/>
+      </p:ext>
+    </p:extLst>
+  </p:cSld>
+  <p:clrMapOvr>
+    <a:masterClrMapping/>
+  </p:clrMapOvr>
+</p:sldLayout>
+</file>
+
+<file path=ppt/slideLayouts/slideLayout12.xml><?xml version="1.0" encoding="utf-8"?>
+<p:sldLayout xmlns:a="http://schemas.openxmlformats.org/drawingml/2006/main" xmlns:r="http://schemas.openxmlformats.org/officeDocument/2006/relationships" xmlns:p="http://schemas.openxmlformats.org/presentationml/2006/main" preserve="1">
+  <p:cSld name="Quote with Caption">
+    <p:spTree>
+      <p:nvGrpSpPr>
+        <p:cNvPr id="1" name=""/>
+        <p:cNvGrpSpPr/>
+        <p:nvPr/>
+      </p:nvGrpSpPr>
+      <p:grpSpPr>
+        <a:xfrm>
+          <a:off x="0" y="0"/>
+          <a:ext cx="0" cy="0"/>
+          <a:chOff x="0" y="0"/>
+          <a:chExt cx="0" cy="0"/>
+        </a:xfrm>
+      </p:grpSpPr>
+      <p:sp>
+        <p:nvSpPr>
+          <p:cNvPr id="2" name="Title 1"/>
+          <p:cNvSpPr>
+            <a:spLocks noGrp="1"/>
+          </p:cNvSpPr>
+          <p:nvPr>
+            <p:ph type="title"/>
+          </p:nvPr>
+        </p:nvSpPr>
+        <p:spPr>
+          <a:xfrm>
+            <a:off x="1121732" y="685800"/>
+            <a:ext cx="9525020" cy="2916704"/>
+          </a:xfrm>
+        </p:spPr>
+        <p:txBody>
+          <a:bodyPr anchor="ctr">
+            <a:normAutofit/>
+          </a:bodyPr>
+          <a:lstStyle>
+            <a:lvl1pPr algn="ctr">
+              <a:defRPr sz="4800"/>
+            </a:lvl1pPr>
+          </a:lstStyle>
+          <a:p>
+            <a:r>
+              <a:rPr lang="en-US"/>
+              <a:t>Click to edit Master title style</a:t>
+            </a:r>
+            <a:endParaRPr lang="en-US" dirty="0"/>
+          </a:p>
+        </p:txBody>
+      </p:sp>
+      <p:sp>
+        <p:nvSpPr>
+          <p:cNvPr id="12" name="Text Placeholder 3"/>
+          <p:cNvSpPr>
+            <a:spLocks noGrp="1"/>
+          </p:cNvSpPr>
+          <p:nvPr>
+            <p:ph type="body" sz="half" idx="13"/>
+          </p:nvPr>
+        </p:nvSpPr>
+        <p:spPr>
+          <a:xfrm>
+            <a:off x="1550264" y="3610032"/>
+            <a:ext cx="8667956" cy="377768"/>
+          </a:xfrm>
+        </p:spPr>
+        <p:txBody>
+          <a:bodyPr anchor="t">
+            <a:normAutofit/>
+          </a:bodyPr>
+          <a:lstStyle>
+            <a:lvl1pPr marL="0" indent="0" algn="r">
+              <a:buNone/>
+              <a:defRPr sz="1400">
+                <a:solidFill>
+                  <a:schemeClr val="tx1">
+                    <a:lumMod val="50000"/>
+                    <a:lumOff val="50000"/>
+                  </a:schemeClr>
+                </a:solidFill>
+              </a:defRPr>
+            </a:lvl1pPr>
+            <a:lvl2pPr marL="457200" indent="0">
+              <a:buNone/>
+              <a:defRPr sz="1400"/>
+            </a:lvl2pPr>
+            <a:lvl3pPr marL="914400" indent="0">
+              <a:buNone/>
+              <a:defRPr sz="1200"/>
+            </a:lvl3pPr>
+            <a:lvl4pPr marL="1371600" indent="0">
+              <a:buNone/>
+              <a:defRPr sz="1000"/>
+            </a:lvl4pPr>
+            <a:lvl5pPr marL="1828800" indent="0">
+              <a:buNone/>
+              <a:defRPr sz="1000"/>
+            </a:lvl5pPr>
+            <a:lvl6pPr marL="2286000" indent="0">
+              <a:buNone/>
+              <a:defRPr sz="1000"/>
+            </a:lvl6pPr>
+            <a:lvl7pPr marL="2743200" indent="0">
+              <a:buNone/>
+              <a:defRPr sz="1000"/>
+            </a:lvl7pPr>
+            <a:lvl8pPr marL="3200400" indent="0">
+              <a:buNone/>
+              <a:defRPr sz="1000"/>
+            </a:lvl8pPr>
+            <a:lvl9pPr marL="3657600" indent="0">
+              <a:buNone/>
+              <a:defRPr sz="1000"/>
+            </a:lvl9pPr>
+          </a:lstStyle>
+          <a:p>
+            <a:pPr lvl="0"/>
+            <a:r>
+              <a:rPr lang="en-US"/>
+              <a:t>Edit Master text styles</a:t>
+            </a:r>
+          </a:p>
+        </p:txBody>
+      </p:sp>
+      <p:sp>
+        <p:nvSpPr>
+          <p:cNvPr id="4" name="Text Placeholder 3"/>
+          <p:cNvSpPr>
+            <a:spLocks noGrp="1"/>
+          </p:cNvSpPr>
+          <p:nvPr>
+            <p:ph type="body" sz="half" idx="2"/>
+          </p:nvPr>
+        </p:nvSpPr>
+        <p:spPr>
+          <a:xfrm>
+            <a:off x="685801" y="4106334"/>
+            <a:ext cx="10396882" cy="1268252"/>
+          </a:xfrm>
+        </p:spPr>
+        <p:txBody>
+          <a:bodyPr anchor="ctr">
+            <a:normAutofit/>
+          </a:bodyPr>
+          <a:lstStyle>
+            <a:lvl1pPr marL="0" indent="0" algn="ctr">
+              <a:buNone/>
+              <a:defRPr sz="1800"/>
+            </a:lvl1pPr>
+            <a:lvl2pPr marL="457200" indent="0">
+              <a:buNone/>
+              <a:defRPr sz="1400"/>
+            </a:lvl2pPr>
+            <a:lvl3pPr marL="914400" indent="0">
+              <a:buNone/>
+              <a:defRPr sz="1200"/>
+            </a:lvl3pPr>
+            <a:lvl4pPr marL="1371600" indent="0">
+              <a:buNone/>
+              <a:defRPr sz="1000"/>
+            </a:lvl4pPr>
+            <a:lvl5pPr marL="1828800" indent="0">
+              <a:buNone/>
+              <a:defRPr sz="1000"/>
+            </a:lvl5pPr>
+            <a:lvl6pPr marL="2286000" indent="0">
+              <a:buNone/>
+              <a:defRPr sz="1000"/>
+            </a:lvl6pPr>
+            <a:lvl7pPr marL="2743200" indent="0">
+              <a:buNone/>
+              <a:defRPr sz="1000"/>
+            </a:lvl7pPr>
+            <a:lvl8pPr marL="3200400" indent="0">
+              <a:buNone/>
+              <a:defRPr sz="1000"/>
+            </a:lvl8pPr>
+            <a:lvl9pPr marL="3657600" indent="0">
+              <a:buNone/>
+              <a:defRPr sz="1000"/>
+            </a:lvl9pPr>
+          </a:lstStyle>
+          <a:p>
+            <a:pPr lvl="0"/>
+            <a:r>
+              <a:rPr lang="en-US"/>
+              <a:t>Edit Master text styles</a:t>
+            </a:r>
+          </a:p>
+        </p:txBody>
+      </p:sp>
+      <p:sp>
+        <p:nvSpPr>
+          <p:cNvPr id="5" name="Date Placeholder 4"/>
+          <p:cNvSpPr>
+            <a:spLocks noGrp="1"/>
+          </p:cNvSpPr>
+          <p:nvPr>
+            <p:ph type="dt" sz="half" idx="10"/>
+          </p:nvPr>
+        </p:nvSpPr>
+        <p:spPr/>
+        <p:txBody>
+          <a:bodyPr/>
+          <a:lstStyle/>
+          <a:p>
+            <a:fld id="{AB8825DF-4850-4405-A21B-790940A69C75}" type="datetimeFigureOut">
+              <a:rPr lang="en-US" smtClean="0"/>
+              <a:t>3/16/2022</a:t>
+            </a:fld>
+            <a:endParaRPr lang="en-US"/>
+          </a:p>
+        </p:txBody>
+      </p:sp>
+      <p:sp>
+        <p:nvSpPr>
+          <p:cNvPr id="6" name="Footer Placeholder 5"/>
+          <p:cNvSpPr>
+            <a:spLocks noGrp="1"/>
+          </p:cNvSpPr>
+          <p:nvPr>
+            <p:ph type="ftr" sz="quarter" idx="11"/>
+          </p:nvPr>
+        </p:nvSpPr>
+        <p:spPr/>
+        <p:txBody>
+          <a:bodyPr/>
+          <a:lstStyle/>
+          <a:p>
+            <a:endParaRPr lang="en-US"/>
+          </a:p>
+        </p:txBody>
+      </p:sp>
+      <p:sp>
+        <p:nvSpPr>
+          <p:cNvPr id="7" name="Slide Number Placeholder 6"/>
+          <p:cNvSpPr>
+            <a:spLocks noGrp="1"/>
+          </p:cNvSpPr>
+          <p:nvPr>
+            <p:ph type="sldNum" sz="quarter" idx="12"/>
+          </p:nvPr>
+        </p:nvSpPr>
+        <p:spPr/>
+        <p:txBody>
+          <a:bodyPr/>
+          <a:lstStyle/>
+          <a:p>
+            <a:fld id="{CC6B00B9-4493-441B-AFBE-C0C0C68EBA7E}" type="slidenum">
+              <a:rPr lang="en-US" smtClean="0"/>
+              <a:t>‹#›</a:t>
+            </a:fld>
+            <a:endParaRPr lang="en-US"/>
+          </a:p>
+        </p:txBody>
+      </p:sp>
+      <p:sp>
+        <p:nvSpPr>
+          <p:cNvPr id="13" name="TextBox 12"/>
+          <p:cNvSpPr txBox="1"/>
+          <p:nvPr/>
+        </p:nvSpPr>
+        <p:spPr>
+          <a:xfrm>
+            <a:off x="685801" y="892628"/>
+            <a:ext cx="609600" cy="584776"/>
+          </a:xfrm>
+          <a:prstGeom prst="rect">
+            <a:avLst/>
+          </a:prstGeom>
+        </p:spPr>
+        <p:txBody>
+          <a:bodyPr vert="horz" lIns="91440" tIns="45720" rIns="91440" bIns="45720" rtlCol="0" anchor="ctr">
+            <a:noAutofit/>
+          </a:bodyPr>
+          <a:lstStyle>
+            <a:lvl1pPr>
+              <a:spcBef>
+                <a:spcPct val="0"/>
+              </a:spcBef>
+              <a:buNone/>
+              <a:defRPr sz="3200" b="0" cap="all">
+                <a:ln w="3175" cmpd="sng">
+                  <a:noFill/>
+                </a:ln>
+                <a:effectLst>
+                  <a:glow rad="38100">
+                    <a:schemeClr val="bg1">
+                      <a:lumMod val="65000"/>
+                      <a:lumOff val="35000"/>
+                      <a:alpha val="40000"/>
+                    </a:schemeClr>
+                  </a:glow>
+                  <a:outerShdw blurRad="28575" dist="38100" dir="14040000" algn="tl" rotWithShape="0">
+                    <a:srgbClr val="000000">
+                      <a:alpha val="25000"/>
+                    </a:srgbClr>
+                  </a:outerShdw>
+                </a:effectLst>
+              </a:defRPr>
+            </a:lvl1pPr>
+            <a:lvl2pPr>
+              <a:defRPr>
+                <a:solidFill>
+                  <a:schemeClr val="tx2"/>
+                </a:solidFill>
+              </a:defRPr>
+            </a:lvl2pPr>
+            <a:lvl3pPr>
+              <a:defRPr>
+                <a:solidFill>
+                  <a:schemeClr val="tx2"/>
+                </a:solidFill>
+              </a:defRPr>
+            </a:lvl3pPr>
+            <a:lvl4pPr>
+              <a:defRPr>
+                <a:solidFill>
+                  <a:schemeClr val="tx2"/>
+                </a:solidFill>
+              </a:defRPr>
+            </a:lvl4pPr>
+            <a:lvl5pPr>
+              <a:defRPr>
+                <a:solidFill>
+                  <a:schemeClr val="tx2"/>
+                </a:solidFill>
+              </a:defRPr>
+            </a:lvl5pPr>
+            <a:lvl6pPr>
+              <a:defRPr>
+                <a:solidFill>
+                  <a:schemeClr val="tx2"/>
+                </a:solidFill>
+              </a:defRPr>
+            </a:lvl6pPr>
+            <a:lvl7pPr>
+              <a:defRPr>
+                <a:solidFill>
+                  <a:schemeClr val="tx2"/>
+                </a:solidFill>
+              </a:defRPr>
+            </a:lvl7pPr>
+            <a:lvl8pPr>
+              <a:defRPr>
+                <a:solidFill>
+                  <a:schemeClr val="tx2"/>
+                </a:solidFill>
+              </a:defRPr>
+            </a:lvl8pPr>
+            <a:lvl9pPr>
+              <a:defRPr>
+                <a:solidFill>
+                  <a:schemeClr val="tx2"/>
+                </a:solidFill>
+              </a:defRPr>
+            </a:lvl9pPr>
+          </a:lstStyle>
+          <a:p>
+            <a:pPr lvl="0"/>
+            <a:r>
+              <a:rPr lang="en-US" sz="8000" dirty="0">
+                <a:solidFill>
+                  <a:schemeClr val="tx1"/>
+                </a:solidFill>
+                <a:effectLst/>
+              </a:rPr>
+              <a:t>“</a:t>
+            </a:r>
+          </a:p>
+        </p:txBody>
+      </p:sp>
+      <p:sp>
+        <p:nvSpPr>
+          <p:cNvPr id="14" name="TextBox 13"/>
+          <p:cNvSpPr txBox="1"/>
+          <p:nvPr/>
+        </p:nvSpPr>
+        <p:spPr>
+          <a:xfrm>
+            <a:off x="10473083" y="2922827"/>
+            <a:ext cx="609600" cy="584776"/>
+          </a:xfrm>
+          <a:prstGeom prst="rect">
+            <a:avLst/>
+          </a:prstGeom>
+        </p:spPr>
+        <p:txBody>
+          <a:bodyPr vert="horz" lIns="91440" tIns="45720" rIns="91440" bIns="45720" rtlCol="0" anchor="ctr">
+            <a:noAutofit/>
+          </a:bodyPr>
+          <a:lstStyle>
+            <a:lvl1pPr>
+              <a:spcBef>
+                <a:spcPct val="0"/>
+              </a:spcBef>
+              <a:buNone/>
+              <a:defRPr sz="3200" b="0" cap="all">
+                <a:ln w="3175" cmpd="sng">
+                  <a:noFill/>
+                </a:ln>
+                <a:effectLst>
+                  <a:glow rad="38100">
+                    <a:schemeClr val="bg1">
+                      <a:lumMod val="65000"/>
+                      <a:lumOff val="35000"/>
+                      <a:alpha val="40000"/>
+                    </a:schemeClr>
+                  </a:glow>
+                  <a:outerShdw blurRad="28575" dist="38100" dir="14040000" algn="tl" rotWithShape="0">
+                    <a:srgbClr val="000000">
+                      <a:alpha val="25000"/>
+                    </a:srgbClr>
+                  </a:outerShdw>
+                </a:effectLst>
+              </a:defRPr>
+            </a:lvl1pPr>
+            <a:lvl2pPr>
+              <a:defRPr>
+                <a:solidFill>
+                  <a:schemeClr val="tx2"/>
+                </a:solidFill>
+              </a:defRPr>
+            </a:lvl2pPr>
+            <a:lvl3pPr>
+              <a:defRPr>
+                <a:solidFill>
+                  <a:schemeClr val="tx2"/>
+                </a:solidFill>
+              </a:defRPr>
+            </a:lvl3pPr>
+            <a:lvl4pPr>
+              <a:defRPr>
+                <a:solidFill>
+                  <a:schemeClr val="tx2"/>
+                </a:solidFill>
+              </a:defRPr>
+            </a:lvl4pPr>
+            <a:lvl5pPr>
+              <a:defRPr>
+                <a:solidFill>
+                  <a:schemeClr val="tx2"/>
+                </a:solidFill>
+              </a:defRPr>
+            </a:lvl5pPr>
+            <a:lvl6pPr>
+              <a:defRPr>
+                <a:solidFill>
+                  <a:schemeClr val="tx2"/>
+                </a:solidFill>
+              </a:defRPr>
+            </a:lvl6pPr>
+            <a:lvl7pPr>
+              <a:defRPr>
+                <a:solidFill>
+                  <a:schemeClr val="tx2"/>
+                </a:solidFill>
+              </a:defRPr>
+            </a:lvl7pPr>
+            <a:lvl8pPr>
+              <a:defRPr>
+                <a:solidFill>
+                  <a:schemeClr val="tx2"/>
+                </a:solidFill>
+              </a:defRPr>
+            </a:lvl8pPr>
+            <a:lvl9pPr>
+              <a:defRPr>
+                <a:solidFill>
+                  <a:schemeClr val="tx2"/>
+                </a:solidFill>
+              </a:defRPr>
+            </a:lvl9pPr>
+          </a:lstStyle>
+          <a:p>
+            <a:pPr lvl="0" algn="r"/>
+            <a:r>
+              <a:rPr lang="en-US" sz="8000" dirty="0">
+                <a:solidFill>
+                  <a:schemeClr val="tx1"/>
+                </a:solidFill>
+                <a:effectLst/>
+              </a:rPr>
+              <a:t>”</a:t>
+            </a:r>
+          </a:p>
+        </p:txBody>
+      </p:sp>
+    </p:spTree>
+    <p:extLst>
+      <p:ext uri="{BB962C8B-B14F-4D97-AF65-F5344CB8AC3E}">
+        <p14:creationId xmlns:p14="http://schemas.microsoft.com/office/powerpoint/2010/main" val="1711983504"/>
+      </p:ext>
+    </p:extLst>
+  </p:cSld>
+  <p:clrMapOvr>
+    <a:masterClrMapping/>
+  </p:clrMapOvr>
+</p:sldLayout>
+</file>
+
+<file path=ppt/slideLayouts/slideLayout13.xml><?xml version="1.0" encoding="utf-8"?>
+<p:sldLayout xmlns:a="http://schemas.openxmlformats.org/drawingml/2006/main" xmlns:r="http://schemas.openxmlformats.org/officeDocument/2006/relationships" xmlns:p="http://schemas.openxmlformats.org/presentationml/2006/main" preserve="1">
+  <p:cSld name="Name Card">
+    <p:spTree>
+      <p:nvGrpSpPr>
+        <p:cNvPr id="1" name=""/>
+        <p:cNvGrpSpPr/>
+        <p:nvPr/>
+      </p:nvGrpSpPr>
+      <p:grpSpPr>
+        <a:xfrm>
+          <a:off x="0" y="0"/>
+          <a:ext cx="0" cy="0"/>
+          <a:chOff x="0" y="0"/>
+          <a:chExt cx="0" cy="0"/>
+        </a:xfrm>
+      </p:grpSpPr>
+      <p:sp>
+        <p:nvSpPr>
+          <p:cNvPr id="2" name="Title 1"/>
+          <p:cNvSpPr>
+            <a:spLocks noGrp="1"/>
+          </p:cNvSpPr>
+          <p:nvPr>
+            <p:ph type="title"/>
+          </p:nvPr>
+        </p:nvSpPr>
+        <p:spPr>
+          <a:xfrm>
+            <a:off x="685800" y="1723854"/>
+            <a:ext cx="10394707" cy="2511835"/>
+          </a:xfrm>
+        </p:spPr>
+        <p:txBody>
+          <a:bodyPr anchor="b">
+            <a:normAutofit/>
+          </a:bodyPr>
+          <a:lstStyle>
+            <a:lvl1pPr algn="l">
+              <a:defRPr sz="4800"/>
+            </a:lvl1pPr>
+          </a:lstStyle>
+          <a:p>
+            <a:r>
+              <a:rPr lang="en-US"/>
+              <a:t>Click to edit Master title style</a:t>
+            </a:r>
+            <a:endParaRPr lang="en-US" dirty="0"/>
+          </a:p>
+        </p:txBody>
+      </p:sp>
+      <p:sp>
+        <p:nvSpPr>
+          <p:cNvPr id="4" name="Text Placeholder 3"/>
+          <p:cNvSpPr>
+            <a:spLocks noGrp="1"/>
+          </p:cNvSpPr>
+          <p:nvPr>
+            <p:ph type="body" sz="half" idx="2"/>
+          </p:nvPr>
+        </p:nvSpPr>
+        <p:spPr>
+          <a:xfrm>
+            <a:off x="685800" y="4247468"/>
+            <a:ext cx="10394707" cy="1140644"/>
+          </a:xfrm>
+        </p:spPr>
+        <p:txBody>
+          <a:bodyPr anchor="t">
+            <a:normAutofit/>
+          </a:bodyPr>
+          <a:lstStyle>
+            <a:lvl1pPr marL="0" indent="0" algn="l">
+              <a:buNone/>
+              <a:defRPr sz="1800"/>
+            </a:lvl1pPr>
+            <a:lvl2pPr marL="457200" indent="0">
+              <a:buNone/>
+              <a:defRPr sz="1400"/>
+            </a:lvl2pPr>
+            <a:lvl3pPr marL="914400" indent="0">
+              <a:buNone/>
+              <a:defRPr sz="1200"/>
+            </a:lvl3pPr>
+            <a:lvl4pPr marL="1371600" indent="0">
+              <a:buNone/>
+              <a:defRPr sz="1000"/>
+            </a:lvl4pPr>
+            <a:lvl5pPr marL="1828800" indent="0">
+              <a:buNone/>
+              <a:defRPr sz="1000"/>
+            </a:lvl5pPr>
+            <a:lvl6pPr marL="2286000" indent="0">
+              <a:buNone/>
+              <a:defRPr sz="1000"/>
+            </a:lvl6pPr>
+            <a:lvl7pPr marL="2743200" indent="0">
+              <a:buNone/>
+              <a:defRPr sz="1000"/>
+            </a:lvl7pPr>
+            <a:lvl8pPr marL="3200400" indent="0">
+              <a:buNone/>
+              <a:defRPr sz="1000"/>
+            </a:lvl8pPr>
+            <a:lvl9pPr marL="3657600" indent="0">
+              <a:buNone/>
+              <a:defRPr sz="1000"/>
+            </a:lvl9pPr>
+          </a:lstStyle>
+          <a:p>
+            <a:pPr lvl="0"/>
+            <a:r>
+              <a:rPr lang="en-US"/>
+              <a:t>Edit Master text styles</a:t>
+            </a:r>
+          </a:p>
+        </p:txBody>
+      </p:sp>
+      <p:sp>
+        <p:nvSpPr>
+          <p:cNvPr id="5" name="Date Placeholder 4"/>
+          <p:cNvSpPr>
+            <a:spLocks noGrp="1"/>
+          </p:cNvSpPr>
+          <p:nvPr>
+            <p:ph type="dt" sz="half" idx="10"/>
+          </p:nvPr>
+        </p:nvSpPr>
+        <p:spPr/>
+        <p:txBody>
+          <a:bodyPr/>
+          <a:lstStyle/>
+          <a:p>
+            <a:fld id="{AB8825DF-4850-4405-A21B-790940A69C75}" type="datetimeFigureOut">
+              <a:rPr lang="en-US" smtClean="0"/>
+              <a:t>3/16/2022</a:t>
+            </a:fld>
+            <a:endParaRPr lang="en-US"/>
+          </a:p>
+        </p:txBody>
+      </p:sp>
+      <p:sp>
+        <p:nvSpPr>
+          <p:cNvPr id="6" name="Footer Placeholder 5"/>
+          <p:cNvSpPr>
+            <a:spLocks noGrp="1"/>
+          </p:cNvSpPr>
+          <p:nvPr>
+            <p:ph type="ftr" sz="quarter" idx="11"/>
+          </p:nvPr>
+        </p:nvSpPr>
+        <p:spPr/>
+        <p:txBody>
+          <a:bodyPr/>
+          <a:lstStyle/>
+          <a:p>
+            <a:endParaRPr lang="en-US"/>
+          </a:p>
+        </p:txBody>
+      </p:sp>
+      <p:sp>
+        <p:nvSpPr>
+          <p:cNvPr id="7" name="Slide Number Placeholder 6"/>
+          <p:cNvSpPr>
+            <a:spLocks noGrp="1"/>
+          </p:cNvSpPr>
+          <p:nvPr>
+            <p:ph type="sldNum" sz="quarter" idx="12"/>
+          </p:nvPr>
+        </p:nvSpPr>
+        <p:spPr/>
+        <p:txBody>
+          <a:bodyPr/>
+          <a:lstStyle/>
+          <a:p>
+            <a:fld id="{CC6B00B9-4493-441B-AFBE-C0C0C68EBA7E}" type="slidenum">
+              <a:rPr lang="en-US" smtClean="0"/>
+              <a:t>‹#›</a:t>
+            </a:fld>
+            <a:endParaRPr lang="en-US"/>
+          </a:p>
+        </p:txBody>
+      </p:sp>
+    </p:spTree>
+    <p:extLst>
+      <p:ext uri="{BB962C8B-B14F-4D97-AF65-F5344CB8AC3E}">
+        <p14:creationId xmlns:p14="http://schemas.microsoft.com/office/powerpoint/2010/main" val="590065040"/>
+      </p:ext>
+    </p:extLst>
+  </p:cSld>
+  <p:clrMapOvr>
+    <a:masterClrMapping/>
+  </p:clrMapOvr>
+</p:sldLayout>
+</file>
+
+<file path=ppt/slideLayouts/slideLayout14.xml><?xml version="1.0" encoding="utf-8"?>
+<p:sldLayout xmlns:a="http://schemas.openxmlformats.org/drawingml/2006/main" xmlns:r="http://schemas.openxmlformats.org/officeDocument/2006/relationships" xmlns:p="http://schemas.openxmlformats.org/presentationml/2006/main" preserve="1">
+  <p:cSld name="3 Column">
+    <p:spTree>
+      <p:nvGrpSpPr>
+        <p:cNvPr id="1" name=""/>
+        <p:cNvGrpSpPr/>
+        <p:nvPr/>
+      </p:nvGrpSpPr>
+      <p:grpSpPr>
+        <a:xfrm>
+          <a:off x="0" y="0"/>
+          <a:ext cx="0" cy="0"/>
+          <a:chOff x="0" y="0"/>
+          <a:chExt cx="0" cy="0"/>
+        </a:xfrm>
+      </p:grpSpPr>
+      <p:sp>
+        <p:nvSpPr>
+          <p:cNvPr id="15" name="Title 1"/>
+          <p:cNvSpPr>
+            <a:spLocks noGrp="1"/>
+          </p:cNvSpPr>
+          <p:nvPr>
+            <p:ph type="title"/>
+          </p:nvPr>
+        </p:nvSpPr>
+        <p:spPr>
+          <a:xfrm>
+            <a:off x="685802" y="685800"/>
+            <a:ext cx="10394706" cy="1151965"/>
+          </a:xfrm>
+        </p:spPr>
+        <p:txBody>
+          <a:bodyPr/>
+          <a:lstStyle>
+            <a:lvl1pPr algn="ctr">
+              <a:defRPr/>
+            </a:lvl1pPr>
+          </a:lstStyle>
+          <a:p>
+            <a:r>
+              <a:rPr lang="en-US"/>
+              <a:t>Click to edit Master title style</a:t>
+            </a:r>
+            <a:endParaRPr lang="en-US" dirty="0"/>
+          </a:p>
+        </p:txBody>
+      </p:sp>
+      <p:sp>
+        <p:nvSpPr>
+          <p:cNvPr id="7" name="Text Placeholder 2"/>
+          <p:cNvSpPr>
+            <a:spLocks noGrp="1"/>
+          </p:cNvSpPr>
+          <p:nvPr>
+            <p:ph type="body" idx="1"/>
+          </p:nvPr>
+        </p:nvSpPr>
+        <p:spPr>
+          <a:xfrm>
+            <a:off x="685802" y="2063395"/>
+            <a:ext cx="3310128" cy="576262"/>
+          </a:xfrm>
+        </p:spPr>
+        <p:txBody>
+          <a:bodyPr anchor="b">
+            <a:noAutofit/>
+          </a:bodyPr>
+          <a:lstStyle>
+            <a:lvl1pPr marL="0" indent="0" algn="ctr">
+              <a:lnSpc>
+                <a:spcPct val="90000"/>
+              </a:lnSpc>
+              <a:buNone/>
+              <a:defRPr sz="2400" b="0">
+                <a:solidFill>
+                  <a:schemeClr val="accent1"/>
+                </a:solidFill>
+              </a:defRPr>
+            </a:lvl1pPr>
+            <a:lvl2pPr marL="457200" indent="0">
+              <a:buNone/>
+              <a:defRPr sz="2000" b="1"/>
+            </a:lvl2pPr>
+            <a:lvl3pPr marL="914400" indent="0">
+              <a:buNone/>
+              <a:defRPr sz="1800" b="1"/>
+            </a:lvl3pPr>
+            <a:lvl4pPr marL="1371600" indent="0">
+              <a:buNone/>
+              <a:defRPr sz="1600" b="1"/>
+            </a:lvl4pPr>
+            <a:lvl5pPr marL="1828800" indent="0">
+              <a:buNone/>
+              <a:defRPr sz="1600" b="1"/>
+            </a:lvl5pPr>
+            <a:lvl6pPr marL="2286000" indent="0">
+              <a:buNone/>
+              <a:defRPr sz="1600" b="1"/>
+            </a:lvl6pPr>
+            <a:lvl7pPr marL="2743200" indent="0">
+              <a:buNone/>
+              <a:defRPr sz="1600" b="1"/>
+            </a:lvl7pPr>
+            <a:lvl8pPr marL="3200400" indent="0">
+              <a:buNone/>
+              <a:defRPr sz="1600" b="1"/>
+            </a:lvl8pPr>
+            <a:lvl9pPr marL="3657600" indent="0">
+              <a:buNone/>
+              <a:defRPr sz="1600" b="1"/>
+            </a:lvl9pPr>
+          </a:lstStyle>
+          <a:p>
+            <a:pPr lvl="0"/>
+            <a:r>
+              <a:rPr lang="en-US"/>
+              <a:t>Edit Master text styles</a:t>
+            </a:r>
+          </a:p>
+        </p:txBody>
+      </p:sp>
+      <p:sp>
+        <p:nvSpPr>
+          <p:cNvPr id="8" name="Text Placeholder 3"/>
+          <p:cNvSpPr>
+            <a:spLocks noGrp="1"/>
+          </p:cNvSpPr>
+          <p:nvPr>
+            <p:ph type="body" sz="half" idx="15"/>
+          </p:nvPr>
+        </p:nvSpPr>
+        <p:spPr>
+          <a:xfrm>
+            <a:off x="685802" y="2639658"/>
+            <a:ext cx="3310128" cy="2734928"/>
+          </a:xfrm>
+        </p:spPr>
+        <p:txBody>
+          <a:bodyPr anchor="t">
+            <a:normAutofit/>
+          </a:bodyPr>
+          <a:lstStyle>
+            <a:lvl1pPr marL="0" indent="0" algn="ctr">
+              <a:buNone/>
+              <a:defRPr sz="1400"/>
+            </a:lvl1pPr>
+            <a:lvl2pPr marL="457200" indent="0">
+              <a:buNone/>
+              <a:defRPr sz="1200"/>
+            </a:lvl2pPr>
+            <a:lvl3pPr marL="914400" indent="0">
+              <a:buNone/>
+              <a:defRPr sz="1000"/>
+            </a:lvl3pPr>
+            <a:lvl4pPr marL="1371600" indent="0">
+              <a:buNone/>
+              <a:defRPr sz="900"/>
+            </a:lvl4pPr>
+            <a:lvl5pPr marL="1828800" indent="0">
+              <a:buNone/>
+              <a:defRPr sz="900"/>
+            </a:lvl5pPr>
+            <a:lvl6pPr marL="2286000" indent="0">
+              <a:buNone/>
+              <a:defRPr sz="900"/>
+            </a:lvl6pPr>
+            <a:lvl7pPr marL="2743200" indent="0">
+              <a:buNone/>
+              <a:defRPr sz="900"/>
+            </a:lvl7pPr>
+            <a:lvl8pPr marL="3200400" indent="0">
+              <a:buNone/>
+              <a:defRPr sz="900"/>
+            </a:lvl8pPr>
+            <a:lvl9pPr marL="3657600" indent="0">
+              <a:buNone/>
+              <a:defRPr sz="900"/>
+            </a:lvl9pPr>
+          </a:lstStyle>
+          <a:p>
+            <a:pPr lvl="0"/>
+            <a:r>
+              <a:rPr lang="en-US"/>
+              <a:t>Edit Master text styles</a:t>
+            </a:r>
+          </a:p>
+        </p:txBody>
+      </p:sp>
+      <p:sp>
+        <p:nvSpPr>
+          <p:cNvPr id="9" name="Text Placeholder 4"/>
+          <p:cNvSpPr>
+            <a:spLocks noGrp="1"/>
+          </p:cNvSpPr>
+          <p:nvPr>
+            <p:ph type="body" sz="quarter" idx="3"/>
+          </p:nvPr>
+        </p:nvSpPr>
+        <p:spPr>
+          <a:xfrm>
+            <a:off x="4234622" y="2063395"/>
+            <a:ext cx="3310128" cy="576262"/>
+          </a:xfrm>
+        </p:spPr>
+        <p:txBody>
+          <a:bodyPr anchor="b">
+            <a:noAutofit/>
+          </a:bodyPr>
+          <a:lstStyle>
+            <a:lvl1pPr marL="0" indent="0" algn="ctr">
+              <a:lnSpc>
+                <a:spcPct val="90000"/>
+              </a:lnSpc>
+              <a:buNone/>
+              <a:defRPr sz="2400" b="0">
+                <a:solidFill>
+                  <a:schemeClr val="accent1"/>
+                </a:solidFill>
+              </a:defRPr>
+            </a:lvl1pPr>
+            <a:lvl2pPr marL="457200" indent="0">
+              <a:buNone/>
+              <a:defRPr sz="2000" b="1"/>
+            </a:lvl2pPr>
+            <a:lvl3pPr marL="914400" indent="0">
+              <a:buNone/>
+              <a:defRPr sz="1800" b="1"/>
+            </a:lvl3pPr>
+            <a:lvl4pPr marL="1371600" indent="0">
+              <a:buNone/>
+              <a:defRPr sz="1600" b="1"/>
+            </a:lvl4pPr>
+            <a:lvl5pPr marL="1828800" indent="0">
+              <a:buNone/>
+              <a:defRPr sz="1600" b="1"/>
+            </a:lvl5pPr>
+            <a:lvl6pPr marL="2286000" indent="0">
+              <a:buNone/>
+              <a:defRPr sz="1600" b="1"/>
+            </a:lvl6pPr>
+            <a:lvl7pPr marL="2743200" indent="0">
+              <a:buNone/>
+              <a:defRPr sz="1600" b="1"/>
+            </a:lvl7pPr>
+            <a:lvl8pPr marL="3200400" indent="0">
+              <a:buNone/>
+              <a:defRPr sz="1600" b="1"/>
+            </a:lvl8pPr>
+            <a:lvl9pPr marL="3657600" indent="0">
+              <a:buNone/>
+              <a:defRPr sz="1600" b="1"/>
+            </a:lvl9pPr>
+          </a:lstStyle>
+          <a:p>
+            <a:pPr lvl="0"/>
+            <a:r>
+              <a:rPr lang="en-US"/>
+              <a:t>Edit Master text styles</a:t>
+            </a:r>
+          </a:p>
+        </p:txBody>
+      </p:sp>
+      <p:sp>
+        <p:nvSpPr>
+          <p:cNvPr id="10" name="Text Placeholder 3"/>
+          <p:cNvSpPr>
+            <a:spLocks noGrp="1"/>
+          </p:cNvSpPr>
+          <p:nvPr>
+            <p:ph type="body" sz="half" idx="16"/>
+          </p:nvPr>
+        </p:nvSpPr>
+        <p:spPr>
+          <a:xfrm>
+            <a:off x="4234621" y="2639658"/>
+            <a:ext cx="3310128" cy="2734928"/>
+          </a:xfrm>
+        </p:spPr>
+        <p:txBody>
+          <a:bodyPr anchor="t">
+            <a:normAutofit/>
+          </a:bodyPr>
+          <a:lstStyle>
+            <a:lvl1pPr marL="0" indent="0" algn="ctr">
+              <a:buNone/>
+              <a:defRPr sz="1400"/>
+            </a:lvl1pPr>
+            <a:lvl2pPr marL="457200" indent="0">
+              <a:buNone/>
+              <a:defRPr sz="1200"/>
+            </a:lvl2pPr>
+            <a:lvl3pPr marL="914400" indent="0">
+              <a:buNone/>
+              <a:defRPr sz="1000"/>
+            </a:lvl3pPr>
+            <a:lvl4pPr marL="1371600" indent="0">
+              <a:buNone/>
+              <a:defRPr sz="900"/>
+            </a:lvl4pPr>
+            <a:lvl5pPr marL="1828800" indent="0">
+              <a:buNone/>
+              <a:defRPr sz="900"/>
+            </a:lvl5pPr>
+            <a:lvl6pPr marL="2286000" indent="0">
+              <a:buNone/>
+              <a:defRPr sz="900"/>
+            </a:lvl6pPr>
+            <a:lvl7pPr marL="2743200" indent="0">
+              <a:buNone/>
+              <a:defRPr sz="900"/>
+            </a:lvl7pPr>
+            <a:lvl8pPr marL="3200400" indent="0">
+              <a:buNone/>
+              <a:defRPr sz="900"/>
+            </a:lvl8pPr>
+            <a:lvl9pPr marL="3657600" indent="0">
+              <a:buNone/>
+              <a:defRPr sz="900"/>
+            </a:lvl9pPr>
+          </a:lstStyle>
+          <a:p>
+            <a:pPr lvl="0"/>
+            <a:r>
+              <a:rPr lang="en-US"/>
+              <a:t>Edit Master text styles</a:t>
+            </a:r>
+          </a:p>
+        </p:txBody>
+      </p:sp>
+      <p:sp>
+        <p:nvSpPr>
+          <p:cNvPr id="11" name="Text Placeholder 4"/>
+          <p:cNvSpPr>
+            <a:spLocks noGrp="1"/>
+          </p:cNvSpPr>
+          <p:nvPr>
+            <p:ph type="body" sz="quarter" idx="13"/>
+          </p:nvPr>
+        </p:nvSpPr>
+        <p:spPr>
+          <a:xfrm>
+            <a:off x="7770380" y="2063395"/>
+            <a:ext cx="3310128" cy="576262"/>
+          </a:xfrm>
+        </p:spPr>
+        <p:txBody>
+          <a:bodyPr anchor="b">
+            <a:noAutofit/>
+          </a:bodyPr>
+          <a:lstStyle>
+            <a:lvl1pPr marL="0" indent="0" algn="ctr">
+              <a:lnSpc>
+                <a:spcPct val="90000"/>
+              </a:lnSpc>
+              <a:buNone/>
+              <a:defRPr sz="2400" b="0">
+                <a:solidFill>
+                  <a:schemeClr val="accent1"/>
+                </a:solidFill>
+              </a:defRPr>
+            </a:lvl1pPr>
+            <a:lvl2pPr marL="457200" indent="0">
+              <a:buNone/>
+              <a:defRPr sz="2000" b="1"/>
+            </a:lvl2pPr>
+            <a:lvl3pPr marL="914400" indent="0">
+              <a:buNone/>
+              <a:defRPr sz="1800" b="1"/>
+            </a:lvl3pPr>
+            <a:lvl4pPr marL="1371600" indent="0">
+              <a:buNone/>
+              <a:defRPr sz="1600" b="1"/>
+            </a:lvl4pPr>
+            <a:lvl5pPr marL="1828800" indent="0">
+              <a:buNone/>
+              <a:defRPr sz="1600" b="1"/>
+            </a:lvl5pPr>
+            <a:lvl6pPr marL="2286000" indent="0">
+              <a:buNone/>
+              <a:defRPr sz="1600" b="1"/>
+            </a:lvl6pPr>
+            <a:lvl7pPr marL="2743200" indent="0">
+              <a:buNone/>
+              <a:defRPr sz="1600" b="1"/>
+            </a:lvl7pPr>
+            <a:lvl8pPr marL="3200400" indent="0">
+              <a:buNone/>
+              <a:defRPr sz="1600" b="1"/>
+            </a:lvl8pPr>
+            <a:lvl9pPr marL="3657600" indent="0">
+              <a:buNone/>
+              <a:defRPr sz="1600" b="1"/>
+            </a:lvl9pPr>
+          </a:lstStyle>
+          <a:p>
+            <a:pPr lvl="0"/>
+            <a:r>
+              <a:rPr lang="en-US"/>
+              <a:t>Edit Master text styles</a:t>
+            </a:r>
+          </a:p>
+        </p:txBody>
+      </p:sp>
+      <p:sp>
+        <p:nvSpPr>
+          <p:cNvPr id="12" name="Text Placeholder 3"/>
+          <p:cNvSpPr>
+            <a:spLocks noGrp="1"/>
+          </p:cNvSpPr>
+          <p:nvPr>
+            <p:ph type="body" sz="half" idx="17"/>
+          </p:nvPr>
+        </p:nvSpPr>
+        <p:spPr>
+          <a:xfrm>
+            <a:off x="7770380" y="2639658"/>
+            <a:ext cx="3310128" cy="2734928"/>
+          </a:xfrm>
+        </p:spPr>
+        <p:txBody>
+          <a:bodyPr anchor="t">
+            <a:normAutofit/>
+          </a:bodyPr>
+          <a:lstStyle>
+            <a:lvl1pPr marL="0" indent="0" algn="ctr">
+              <a:buNone/>
+              <a:defRPr sz="1400"/>
+            </a:lvl1pPr>
+            <a:lvl2pPr marL="457200" indent="0">
+              <a:buNone/>
+              <a:defRPr sz="1200"/>
+            </a:lvl2pPr>
+            <a:lvl3pPr marL="914400" indent="0">
+              <a:buNone/>
+              <a:defRPr sz="1000"/>
+            </a:lvl3pPr>
+            <a:lvl4pPr marL="1371600" indent="0">
+              <a:buNone/>
+              <a:defRPr sz="900"/>
+            </a:lvl4pPr>
+            <a:lvl5pPr marL="1828800" indent="0">
+              <a:buNone/>
+              <a:defRPr sz="900"/>
+            </a:lvl5pPr>
+            <a:lvl6pPr marL="2286000" indent="0">
+              <a:buNone/>
+              <a:defRPr sz="900"/>
+            </a:lvl6pPr>
+            <a:lvl7pPr marL="2743200" indent="0">
+              <a:buNone/>
+              <a:defRPr sz="900"/>
+            </a:lvl7pPr>
+            <a:lvl8pPr marL="3200400" indent="0">
+              <a:buNone/>
+              <a:defRPr sz="900"/>
+            </a:lvl8pPr>
+            <a:lvl9pPr marL="3657600" indent="0">
+              <a:buNone/>
+              <a:defRPr sz="900"/>
+            </a:lvl9pPr>
+          </a:lstStyle>
+          <a:p>
+            <a:pPr lvl="0"/>
+            <a:r>
+              <a:rPr lang="en-US"/>
+              <a:t>Edit Master text styles</a:t>
+            </a:r>
+          </a:p>
+        </p:txBody>
+      </p:sp>
+      <p:sp>
+        <p:nvSpPr>
+          <p:cNvPr id="3" name="Date Placeholder 2"/>
+          <p:cNvSpPr>
+            <a:spLocks noGrp="1"/>
+          </p:cNvSpPr>
+          <p:nvPr>
+            <p:ph type="dt" sz="half" idx="10"/>
+          </p:nvPr>
+        </p:nvSpPr>
+        <p:spPr/>
+        <p:txBody>
+          <a:bodyPr/>
+          <a:lstStyle/>
+          <a:p>
+            <a:fld id="{AB8825DF-4850-4405-A21B-790940A69C75}" type="datetimeFigureOut">
+              <a:rPr lang="en-US" smtClean="0"/>
+              <a:t>3/16/2022</a:t>
+            </a:fld>
+            <a:endParaRPr lang="en-US"/>
+          </a:p>
+        </p:txBody>
+      </p:sp>
+      <p:sp>
+        <p:nvSpPr>
+          <p:cNvPr id="4" name="Footer Placeholder 3"/>
+          <p:cNvSpPr>
+            <a:spLocks noGrp="1"/>
+          </p:cNvSpPr>
+          <p:nvPr>
+            <p:ph type="ftr" sz="quarter" idx="11"/>
+          </p:nvPr>
+        </p:nvSpPr>
+        <p:spPr/>
+        <p:txBody>
+          <a:bodyPr/>
+          <a:lstStyle/>
+          <a:p>
+            <a:endParaRPr lang="en-US"/>
+          </a:p>
+        </p:txBody>
+      </p:sp>
+      <p:sp>
+        <p:nvSpPr>
+          <p:cNvPr id="5" name="Slide Number Placeholder 4"/>
+          <p:cNvSpPr>
+            <a:spLocks noGrp="1"/>
+          </p:cNvSpPr>
+          <p:nvPr>
+            <p:ph type="sldNum" sz="quarter" idx="12"/>
+          </p:nvPr>
+        </p:nvSpPr>
+        <p:spPr/>
+        <p:txBody>
+          <a:bodyPr/>
+          <a:lstStyle/>
+          <a:p>
+            <a:fld id="{CC6B00B9-4493-441B-AFBE-C0C0C68EBA7E}" type="slidenum">
+              <a:rPr lang="en-US" smtClean="0"/>
+              <a:t>‹#›</a:t>
+            </a:fld>
+            <a:endParaRPr lang="en-US"/>
+          </a:p>
+        </p:txBody>
+      </p:sp>
+    </p:spTree>
+    <p:extLst>
+      <p:ext uri="{BB962C8B-B14F-4D97-AF65-F5344CB8AC3E}">
+        <p14:creationId xmlns:p14="http://schemas.microsoft.com/office/powerpoint/2010/main" val="3845160741"/>
+      </p:ext>
+    </p:extLst>
+  </p:cSld>
+  <p:clrMapOvr>
+    <a:masterClrMapping/>
+  </p:clrMapOvr>
+</p:sldLayout>
+</file>
+
+<file path=ppt/slideLayouts/slideLayout15.xml><?xml version="1.0" encoding="utf-8"?>
+<p:sldLayout xmlns:a="http://schemas.openxmlformats.org/drawingml/2006/main" xmlns:r="http://schemas.openxmlformats.org/officeDocument/2006/relationships" xmlns:p="http://schemas.openxmlformats.org/presentationml/2006/main" preserve="1">
+  <p:cSld name="3 Picture Column">
+    <p:spTree>
+      <p:nvGrpSpPr>
+        <p:cNvPr id="1" name=""/>
+        <p:cNvGrpSpPr/>
+        <p:nvPr/>
+      </p:nvGrpSpPr>
+      <p:grpSpPr>
+        <a:xfrm>
+          <a:off x="0" y="0"/>
+          <a:ext cx="0" cy="0"/>
+          <a:chOff x="0" y="0"/>
+          <a:chExt cx="0" cy="0"/>
+        </a:xfrm>
+      </p:grpSpPr>
+      <p:sp>
+        <p:nvSpPr>
+          <p:cNvPr id="30" name="Title 1"/>
+          <p:cNvSpPr>
+            <a:spLocks noGrp="1"/>
+          </p:cNvSpPr>
+          <p:nvPr>
+            <p:ph type="title"/>
+          </p:nvPr>
+        </p:nvSpPr>
+        <p:spPr>
+          <a:xfrm>
+            <a:off x="685801" y="685800"/>
+            <a:ext cx="10396882" cy="1151965"/>
+          </a:xfrm>
+        </p:spPr>
+        <p:txBody>
+          <a:bodyPr/>
+          <a:lstStyle>
+            <a:lvl1pPr algn="ctr">
+              <a:defRPr/>
+            </a:lvl1pPr>
+          </a:lstStyle>
+          <a:p>
+            <a:r>
+              <a:rPr lang="en-US"/>
+              <a:t>Click to edit Master title style</a:t>
+            </a:r>
+            <a:endParaRPr lang="en-US" dirty="0"/>
+          </a:p>
+        </p:txBody>
+      </p:sp>
+      <p:sp>
+        <p:nvSpPr>
+          <p:cNvPr id="19" name="Text Placeholder 2"/>
+          <p:cNvSpPr>
+            <a:spLocks noGrp="1"/>
+          </p:cNvSpPr>
+          <p:nvPr>
+            <p:ph type="body" idx="1"/>
+          </p:nvPr>
+        </p:nvSpPr>
+        <p:spPr>
+          <a:xfrm>
+            <a:off x="691840" y="3813025"/>
+            <a:ext cx="3310128" cy="576262"/>
+          </a:xfrm>
+        </p:spPr>
+        <p:txBody>
+          <a:bodyPr anchor="b">
+            <a:noAutofit/>
+          </a:bodyPr>
+          <a:lstStyle>
+            <a:lvl1pPr marL="0" indent="0" algn="ctr">
+              <a:lnSpc>
+                <a:spcPct val="90000"/>
+              </a:lnSpc>
+              <a:buNone/>
+              <a:defRPr sz="2200" b="0">
+                <a:solidFill>
+                  <a:schemeClr val="accent1"/>
+                </a:solidFill>
+              </a:defRPr>
+            </a:lvl1pPr>
+            <a:lvl2pPr marL="457200" indent="0">
+              <a:buNone/>
+              <a:defRPr sz="2000" b="1"/>
+            </a:lvl2pPr>
+            <a:lvl3pPr marL="914400" indent="0">
+              <a:buNone/>
+              <a:defRPr sz="1800" b="1"/>
+            </a:lvl3pPr>
+            <a:lvl4pPr marL="1371600" indent="0">
+              <a:buNone/>
+              <a:defRPr sz="1600" b="1"/>
+            </a:lvl4pPr>
+            <a:lvl5pPr marL="1828800" indent="0">
+              <a:buNone/>
+              <a:defRPr sz="1600" b="1"/>
+            </a:lvl5pPr>
+            <a:lvl6pPr marL="2286000" indent="0">
+              <a:buNone/>
+              <a:defRPr sz="1600" b="1"/>
+            </a:lvl6pPr>
+            <a:lvl7pPr marL="2743200" indent="0">
+              <a:buNone/>
+              <a:defRPr sz="1600" b="1"/>
+            </a:lvl7pPr>
+            <a:lvl8pPr marL="3200400" indent="0">
+              <a:buNone/>
+              <a:defRPr sz="1600" b="1"/>
+            </a:lvl8pPr>
+            <a:lvl9pPr marL="3657600" indent="0">
+              <a:buNone/>
+              <a:defRPr sz="1600" b="1"/>
+            </a:lvl9pPr>
+          </a:lstStyle>
+          <a:p>
+            <a:pPr lvl="0"/>
+            <a:r>
+              <a:rPr lang="en-US"/>
+              <a:t>Edit Master text styles</a:t>
+            </a:r>
+          </a:p>
+        </p:txBody>
+      </p:sp>
+      <p:sp>
+        <p:nvSpPr>
+          <p:cNvPr id="20" name="Picture Placeholder 2"/>
+          <p:cNvSpPr>
+            <a:spLocks noGrp="1" noChangeAspect="1"/>
+          </p:cNvSpPr>
+          <p:nvPr>
+            <p:ph type="pic" idx="15"/>
+          </p:nvPr>
+        </p:nvSpPr>
+        <p:spPr>
+          <a:xfrm>
+            <a:off x="685780" y="2063395"/>
+            <a:ext cx="3310128" cy="1536725"/>
+          </a:xfrm>
+          <a:prstGeom prst="roundRect">
+            <a:avLst>
+              <a:gd name="adj" fmla="val 0"/>
+            </a:avLst>
+          </a:prstGeom>
+          <a:ln w="57150" cmpd="thinThick">
+            <a:solidFill>
+              <a:schemeClr val="bg1">
+                <a:lumMod val="50000"/>
+              </a:schemeClr>
+            </a:solidFill>
+            <a:miter lim="800000"/>
+          </a:ln>
+        </p:spPr>
+        <p:txBody>
+          <a:bodyPr anchor="t">
+            <a:normAutofit/>
+          </a:bodyPr>
+          <a:lstStyle>
+            <a:lvl1pPr marL="0" indent="0" algn="ctr">
+              <a:buNone/>
+              <a:defRPr sz="1600"/>
+            </a:lvl1pPr>
+            <a:lvl2pPr marL="457200" indent="0">
+              <a:buNone/>
+              <a:defRPr sz="1600"/>
+            </a:lvl2pPr>
+            <a:lvl3pPr marL="914400" indent="0">
+              <a:buNone/>
+              <a:defRPr sz="1600"/>
+            </a:lvl3pPr>
+            <a:lvl4pPr marL="1371600" indent="0">
+              <a:buNone/>
+              <a:defRPr sz="1600"/>
+            </a:lvl4pPr>
+            <a:lvl5pPr marL="1828800" indent="0">
+              <a:buNone/>
+              <a:defRPr sz="1600"/>
+            </a:lvl5pPr>
+            <a:lvl6pPr marL="2286000" indent="0">
+              <a:buNone/>
+              <a:defRPr sz="1600"/>
+            </a:lvl6pPr>
+            <a:lvl7pPr marL="2743200" indent="0">
+              <a:buNone/>
+              <a:defRPr sz="1600"/>
+            </a:lvl7pPr>
+            <a:lvl8pPr marL="3200400" indent="0">
+              <a:buNone/>
+              <a:defRPr sz="1600"/>
+            </a:lvl8pPr>
+            <a:lvl9pPr marL="3657600" indent="0">
+              <a:buNone/>
+              <a:defRPr sz="1600"/>
+            </a:lvl9pPr>
+          </a:lstStyle>
+          <a:p>
+            <a:r>
+              <a:rPr lang="en-US"/>
+              <a:t>Click icon to add picture</a:t>
+            </a:r>
+            <a:endParaRPr lang="en-US" dirty="0"/>
+          </a:p>
+        </p:txBody>
+      </p:sp>
+      <p:sp>
+        <p:nvSpPr>
+          <p:cNvPr id="21" name="Text Placeholder 3"/>
+          <p:cNvSpPr>
+            <a:spLocks noGrp="1"/>
+          </p:cNvSpPr>
+          <p:nvPr>
+            <p:ph type="body" sz="half" idx="18"/>
+          </p:nvPr>
+        </p:nvSpPr>
+        <p:spPr>
+          <a:xfrm>
+            <a:off x="691840" y="4389287"/>
+            <a:ext cx="3310128" cy="985299"/>
+          </a:xfrm>
+        </p:spPr>
+        <p:txBody>
+          <a:bodyPr anchor="t">
+            <a:normAutofit/>
+          </a:bodyPr>
+          <a:lstStyle>
+            <a:lvl1pPr marL="0" indent="0" algn="ctr">
+              <a:buNone/>
+              <a:defRPr sz="1400"/>
+            </a:lvl1pPr>
+            <a:lvl2pPr marL="457200" indent="0">
+              <a:buNone/>
+              <a:defRPr sz="1200"/>
+            </a:lvl2pPr>
+            <a:lvl3pPr marL="914400" indent="0">
+              <a:buNone/>
+              <a:defRPr sz="1000"/>
+            </a:lvl3pPr>
+            <a:lvl4pPr marL="1371600" indent="0">
+              <a:buNone/>
+              <a:defRPr sz="900"/>
+            </a:lvl4pPr>
+            <a:lvl5pPr marL="1828800" indent="0">
+              <a:buNone/>
+              <a:defRPr sz="900"/>
+            </a:lvl5pPr>
+            <a:lvl6pPr marL="2286000" indent="0">
+              <a:buNone/>
+              <a:defRPr sz="900"/>
+            </a:lvl6pPr>
+            <a:lvl7pPr marL="2743200" indent="0">
+              <a:buNone/>
+              <a:defRPr sz="900"/>
+            </a:lvl7pPr>
+            <a:lvl8pPr marL="3200400" indent="0">
+              <a:buNone/>
+              <a:defRPr sz="900"/>
+            </a:lvl8pPr>
+            <a:lvl9pPr marL="3657600" indent="0">
+              <a:buNone/>
+              <a:defRPr sz="900"/>
+            </a:lvl9pPr>
+          </a:lstStyle>
+          <a:p>
+            <a:pPr lvl="0"/>
+            <a:r>
+              <a:rPr lang="en-US"/>
+              <a:t>Edit Master text styles</a:t>
+            </a:r>
+          </a:p>
+        </p:txBody>
+      </p:sp>
+      <p:sp>
+        <p:nvSpPr>
+          <p:cNvPr id="22" name="Text Placeholder 4"/>
+          <p:cNvSpPr>
+            <a:spLocks noGrp="1"/>
+          </p:cNvSpPr>
+          <p:nvPr>
+            <p:ph type="body" sz="quarter" idx="3"/>
+          </p:nvPr>
+        </p:nvSpPr>
+        <p:spPr>
+          <a:xfrm>
+            <a:off x="4237410" y="3813025"/>
+            <a:ext cx="3310128" cy="576262"/>
+          </a:xfrm>
+        </p:spPr>
+        <p:txBody>
+          <a:bodyPr anchor="b">
+            <a:noAutofit/>
+          </a:bodyPr>
+          <a:lstStyle>
+            <a:lvl1pPr marL="0" indent="0" algn="ctr">
+              <a:lnSpc>
+                <a:spcPct val="90000"/>
+              </a:lnSpc>
+              <a:buNone/>
+              <a:defRPr sz="2200" b="0">
+                <a:solidFill>
+                  <a:schemeClr val="accent1"/>
+                </a:solidFill>
+              </a:defRPr>
+            </a:lvl1pPr>
+            <a:lvl2pPr marL="457200" indent="0">
+              <a:buNone/>
+              <a:defRPr sz="2000" b="1"/>
+            </a:lvl2pPr>
+            <a:lvl3pPr marL="914400" indent="0">
+              <a:buNone/>
+              <a:defRPr sz="1800" b="1"/>
+            </a:lvl3pPr>
+            <a:lvl4pPr marL="1371600" indent="0">
+              <a:buNone/>
+              <a:defRPr sz="1600" b="1"/>
+            </a:lvl4pPr>
+            <a:lvl5pPr marL="1828800" indent="0">
+              <a:buNone/>
+              <a:defRPr sz="1600" b="1"/>
+            </a:lvl5pPr>
+            <a:lvl6pPr marL="2286000" indent="0">
+              <a:buNone/>
+              <a:defRPr sz="1600" b="1"/>
+            </a:lvl6pPr>
+            <a:lvl7pPr marL="2743200" indent="0">
+              <a:buNone/>
+              <a:defRPr sz="1600" b="1"/>
+            </a:lvl7pPr>
+            <a:lvl8pPr marL="3200400" indent="0">
+              <a:buNone/>
+              <a:defRPr sz="1600" b="1"/>
+            </a:lvl8pPr>
+            <a:lvl9pPr marL="3657600" indent="0">
+              <a:buNone/>
+              <a:defRPr sz="1600" b="1"/>
+            </a:lvl9pPr>
+          </a:lstStyle>
+          <a:p>
+            <a:pPr lvl="0"/>
+            <a:r>
+              <a:rPr lang="en-US"/>
+              <a:t>Edit Master text styles</a:t>
+            </a:r>
+          </a:p>
+        </p:txBody>
+      </p:sp>
+      <p:sp>
+        <p:nvSpPr>
+          <p:cNvPr id="23" name="Picture Placeholder 2"/>
+          <p:cNvSpPr>
+            <a:spLocks noGrp="1" noChangeAspect="1"/>
+          </p:cNvSpPr>
+          <p:nvPr>
+            <p:ph type="pic" idx="21"/>
+          </p:nvPr>
+        </p:nvSpPr>
+        <p:spPr>
+          <a:xfrm>
+            <a:off x="4235999" y="2063395"/>
+            <a:ext cx="3310128" cy="1535237"/>
+          </a:xfrm>
+          <a:prstGeom prst="roundRect">
+            <a:avLst>
+              <a:gd name="adj" fmla="val 0"/>
+            </a:avLst>
+          </a:prstGeom>
+          <a:ln w="57150" cmpd="thinThick">
+            <a:solidFill>
+              <a:schemeClr val="bg1">
+                <a:lumMod val="50000"/>
+              </a:schemeClr>
+            </a:solidFill>
+            <a:miter lim="800000"/>
+          </a:ln>
+        </p:spPr>
+        <p:txBody>
+          <a:bodyPr anchor="t">
+            <a:normAutofit/>
+          </a:bodyPr>
+          <a:lstStyle>
+            <a:lvl1pPr marL="0" indent="0" algn="ctr">
+              <a:buNone/>
+              <a:defRPr sz="1600"/>
+            </a:lvl1pPr>
+            <a:lvl2pPr marL="457200" indent="0">
+              <a:buNone/>
+              <a:defRPr sz="1600"/>
+            </a:lvl2pPr>
+            <a:lvl3pPr marL="914400" indent="0">
+              <a:buNone/>
+              <a:defRPr sz="1600"/>
+            </a:lvl3pPr>
+            <a:lvl4pPr marL="1371600" indent="0">
+              <a:buNone/>
+              <a:defRPr sz="1600"/>
+            </a:lvl4pPr>
+            <a:lvl5pPr marL="1828800" indent="0">
+              <a:buNone/>
+              <a:defRPr sz="1600"/>
+            </a:lvl5pPr>
+            <a:lvl6pPr marL="2286000" indent="0">
+              <a:buNone/>
+              <a:defRPr sz="1600"/>
+            </a:lvl6pPr>
+            <a:lvl7pPr marL="2743200" indent="0">
+              <a:buNone/>
+              <a:defRPr sz="1600"/>
+            </a:lvl7pPr>
+            <a:lvl8pPr marL="3200400" indent="0">
+              <a:buNone/>
+              <a:defRPr sz="1600"/>
+            </a:lvl8pPr>
+            <a:lvl9pPr marL="3657600" indent="0">
+              <a:buNone/>
+              <a:defRPr sz="1600"/>
+            </a:lvl9pPr>
+          </a:lstStyle>
+          <a:p>
+            <a:r>
+              <a:rPr lang="en-US"/>
+              <a:t>Click icon to add picture</a:t>
+            </a:r>
+            <a:endParaRPr lang="en-US" dirty="0"/>
+          </a:p>
+        </p:txBody>
+      </p:sp>
+      <p:sp>
+        <p:nvSpPr>
+          <p:cNvPr id="24" name="Text Placeholder 3"/>
+          <p:cNvSpPr>
+            <a:spLocks noGrp="1"/>
+          </p:cNvSpPr>
+          <p:nvPr>
+            <p:ph type="body" sz="half" idx="19"/>
+          </p:nvPr>
+        </p:nvSpPr>
+        <p:spPr>
+          <a:xfrm>
+            <a:off x="4235999" y="4389286"/>
+            <a:ext cx="3310128" cy="985300"/>
+          </a:xfrm>
+        </p:spPr>
+        <p:txBody>
+          <a:bodyPr anchor="t">
+            <a:normAutofit/>
+          </a:bodyPr>
+          <a:lstStyle>
+            <a:lvl1pPr marL="0" indent="0" algn="ctr">
+              <a:buNone/>
+              <a:defRPr sz="1400"/>
+            </a:lvl1pPr>
+            <a:lvl2pPr marL="457200" indent="0">
+              <a:buNone/>
+              <a:defRPr sz="1200"/>
+            </a:lvl2pPr>
+            <a:lvl3pPr marL="914400" indent="0">
+              <a:buNone/>
+              <a:defRPr sz="1000"/>
+            </a:lvl3pPr>
+            <a:lvl4pPr marL="1371600" indent="0">
+              <a:buNone/>
+              <a:defRPr sz="900"/>
+            </a:lvl4pPr>
+            <a:lvl5pPr marL="1828800" indent="0">
+              <a:buNone/>
+              <a:defRPr sz="900"/>
+            </a:lvl5pPr>
+            <a:lvl6pPr marL="2286000" indent="0">
+              <a:buNone/>
+              <a:defRPr sz="900"/>
+            </a:lvl6pPr>
+            <a:lvl7pPr marL="2743200" indent="0">
+              <a:buNone/>
+              <a:defRPr sz="900"/>
+            </a:lvl7pPr>
+            <a:lvl8pPr marL="3200400" indent="0">
+              <a:buNone/>
+              <a:defRPr sz="900"/>
+            </a:lvl8pPr>
+            <a:lvl9pPr marL="3657600" indent="0">
+              <a:buNone/>
+              <a:defRPr sz="900"/>
+            </a:lvl9pPr>
+          </a:lstStyle>
+          <a:p>
+            <a:pPr lvl="0"/>
+            <a:r>
+              <a:rPr lang="en-US"/>
+              <a:t>Edit Master text styles</a:t>
+            </a:r>
+          </a:p>
+        </p:txBody>
+      </p:sp>
+      <p:sp>
+        <p:nvSpPr>
+          <p:cNvPr id="25" name="Text Placeholder 4"/>
+          <p:cNvSpPr>
+            <a:spLocks noGrp="1"/>
+          </p:cNvSpPr>
+          <p:nvPr>
+            <p:ph type="body" sz="quarter" idx="13"/>
+          </p:nvPr>
+        </p:nvSpPr>
+        <p:spPr>
+          <a:xfrm>
+            <a:off x="7768944" y="3813025"/>
+            <a:ext cx="3310128" cy="576262"/>
+          </a:xfrm>
+        </p:spPr>
+        <p:txBody>
+          <a:bodyPr anchor="b">
+            <a:noAutofit/>
+          </a:bodyPr>
+          <a:lstStyle>
+            <a:lvl1pPr marL="0" indent="0" algn="ctr">
+              <a:lnSpc>
+                <a:spcPct val="90000"/>
+              </a:lnSpc>
+              <a:buNone/>
+              <a:defRPr sz="2200" b="0">
+                <a:solidFill>
+                  <a:schemeClr val="accent1"/>
+                </a:solidFill>
+              </a:defRPr>
+            </a:lvl1pPr>
+            <a:lvl2pPr marL="457200" indent="0">
+              <a:buNone/>
+              <a:defRPr sz="2000" b="1"/>
+            </a:lvl2pPr>
+            <a:lvl3pPr marL="914400" indent="0">
+              <a:buNone/>
+              <a:defRPr sz="1800" b="1"/>
+            </a:lvl3pPr>
+            <a:lvl4pPr marL="1371600" indent="0">
+              <a:buNone/>
+              <a:defRPr sz="1600" b="1"/>
+            </a:lvl4pPr>
+            <a:lvl5pPr marL="1828800" indent="0">
+              <a:buNone/>
+              <a:defRPr sz="1600" b="1"/>
+            </a:lvl5pPr>
+            <a:lvl6pPr marL="2286000" indent="0">
+              <a:buNone/>
+              <a:defRPr sz="1600" b="1"/>
+            </a:lvl6pPr>
+            <a:lvl7pPr marL="2743200" indent="0">
+              <a:buNone/>
+              <a:defRPr sz="1600" b="1"/>
+            </a:lvl7pPr>
+            <a:lvl8pPr marL="3200400" indent="0">
+              <a:buNone/>
+              <a:defRPr sz="1600" b="1"/>
+            </a:lvl8pPr>
+            <a:lvl9pPr marL="3657600" indent="0">
+              <a:buNone/>
+              <a:defRPr sz="1600" b="1"/>
+            </a:lvl9pPr>
+          </a:lstStyle>
+          <a:p>
+            <a:pPr lvl="0"/>
+            <a:r>
+              <a:rPr lang="en-US"/>
+              <a:t>Edit Master text styles</a:t>
+            </a:r>
+          </a:p>
+        </p:txBody>
+      </p:sp>
+      <p:sp>
+        <p:nvSpPr>
+          <p:cNvPr id="26" name="Picture Placeholder 2"/>
+          <p:cNvSpPr>
+            <a:spLocks noGrp="1" noChangeAspect="1"/>
+          </p:cNvSpPr>
+          <p:nvPr>
+            <p:ph type="pic" idx="22"/>
+          </p:nvPr>
+        </p:nvSpPr>
+        <p:spPr>
+          <a:xfrm>
+            <a:off x="7768819" y="2063394"/>
+            <a:ext cx="3310128" cy="1537196"/>
+          </a:xfrm>
+          <a:prstGeom prst="roundRect">
+            <a:avLst>
+              <a:gd name="adj" fmla="val 0"/>
+            </a:avLst>
+          </a:prstGeom>
+          <a:ln w="57150" cmpd="thinThick">
+            <a:solidFill>
+              <a:schemeClr val="bg1">
+                <a:lumMod val="50000"/>
+              </a:schemeClr>
+            </a:solidFill>
+            <a:miter lim="800000"/>
+          </a:ln>
+        </p:spPr>
+        <p:txBody>
+          <a:bodyPr anchor="t">
+            <a:normAutofit/>
+          </a:bodyPr>
+          <a:lstStyle>
+            <a:lvl1pPr marL="0" indent="0" algn="ctr">
+              <a:buNone/>
+              <a:defRPr sz="1600"/>
+            </a:lvl1pPr>
+            <a:lvl2pPr marL="457200" indent="0">
+              <a:buNone/>
+              <a:defRPr sz="1600"/>
+            </a:lvl2pPr>
+            <a:lvl3pPr marL="914400" indent="0">
+              <a:buNone/>
+              <a:defRPr sz="1600"/>
+            </a:lvl3pPr>
+            <a:lvl4pPr marL="1371600" indent="0">
+              <a:buNone/>
+              <a:defRPr sz="1600"/>
+            </a:lvl4pPr>
+            <a:lvl5pPr marL="1828800" indent="0">
+              <a:buNone/>
+              <a:defRPr sz="1600"/>
+            </a:lvl5pPr>
+            <a:lvl6pPr marL="2286000" indent="0">
+              <a:buNone/>
+              <a:defRPr sz="1600"/>
+            </a:lvl6pPr>
+            <a:lvl7pPr marL="2743200" indent="0">
+              <a:buNone/>
+              <a:defRPr sz="1600"/>
+            </a:lvl7pPr>
+            <a:lvl8pPr marL="3200400" indent="0">
+              <a:buNone/>
+              <a:defRPr sz="1600"/>
+            </a:lvl8pPr>
+            <a:lvl9pPr marL="3657600" indent="0">
+              <a:buNone/>
+              <a:defRPr sz="1600"/>
+            </a:lvl9pPr>
+          </a:lstStyle>
+          <a:p>
+            <a:r>
+              <a:rPr lang="en-US"/>
+              <a:t>Click icon to add picture</a:t>
+            </a:r>
+            <a:endParaRPr lang="en-US" dirty="0"/>
+          </a:p>
+        </p:txBody>
+      </p:sp>
+      <p:sp>
+        <p:nvSpPr>
+          <p:cNvPr id="27" name="Text Placeholder 3"/>
+          <p:cNvSpPr>
+            <a:spLocks noGrp="1"/>
+          </p:cNvSpPr>
+          <p:nvPr>
+            <p:ph type="body" sz="half" idx="20"/>
+          </p:nvPr>
+        </p:nvSpPr>
+        <p:spPr>
+          <a:xfrm>
+            <a:off x="7768819" y="4389284"/>
+            <a:ext cx="3310128" cy="985302"/>
+          </a:xfrm>
+        </p:spPr>
+        <p:txBody>
+          <a:bodyPr anchor="t">
+            <a:normAutofit/>
+          </a:bodyPr>
+          <a:lstStyle>
+            <a:lvl1pPr marL="0" indent="0" algn="ctr">
+              <a:buNone/>
+              <a:defRPr sz="1400"/>
+            </a:lvl1pPr>
+            <a:lvl2pPr marL="457200" indent="0">
+              <a:buNone/>
+              <a:defRPr sz="1200"/>
+            </a:lvl2pPr>
+            <a:lvl3pPr marL="914400" indent="0">
+              <a:buNone/>
+              <a:defRPr sz="1000"/>
+            </a:lvl3pPr>
+            <a:lvl4pPr marL="1371600" indent="0">
+              <a:buNone/>
+              <a:defRPr sz="900"/>
+            </a:lvl4pPr>
+            <a:lvl5pPr marL="1828800" indent="0">
+              <a:buNone/>
+              <a:defRPr sz="900"/>
+            </a:lvl5pPr>
+            <a:lvl6pPr marL="2286000" indent="0">
+              <a:buNone/>
+              <a:defRPr sz="900"/>
+            </a:lvl6pPr>
+            <a:lvl7pPr marL="2743200" indent="0">
+              <a:buNone/>
+              <a:defRPr sz="900"/>
+            </a:lvl7pPr>
+            <a:lvl8pPr marL="3200400" indent="0">
+              <a:buNone/>
+              <a:defRPr sz="900"/>
+            </a:lvl8pPr>
+            <a:lvl9pPr marL="3657600" indent="0">
+              <a:buNone/>
+              <a:defRPr sz="900"/>
+            </a:lvl9pPr>
+          </a:lstStyle>
+          <a:p>
+            <a:pPr lvl="0"/>
+            <a:r>
+              <a:rPr lang="en-US"/>
+              <a:t>Edit Master text styles</a:t>
+            </a:r>
+          </a:p>
+        </p:txBody>
+      </p:sp>
+      <p:sp>
+        <p:nvSpPr>
+          <p:cNvPr id="3" name="Date Placeholder 2"/>
+          <p:cNvSpPr>
+            <a:spLocks noGrp="1"/>
+          </p:cNvSpPr>
+          <p:nvPr>
+            <p:ph type="dt" sz="half" idx="10"/>
+          </p:nvPr>
+        </p:nvSpPr>
+        <p:spPr/>
+        <p:txBody>
+          <a:bodyPr/>
+          <a:lstStyle/>
+          <a:p>
+            <a:fld id="{AB8825DF-4850-4405-A21B-790940A69C75}" type="datetimeFigureOut">
+              <a:rPr lang="en-US" smtClean="0"/>
+              <a:t>3/16/2022</a:t>
+            </a:fld>
+            <a:endParaRPr lang="en-US"/>
+          </a:p>
+        </p:txBody>
+      </p:sp>
+      <p:sp>
+        <p:nvSpPr>
+          <p:cNvPr id="4" name="Footer Placeholder 3"/>
+          <p:cNvSpPr>
+            <a:spLocks noGrp="1"/>
+          </p:cNvSpPr>
+          <p:nvPr>
+            <p:ph type="ftr" sz="quarter" idx="11"/>
+          </p:nvPr>
+        </p:nvSpPr>
+        <p:spPr/>
+        <p:txBody>
+          <a:bodyPr/>
+          <a:lstStyle/>
+          <a:p>
+            <a:endParaRPr lang="en-US"/>
+          </a:p>
+        </p:txBody>
+      </p:sp>
+      <p:sp>
+        <p:nvSpPr>
+          <p:cNvPr id="5" name="Slide Number Placeholder 4"/>
+          <p:cNvSpPr>
+            <a:spLocks noGrp="1"/>
+          </p:cNvSpPr>
+          <p:nvPr>
+            <p:ph type="sldNum" sz="quarter" idx="12"/>
+          </p:nvPr>
+        </p:nvSpPr>
+        <p:spPr/>
+        <p:txBody>
+          <a:bodyPr/>
+          <a:lstStyle/>
+          <a:p>
+            <a:fld id="{CC6B00B9-4493-441B-AFBE-C0C0C68EBA7E}" type="slidenum">
+              <a:rPr lang="en-US" smtClean="0"/>
+              <a:t>‹#›</a:t>
+            </a:fld>
+            <a:endParaRPr lang="en-US"/>
+          </a:p>
+        </p:txBody>
+      </p:sp>
+    </p:spTree>
+    <p:extLst>
+      <p:ext uri="{BB962C8B-B14F-4D97-AF65-F5344CB8AC3E}">
+        <p14:creationId xmlns:p14="http://schemas.microsoft.com/office/powerpoint/2010/main" val="2564063251"/>
+      </p:ext>
+    </p:extLst>
+  </p:cSld>
+  <p:clrMapOvr>
+    <a:masterClrMapping/>
+  </p:clrMapOvr>
+</p:sldLayout>
+</file>
+
+<file path=ppt/slideLayouts/slideLayout16.xml><?xml version="1.0" encoding="utf-8"?>
 <p:sldLayout xmlns:a="http://schemas.openxmlformats.org/drawingml/2006/main" xmlns:r="http://schemas.openxmlformats.org/officeDocument/2006/relationships" xmlns:p="http://schemas.openxmlformats.org/presentationml/2006/main" type="vertTx" preserve="1">
   <p:cSld name="Title and Vertical Text">
     <p:spTree>
@@ -352,13 +3217,7 @@
       </p:grpSpPr>
       <p:sp>
         <p:nvSpPr>
-          <p:cNvPr id="2" name="Title 1">
-            <a:extLst>
-              <a:ext uri="{FF2B5EF4-FFF2-40B4-BE49-F238E27FC236}">
-                <a16:creationId xmlns:a16="http://schemas.microsoft.com/office/drawing/2014/main" id="{8C661178-6CC0-41B0-9374-D720573FF327}"/>
-              </a:ext>
-            </a:extLst>
-          </p:cNvPr>
+          <p:cNvPr id="2" name="Title 1"/>
           <p:cNvSpPr>
             <a:spLocks noGrp="1"/>
           </p:cNvSpPr>
@@ -369,34 +3228,38 @@
         <p:spPr/>
         <p:txBody>
           <a:bodyPr/>
-          <a:lstStyle/>
+          <a:lstStyle>
+            <a:lvl1pPr algn="r">
+              <a:defRPr/>
+            </a:lvl1pPr>
+          </a:lstStyle>
           <a:p>
             <a:r>
               <a:rPr lang="en-US"/>
               <a:t>Click to edit Master title style</a:t>
             </a:r>
-          </a:p>
-        </p:txBody>
-      </p:sp>
-      <p:sp>
-        <p:nvSpPr>
-          <p:cNvPr id="3" name="Vertical Text Placeholder 2">
-            <a:extLst>
-              <a:ext uri="{FF2B5EF4-FFF2-40B4-BE49-F238E27FC236}">
-                <a16:creationId xmlns:a16="http://schemas.microsoft.com/office/drawing/2014/main" id="{27656FFF-43DB-4D3A-965B-05E62FF73B25}"/>
-              </a:ext>
-            </a:extLst>
-          </p:cNvPr>
-          <p:cNvSpPr>
-            <a:spLocks noGrp="1"/>
-          </p:cNvSpPr>
-          <p:nvPr>
-            <p:ph type="body" orient="vert" idx="1"/>
-          </p:nvPr>
-        </p:nvSpPr>
-        <p:spPr/>
-        <p:txBody>
-          <a:bodyPr vert="eaVert"/>
+            <a:endParaRPr lang="en-US" dirty="0"/>
+          </a:p>
+        </p:txBody>
+      </p:sp>
+      <p:sp>
+        <p:nvSpPr>
+          <p:cNvPr id="11" name="Vertical Text Placeholder 2"/>
+          <p:cNvSpPr>
+            <a:spLocks noGrp="1"/>
+          </p:cNvSpPr>
+          <p:nvPr>
+            <p:ph type="body" orient="vert" sz="quarter" idx="13"/>
+          </p:nvPr>
+        </p:nvSpPr>
+        <p:spPr>
+          <a:xfrm>
+            <a:off x="685800" y="2063396"/>
+            <a:ext cx="10394707" cy="3311190"/>
+          </a:xfrm>
+        </p:spPr>
+        <p:txBody>
+          <a:bodyPr vert="eaVert" anchor="t"/>
           <a:lstStyle/>
           <a:p>
             <a:pPr lvl="0"/>
@@ -432,18 +3295,13 @@
               <a:rPr lang="en-US"/>
               <a:t>Fifth level</a:t>
             </a:r>
-          </a:p>
-        </p:txBody>
-      </p:sp>
-      <p:sp>
-        <p:nvSpPr>
-          <p:cNvPr id="4" name="Date Placeholder 3">
-            <a:extLst>
-              <a:ext uri="{FF2B5EF4-FFF2-40B4-BE49-F238E27FC236}">
-                <a16:creationId xmlns:a16="http://schemas.microsoft.com/office/drawing/2014/main" id="{67BE0C09-5C56-470F-987F-6EDA3EBFCDDE}"/>
-              </a:ext>
-            </a:extLst>
-          </p:cNvPr>
+            <a:endParaRPr lang="en-US" dirty="0"/>
+          </a:p>
+        </p:txBody>
+      </p:sp>
+      <p:sp>
+        <p:nvSpPr>
+          <p:cNvPr id="4" name="Date Placeholder 3"/>
           <p:cNvSpPr>
             <a:spLocks noGrp="1"/>
           </p:cNvSpPr>
@@ -458,7 +3316,7 @@
           <a:p>
             <a:fld id="{AB8825DF-4850-4405-A21B-790940A69C75}" type="datetimeFigureOut">
               <a:rPr lang="en-US" smtClean="0"/>
-              <a:t>3/15/2022</a:t>
+              <a:t>3/16/2022</a:t>
             </a:fld>
             <a:endParaRPr lang="en-US"/>
           </a:p>
@@ -466,13 +3324,7 @@
       </p:sp>
       <p:sp>
         <p:nvSpPr>
-          <p:cNvPr id="5" name="Footer Placeholder 4">
-            <a:extLst>
-              <a:ext uri="{FF2B5EF4-FFF2-40B4-BE49-F238E27FC236}">
-                <a16:creationId xmlns:a16="http://schemas.microsoft.com/office/drawing/2014/main" id="{FFA5873E-D8D9-434F-8193-210305C26A93}"/>
-              </a:ext>
-            </a:extLst>
-          </p:cNvPr>
+          <p:cNvPr id="5" name="Footer Placeholder 4"/>
           <p:cNvSpPr>
             <a:spLocks noGrp="1"/>
           </p:cNvSpPr>
@@ -491,13 +3343,7 @@
       </p:sp>
       <p:sp>
         <p:nvSpPr>
-          <p:cNvPr id="6" name="Slide Number Placeholder 5">
-            <a:extLst>
-              <a:ext uri="{FF2B5EF4-FFF2-40B4-BE49-F238E27FC236}">
-                <a16:creationId xmlns:a16="http://schemas.microsoft.com/office/drawing/2014/main" id="{90868F20-547C-4004-BFDC-EB32A401FD28}"/>
-              </a:ext>
-            </a:extLst>
-          </p:cNvPr>
+          <p:cNvPr id="6" name="Slide Number Placeholder 5"/>
           <p:cNvSpPr>
             <a:spLocks noGrp="1"/>
           </p:cNvSpPr>
@@ -521,7 +3367,7 @@
     </p:spTree>
     <p:extLst>
       <p:ext uri="{BB962C8B-B14F-4D97-AF65-F5344CB8AC3E}">
-        <p14:creationId xmlns:p14="http://schemas.microsoft.com/office/powerpoint/2010/main" val="3592372769"/>
+        <p14:creationId xmlns:p14="http://schemas.microsoft.com/office/powerpoint/2010/main" val="3861388058"/>
       </p:ext>
     </p:extLst>
   </p:cSld>
@@ -531,7 +3377,7 @@
 </p:sldLayout>
 </file>
 
-<file path=ppt/slideLayouts/slideLayout11.xml><?xml version="1.0" encoding="utf-8"?>
+<file path=ppt/slideLayouts/slideLayout17.xml><?xml version="1.0" encoding="utf-8"?>
 <p:sldLayout xmlns:a="http://schemas.openxmlformats.org/drawingml/2006/main" xmlns:r="http://schemas.openxmlformats.org/officeDocument/2006/relationships" xmlns:p="http://schemas.openxmlformats.org/presentationml/2006/main" type="vertTitleAndTx" preserve="1">
   <p:cSld name="Vertical Title and Text">
     <p:spTree>
@@ -550,13 +3396,7 @@
       </p:grpSpPr>
       <p:sp>
         <p:nvSpPr>
-          <p:cNvPr id="2" name="Vertical Title 1">
-            <a:extLst>
-              <a:ext uri="{FF2B5EF4-FFF2-40B4-BE49-F238E27FC236}">
-                <a16:creationId xmlns:a16="http://schemas.microsoft.com/office/drawing/2014/main" id="{BD30DEFF-99D9-4EEA-ABB4-88345C70AA71}"/>
-              </a:ext>
-            </a:extLst>
-          </p:cNvPr>
+          <p:cNvPr id="2" name="Vertical Title 1"/>
           <p:cNvSpPr>
             <a:spLocks noGrp="1"/>
           </p:cNvSpPr>
@@ -566,45 +3406,44 @@
         </p:nvSpPr>
         <p:spPr>
           <a:xfrm>
-            <a:off x="8724900" y="365125"/>
-            <a:ext cx="2628900" cy="5811838"/>
+            <a:off x="8815862" y="685800"/>
+            <a:ext cx="2264646" cy="4688785"/>
           </a:xfrm>
         </p:spPr>
         <p:txBody>
           <a:bodyPr vert="eaVert"/>
-          <a:lstStyle/>
+          <a:lstStyle>
+            <a:lvl1pPr algn="l">
+              <a:defRPr/>
+            </a:lvl1pPr>
+          </a:lstStyle>
           <a:p>
             <a:r>
               <a:rPr lang="en-US"/>
               <a:t>Click to edit Master title style</a:t>
             </a:r>
-          </a:p>
-        </p:txBody>
-      </p:sp>
-      <p:sp>
-        <p:nvSpPr>
-          <p:cNvPr id="3" name="Vertical Text Placeholder 2">
-            <a:extLst>
-              <a:ext uri="{FF2B5EF4-FFF2-40B4-BE49-F238E27FC236}">
-                <a16:creationId xmlns:a16="http://schemas.microsoft.com/office/drawing/2014/main" id="{48CECD4E-6694-4FE6-B656-E9E6FD5EFEB0}"/>
-              </a:ext>
-            </a:extLst>
-          </p:cNvPr>
-          <p:cNvSpPr>
-            <a:spLocks noGrp="1"/>
-          </p:cNvSpPr>
-          <p:nvPr>
-            <p:ph type="body" orient="vert" idx="1"/>
+            <a:endParaRPr lang="en-US" dirty="0"/>
+          </a:p>
+        </p:txBody>
+      </p:sp>
+      <p:sp>
+        <p:nvSpPr>
+          <p:cNvPr id="8" name="Vertical Text Placeholder 2"/>
+          <p:cNvSpPr>
+            <a:spLocks noGrp="1"/>
+          </p:cNvSpPr>
+          <p:nvPr>
+            <p:ph type="body" orient="vert" sz="quarter" idx="13"/>
           </p:nvPr>
         </p:nvSpPr>
         <p:spPr>
           <a:xfrm>
-            <a:off x="838200" y="365125"/>
-            <a:ext cx="7734300" cy="5811838"/>
+            <a:off x="685800" y="685800"/>
+            <a:ext cx="7904431" cy="4688785"/>
           </a:xfrm>
         </p:spPr>
         <p:txBody>
-          <a:bodyPr vert="eaVert"/>
+          <a:bodyPr vert="eaVert" anchor="t"/>
           <a:lstStyle/>
           <a:p>
             <a:pPr lvl="0"/>
@@ -640,18 +3479,13 @@
               <a:rPr lang="en-US"/>
               <a:t>Fifth level</a:t>
             </a:r>
-          </a:p>
-        </p:txBody>
-      </p:sp>
-      <p:sp>
-        <p:nvSpPr>
-          <p:cNvPr id="4" name="Date Placeholder 3">
-            <a:extLst>
-              <a:ext uri="{FF2B5EF4-FFF2-40B4-BE49-F238E27FC236}">
-                <a16:creationId xmlns:a16="http://schemas.microsoft.com/office/drawing/2014/main" id="{3E1C5B4C-D335-4779-9647-6DBB00587DAC}"/>
-              </a:ext>
-            </a:extLst>
-          </p:cNvPr>
+            <a:endParaRPr lang="en-US" dirty="0"/>
+          </a:p>
+        </p:txBody>
+      </p:sp>
+      <p:sp>
+        <p:nvSpPr>
+          <p:cNvPr id="4" name="Date Placeholder 3"/>
           <p:cNvSpPr>
             <a:spLocks noGrp="1"/>
           </p:cNvSpPr>
@@ -666,7 +3500,7 @@
           <a:p>
             <a:fld id="{AB8825DF-4850-4405-A21B-790940A69C75}" type="datetimeFigureOut">
               <a:rPr lang="en-US" smtClean="0"/>
-              <a:t>3/15/2022</a:t>
+              <a:t>3/16/2022</a:t>
             </a:fld>
             <a:endParaRPr lang="en-US"/>
           </a:p>
@@ -674,13 +3508,7 @@
       </p:sp>
       <p:sp>
         <p:nvSpPr>
-          <p:cNvPr id="5" name="Footer Placeholder 4">
-            <a:extLst>
-              <a:ext uri="{FF2B5EF4-FFF2-40B4-BE49-F238E27FC236}">
-                <a16:creationId xmlns:a16="http://schemas.microsoft.com/office/drawing/2014/main" id="{5736AABD-17E7-4EA2-A60A-6B3B6508738A}"/>
-              </a:ext>
-            </a:extLst>
-          </p:cNvPr>
+          <p:cNvPr id="5" name="Footer Placeholder 4"/>
           <p:cNvSpPr>
             <a:spLocks noGrp="1"/>
           </p:cNvSpPr>
@@ -699,13 +3527,7 @@
       </p:sp>
       <p:sp>
         <p:nvSpPr>
-          <p:cNvPr id="6" name="Slide Number Placeholder 5">
-            <a:extLst>
-              <a:ext uri="{FF2B5EF4-FFF2-40B4-BE49-F238E27FC236}">
-                <a16:creationId xmlns:a16="http://schemas.microsoft.com/office/drawing/2014/main" id="{DF4F64F0-5438-4D1D-BD60-CB9986FD212A}"/>
-              </a:ext>
-            </a:extLst>
-          </p:cNvPr>
+          <p:cNvPr id="6" name="Slide Number Placeholder 5"/>
           <p:cNvSpPr>
             <a:spLocks noGrp="1"/>
           </p:cNvSpPr>
@@ -729,7 +3551,205 @@
     </p:spTree>
     <p:extLst>
       <p:ext uri="{BB962C8B-B14F-4D97-AF65-F5344CB8AC3E}">
-        <p14:creationId xmlns:p14="http://schemas.microsoft.com/office/powerpoint/2010/main" val="1355566491"/>
+        <p14:creationId xmlns:p14="http://schemas.microsoft.com/office/powerpoint/2010/main" val="1298320098"/>
+      </p:ext>
+    </p:extLst>
+  </p:cSld>
+  <p:clrMapOvr>
+    <a:masterClrMapping/>
+  </p:clrMapOvr>
+</p:sldLayout>
+</file>
+
+<file path=ppt/slideLayouts/slideLayout18.xml><?xml version="1.0" encoding="utf-8"?>
+<p:sldLayout xmlns:a="http://schemas.openxmlformats.org/drawingml/2006/main" xmlns:r="http://schemas.openxmlformats.org/officeDocument/2006/relationships" xmlns:p="http://schemas.openxmlformats.org/presentationml/2006/main" type="obj">
+  <p:cSld name="1_Title and Content">
+    <p:spTree>
+      <p:nvGrpSpPr>
+        <p:cNvPr id="1" name=""/>
+        <p:cNvGrpSpPr/>
+        <p:nvPr/>
+      </p:nvGrpSpPr>
+      <p:grpSpPr>
+        <a:xfrm>
+          <a:off x="0" y="0"/>
+          <a:ext cx="0" cy="0"/>
+          <a:chOff x="0" y="0"/>
+          <a:chExt cx="0" cy="0"/>
+        </a:xfrm>
+      </p:grpSpPr>
+      <p:sp>
+        <p:nvSpPr>
+          <p:cNvPr id="2" name="Title 1">
+            <a:extLst>
+              <a:ext uri="{FF2B5EF4-FFF2-40B4-BE49-F238E27FC236}">
+                <a16:creationId xmlns:a16="http://schemas.microsoft.com/office/drawing/2014/main" id="{A8894355-C95A-48A0-9866-CF3C80C68658}"/>
+              </a:ext>
+            </a:extLst>
+          </p:cNvPr>
+          <p:cNvSpPr>
+            <a:spLocks noGrp="1"/>
+          </p:cNvSpPr>
+          <p:nvPr>
+            <p:ph type="title"/>
+          </p:nvPr>
+        </p:nvSpPr>
+        <p:spPr/>
+        <p:txBody>
+          <a:bodyPr/>
+          <a:lstStyle/>
+          <a:p>
+            <a:r>
+              <a:rPr lang="en-US"/>
+              <a:t>Click to edit Master title style</a:t>
+            </a:r>
+          </a:p>
+        </p:txBody>
+      </p:sp>
+      <p:sp>
+        <p:nvSpPr>
+          <p:cNvPr id="3" name="Content Placeholder 2">
+            <a:extLst>
+              <a:ext uri="{FF2B5EF4-FFF2-40B4-BE49-F238E27FC236}">
+                <a16:creationId xmlns:a16="http://schemas.microsoft.com/office/drawing/2014/main" id="{B718CEDE-743D-44D0-9CBA-EF25F723CE51}"/>
+              </a:ext>
+            </a:extLst>
+          </p:cNvPr>
+          <p:cNvSpPr>
+            <a:spLocks noGrp="1"/>
+          </p:cNvSpPr>
+          <p:nvPr>
+            <p:ph idx="1"/>
+          </p:nvPr>
+        </p:nvSpPr>
+        <p:spPr/>
+        <p:txBody>
+          <a:bodyPr/>
+          <a:lstStyle/>
+          <a:p>
+            <a:pPr lvl="0"/>
+            <a:r>
+              <a:rPr lang="en-US"/>
+              <a:t>Edit Master text styles</a:t>
+            </a:r>
+          </a:p>
+          <a:p>
+            <a:pPr lvl="1"/>
+            <a:r>
+              <a:rPr lang="en-US"/>
+              <a:t>Second level</a:t>
+            </a:r>
+          </a:p>
+          <a:p>
+            <a:pPr lvl="2"/>
+            <a:r>
+              <a:rPr lang="en-US"/>
+              <a:t>Third level</a:t>
+            </a:r>
+          </a:p>
+          <a:p>
+            <a:pPr lvl="3"/>
+            <a:r>
+              <a:rPr lang="en-US"/>
+              <a:t>Fourth level</a:t>
+            </a:r>
+          </a:p>
+          <a:p>
+            <a:pPr lvl="4"/>
+            <a:r>
+              <a:rPr lang="en-US"/>
+              <a:t>Fifth level</a:t>
+            </a:r>
+          </a:p>
+        </p:txBody>
+      </p:sp>
+      <p:sp>
+        <p:nvSpPr>
+          <p:cNvPr id="4" name="Date Placeholder 3">
+            <a:extLst>
+              <a:ext uri="{FF2B5EF4-FFF2-40B4-BE49-F238E27FC236}">
+                <a16:creationId xmlns:a16="http://schemas.microsoft.com/office/drawing/2014/main" id="{695E959B-EED0-4B83-ABBE-8AE9414598EC}"/>
+              </a:ext>
+            </a:extLst>
+          </p:cNvPr>
+          <p:cNvSpPr>
+            <a:spLocks noGrp="1"/>
+          </p:cNvSpPr>
+          <p:nvPr>
+            <p:ph type="dt" sz="half" idx="10"/>
+          </p:nvPr>
+        </p:nvSpPr>
+        <p:spPr/>
+        <p:txBody>
+          <a:bodyPr/>
+          <a:lstStyle/>
+          <a:p>
+            <a:fld id="{AB8825DF-4850-4405-A21B-790940A69C75}" type="datetimeFigureOut">
+              <a:rPr lang="en-US" smtClean="0"/>
+              <a:t>3/16/2022</a:t>
+            </a:fld>
+            <a:endParaRPr lang="en-US"/>
+          </a:p>
+        </p:txBody>
+      </p:sp>
+      <p:sp>
+        <p:nvSpPr>
+          <p:cNvPr id="5" name="Footer Placeholder 4">
+            <a:extLst>
+              <a:ext uri="{FF2B5EF4-FFF2-40B4-BE49-F238E27FC236}">
+                <a16:creationId xmlns:a16="http://schemas.microsoft.com/office/drawing/2014/main" id="{26E376AE-B700-494D-94E4-7C7EB09013F5}"/>
+              </a:ext>
+            </a:extLst>
+          </p:cNvPr>
+          <p:cNvSpPr>
+            <a:spLocks noGrp="1"/>
+          </p:cNvSpPr>
+          <p:nvPr>
+            <p:ph type="ftr" sz="quarter" idx="11"/>
+          </p:nvPr>
+        </p:nvSpPr>
+        <p:spPr/>
+        <p:txBody>
+          <a:bodyPr/>
+          <a:lstStyle/>
+          <a:p>
+            <a:endParaRPr lang="en-US"/>
+          </a:p>
+        </p:txBody>
+      </p:sp>
+      <p:sp>
+        <p:nvSpPr>
+          <p:cNvPr id="6" name="Slide Number Placeholder 5">
+            <a:extLst>
+              <a:ext uri="{FF2B5EF4-FFF2-40B4-BE49-F238E27FC236}">
+                <a16:creationId xmlns:a16="http://schemas.microsoft.com/office/drawing/2014/main" id="{8A2A5E6B-BDBA-4A4A-AD32-7729BC8A3542}"/>
+              </a:ext>
+            </a:extLst>
+          </p:cNvPr>
+          <p:cNvSpPr>
+            <a:spLocks noGrp="1"/>
+          </p:cNvSpPr>
+          <p:nvPr>
+            <p:ph type="sldNum" sz="quarter" idx="12"/>
+          </p:nvPr>
+        </p:nvSpPr>
+        <p:spPr/>
+        <p:txBody>
+          <a:bodyPr/>
+          <a:lstStyle/>
+          <a:p>
+            <a:fld id="{CC6B00B9-4493-441B-AFBE-C0C0C68EBA7E}" type="slidenum">
+              <a:rPr lang="en-US" smtClean="0"/>
+              <a:t>‹#›</a:t>
+            </a:fld>
+            <a:endParaRPr lang="en-US"/>
+          </a:p>
+        </p:txBody>
+      </p:sp>
+    </p:spTree>
+    <p:extLst>
+      <p:ext uri="{BB962C8B-B14F-4D97-AF65-F5344CB8AC3E}">
+        <p14:creationId xmlns:p14="http://schemas.microsoft.com/office/powerpoint/2010/main" val="2413228678"/>
       </p:ext>
     </p:extLst>
   </p:cSld>
@@ -758,13 +3778,7 @@
       </p:grpSpPr>
       <p:sp>
         <p:nvSpPr>
-          <p:cNvPr id="2" name="Title 1">
-            <a:extLst>
-              <a:ext uri="{FF2B5EF4-FFF2-40B4-BE49-F238E27FC236}">
-                <a16:creationId xmlns:a16="http://schemas.microsoft.com/office/drawing/2014/main" id="{A8894355-C95A-48A0-9866-CF3C80C68658}"/>
-              </a:ext>
-            </a:extLst>
-          </p:cNvPr>
+          <p:cNvPr id="2" name="Title 1"/>
           <p:cNvSpPr>
             <a:spLocks noGrp="1"/>
           </p:cNvSpPr>
@@ -781,26 +3795,26 @@
               <a:rPr lang="en-US"/>
               <a:t>Click to edit Master title style</a:t>
             </a:r>
-          </a:p>
-        </p:txBody>
-      </p:sp>
-      <p:sp>
-        <p:nvSpPr>
-          <p:cNvPr id="3" name="Content Placeholder 2">
-            <a:extLst>
-              <a:ext uri="{FF2B5EF4-FFF2-40B4-BE49-F238E27FC236}">
-                <a16:creationId xmlns:a16="http://schemas.microsoft.com/office/drawing/2014/main" id="{B718CEDE-743D-44D0-9CBA-EF25F723CE51}"/>
-              </a:ext>
-            </a:extLst>
-          </p:cNvPr>
-          <p:cNvSpPr>
-            <a:spLocks noGrp="1"/>
-          </p:cNvSpPr>
-          <p:nvPr>
-            <p:ph idx="1"/>
-          </p:nvPr>
-        </p:nvSpPr>
-        <p:spPr/>
+            <a:endParaRPr lang="en-US" dirty="0"/>
+          </a:p>
+        </p:txBody>
+      </p:sp>
+      <p:sp>
+        <p:nvSpPr>
+          <p:cNvPr id="12" name="Content Placeholder 2"/>
+          <p:cNvSpPr>
+            <a:spLocks noGrp="1"/>
+          </p:cNvSpPr>
+          <p:nvPr>
+            <p:ph sz="quarter" idx="13"/>
+          </p:nvPr>
+        </p:nvSpPr>
+        <p:spPr>
+          <a:xfrm>
+            <a:off x="685800" y="2063396"/>
+            <a:ext cx="10394707" cy="3311189"/>
+          </a:xfrm>
+        </p:spPr>
         <p:txBody>
           <a:bodyPr/>
           <a:lstStyle/>
@@ -838,18 +3852,13 @@
               <a:rPr lang="en-US"/>
               <a:t>Fifth level</a:t>
             </a:r>
-          </a:p>
-        </p:txBody>
-      </p:sp>
-      <p:sp>
-        <p:nvSpPr>
-          <p:cNvPr id="4" name="Date Placeholder 3">
-            <a:extLst>
-              <a:ext uri="{FF2B5EF4-FFF2-40B4-BE49-F238E27FC236}">
-                <a16:creationId xmlns:a16="http://schemas.microsoft.com/office/drawing/2014/main" id="{695E959B-EED0-4B83-ABBE-8AE9414598EC}"/>
-              </a:ext>
-            </a:extLst>
-          </p:cNvPr>
+            <a:endParaRPr lang="en-US" dirty="0"/>
+          </a:p>
+        </p:txBody>
+      </p:sp>
+      <p:sp>
+        <p:nvSpPr>
+          <p:cNvPr id="4" name="Date Placeholder 3"/>
           <p:cNvSpPr>
             <a:spLocks noGrp="1"/>
           </p:cNvSpPr>
@@ -864,7 +3873,7 @@
           <a:p>
             <a:fld id="{AB8825DF-4850-4405-A21B-790940A69C75}" type="datetimeFigureOut">
               <a:rPr lang="en-US" smtClean="0"/>
-              <a:t>3/15/2022</a:t>
+              <a:t>3/16/2022</a:t>
             </a:fld>
             <a:endParaRPr lang="en-US"/>
           </a:p>
@@ -872,13 +3881,7 @@
       </p:sp>
       <p:sp>
         <p:nvSpPr>
-          <p:cNvPr id="5" name="Footer Placeholder 4">
-            <a:extLst>
-              <a:ext uri="{FF2B5EF4-FFF2-40B4-BE49-F238E27FC236}">
-                <a16:creationId xmlns:a16="http://schemas.microsoft.com/office/drawing/2014/main" id="{26E376AE-B700-494D-94E4-7C7EB09013F5}"/>
-              </a:ext>
-            </a:extLst>
-          </p:cNvPr>
+          <p:cNvPr id="5" name="Footer Placeholder 4"/>
           <p:cNvSpPr>
             <a:spLocks noGrp="1"/>
           </p:cNvSpPr>
@@ -897,13 +3900,7 @@
       </p:sp>
       <p:sp>
         <p:nvSpPr>
-          <p:cNvPr id="6" name="Slide Number Placeholder 5">
-            <a:extLst>
-              <a:ext uri="{FF2B5EF4-FFF2-40B4-BE49-F238E27FC236}">
-                <a16:creationId xmlns:a16="http://schemas.microsoft.com/office/drawing/2014/main" id="{8A2A5E6B-BDBA-4A4A-AD32-7729BC8A3542}"/>
-              </a:ext>
-            </a:extLst>
-          </p:cNvPr>
+          <p:cNvPr id="6" name="Slide Number Placeholder 5"/>
           <p:cNvSpPr>
             <a:spLocks noGrp="1"/>
           </p:cNvSpPr>
@@ -927,7 +3924,7 @@
     </p:spTree>
     <p:extLst>
       <p:ext uri="{BB962C8B-B14F-4D97-AF65-F5344CB8AC3E}">
-        <p14:creationId xmlns:p14="http://schemas.microsoft.com/office/powerpoint/2010/main" val="1892264226"/>
+        <p14:creationId xmlns:p14="http://schemas.microsoft.com/office/powerpoint/2010/main" val="2142237457"/>
       </p:ext>
     </p:extLst>
   </p:cSld>
@@ -956,13 +3953,7 @@
       </p:grpSpPr>
       <p:sp>
         <p:nvSpPr>
-          <p:cNvPr id="2" name="Title 1">
-            <a:extLst>
-              <a:ext uri="{FF2B5EF4-FFF2-40B4-BE49-F238E27FC236}">
-                <a16:creationId xmlns:a16="http://schemas.microsoft.com/office/drawing/2014/main" id="{B9C1B886-F2E0-447F-AC87-9E76B674B4ED}"/>
-              </a:ext>
-            </a:extLst>
-          </p:cNvPr>
+          <p:cNvPr id="2" name="Title 1"/>
           <p:cNvSpPr>
             <a:spLocks noGrp="1"/>
           </p:cNvSpPr>
@@ -972,15 +3963,17 @@
         </p:nvSpPr>
         <p:spPr>
           <a:xfrm>
-            <a:off x="831850" y="1709738"/>
-            <a:ext cx="10515600" cy="2852737"/>
+            <a:off x="685801" y="685800"/>
+            <a:ext cx="10394707" cy="3193487"/>
           </a:xfrm>
         </p:spPr>
         <p:txBody>
-          <a:bodyPr anchor="b"/>
+          <a:bodyPr anchor="b">
+            <a:normAutofit/>
+          </a:bodyPr>
           <a:lstStyle>
-            <a:lvl1pPr>
-              <a:defRPr sz="6000"/>
+            <a:lvl1pPr algn="l">
+              <a:defRPr sz="5400"/>
             </a:lvl1pPr>
           </a:lstStyle>
           <a:p>
@@ -988,18 +3981,13 @@
               <a:rPr lang="en-US"/>
               <a:t>Click to edit Master title style</a:t>
             </a:r>
-          </a:p>
-        </p:txBody>
-      </p:sp>
-      <p:sp>
-        <p:nvSpPr>
-          <p:cNvPr id="3" name="Text Placeholder 2">
-            <a:extLst>
-              <a:ext uri="{FF2B5EF4-FFF2-40B4-BE49-F238E27FC236}">
-                <a16:creationId xmlns:a16="http://schemas.microsoft.com/office/drawing/2014/main" id="{CD28D2F6-4BFD-4578-A6DB-A6ACC2292CF0}"/>
-              </a:ext>
-            </a:extLst>
-          </p:cNvPr>
+            <a:endParaRPr lang="en-US" dirty="0"/>
+          </a:p>
+        </p:txBody>
+      </p:sp>
+      <p:sp>
+        <p:nvSpPr>
+          <p:cNvPr id="3" name="Text Placeholder 2"/>
           <p:cNvSpPr>
             <a:spLocks noGrp="1"/>
           </p:cNvSpPr>
@@ -1009,19 +3997,21 @@
         </p:nvSpPr>
         <p:spPr>
           <a:xfrm>
-            <a:off x="831850" y="4589463"/>
-            <a:ext cx="10515600" cy="1500187"/>
+            <a:off x="685801" y="3742267"/>
+            <a:ext cx="10394707" cy="1639614"/>
           </a:xfrm>
         </p:spPr>
         <p:txBody>
-          <a:bodyPr/>
+          <a:bodyPr anchor="t">
+            <a:normAutofit/>
+          </a:bodyPr>
           <a:lstStyle>
-            <a:lvl1pPr marL="0" indent="0">
-              <a:buNone/>
-              <a:defRPr sz="2400">
+            <a:lvl1pPr marL="0" indent="0" algn="l">
+              <a:buNone/>
+              <a:defRPr sz="2000">
                 <a:solidFill>
-                  <a:schemeClr val="tx1">
-                    <a:tint val="75000"/>
+                  <a:schemeClr val="bg1">
+                    <a:lumMod val="50000"/>
                   </a:schemeClr>
                 </a:solidFill>
               </a:defRPr>
@@ -1118,13 +4108,7 @@
       </p:sp>
       <p:sp>
         <p:nvSpPr>
-          <p:cNvPr id="4" name="Date Placeholder 3">
-            <a:extLst>
-              <a:ext uri="{FF2B5EF4-FFF2-40B4-BE49-F238E27FC236}">
-                <a16:creationId xmlns:a16="http://schemas.microsoft.com/office/drawing/2014/main" id="{7710B578-FAF1-4519-90E3-9F815E9EF8D6}"/>
-              </a:ext>
-            </a:extLst>
-          </p:cNvPr>
+          <p:cNvPr id="4" name="Date Placeholder 3"/>
           <p:cNvSpPr>
             <a:spLocks noGrp="1"/>
           </p:cNvSpPr>
@@ -1139,7 +4123,7 @@
           <a:p>
             <a:fld id="{AB8825DF-4850-4405-A21B-790940A69C75}" type="datetimeFigureOut">
               <a:rPr lang="en-US" smtClean="0"/>
-              <a:t>3/15/2022</a:t>
+              <a:t>3/16/2022</a:t>
             </a:fld>
             <a:endParaRPr lang="en-US"/>
           </a:p>
@@ -1147,13 +4131,7 @@
       </p:sp>
       <p:sp>
         <p:nvSpPr>
-          <p:cNvPr id="5" name="Footer Placeholder 4">
-            <a:extLst>
-              <a:ext uri="{FF2B5EF4-FFF2-40B4-BE49-F238E27FC236}">
-                <a16:creationId xmlns:a16="http://schemas.microsoft.com/office/drawing/2014/main" id="{BDC5D2B6-E472-4B8A-8BA4-DC842AA73117}"/>
-              </a:ext>
-            </a:extLst>
-          </p:cNvPr>
+          <p:cNvPr id="5" name="Footer Placeholder 4"/>
           <p:cNvSpPr>
             <a:spLocks noGrp="1"/>
           </p:cNvSpPr>
@@ -1172,13 +4150,7 @@
       </p:sp>
       <p:sp>
         <p:nvSpPr>
-          <p:cNvPr id="6" name="Slide Number Placeholder 5">
-            <a:extLst>
-              <a:ext uri="{FF2B5EF4-FFF2-40B4-BE49-F238E27FC236}">
-                <a16:creationId xmlns:a16="http://schemas.microsoft.com/office/drawing/2014/main" id="{8310D4CA-4E0B-4B27-9F16-F5DD073FF265}"/>
-              </a:ext>
-            </a:extLst>
-          </p:cNvPr>
+          <p:cNvPr id="6" name="Slide Number Placeholder 5"/>
           <p:cNvSpPr>
             <a:spLocks noGrp="1"/>
           </p:cNvSpPr>
@@ -1202,7 +4174,7 @@
     </p:spTree>
     <p:extLst>
       <p:ext uri="{BB962C8B-B14F-4D97-AF65-F5344CB8AC3E}">
-        <p14:creationId xmlns:p14="http://schemas.microsoft.com/office/powerpoint/2010/main" val="3648225140"/>
+        <p14:creationId xmlns:p14="http://schemas.microsoft.com/office/powerpoint/2010/main" val="16196508"/>
       </p:ext>
     </p:extLst>
   </p:cSld>
@@ -1231,118 +4203,50 @@
       </p:grpSpPr>
       <p:sp>
         <p:nvSpPr>
-          <p:cNvPr id="2" name="Title 1">
-            <a:extLst>
-              <a:ext uri="{FF2B5EF4-FFF2-40B4-BE49-F238E27FC236}">
-                <a16:creationId xmlns:a16="http://schemas.microsoft.com/office/drawing/2014/main" id="{48BD1C72-D04B-492D-B9CA-E7BC40DF9A50}"/>
-              </a:ext>
-            </a:extLst>
-          </p:cNvPr>
+          <p:cNvPr id="14" name="Title 1"/>
           <p:cNvSpPr>
             <a:spLocks noGrp="1"/>
           </p:cNvSpPr>
           <p:nvPr>
             <p:ph type="title"/>
-          </p:nvPr>
-        </p:nvSpPr>
-        <p:spPr/>
-        <p:txBody>
-          <a:bodyPr/>
-          <a:lstStyle/>
-          <a:p>
-            <a:r>
-              <a:rPr lang="en-US"/>
-              <a:t>Click to edit Master title style</a:t>
-            </a:r>
-          </a:p>
-        </p:txBody>
-      </p:sp>
-      <p:sp>
-        <p:nvSpPr>
-          <p:cNvPr id="3" name="Content Placeholder 2">
-            <a:extLst>
-              <a:ext uri="{FF2B5EF4-FFF2-40B4-BE49-F238E27FC236}">
-                <a16:creationId xmlns:a16="http://schemas.microsoft.com/office/drawing/2014/main" id="{6BA41D51-D8DC-42CE-8683-92FCB49C8262}"/>
-              </a:ext>
-            </a:extLst>
-          </p:cNvPr>
-          <p:cNvSpPr>
-            <a:spLocks noGrp="1"/>
-          </p:cNvSpPr>
-          <p:nvPr>
-            <p:ph sz="half" idx="1"/>
           </p:nvPr>
         </p:nvSpPr>
         <p:spPr>
           <a:xfrm>
-            <a:off x="838200" y="1825625"/>
-            <a:ext cx="5181600" cy="4351338"/>
+            <a:off x="685801" y="685800"/>
+            <a:ext cx="10396882" cy="1158140"/>
           </a:xfrm>
         </p:spPr>
         <p:txBody>
           <a:bodyPr/>
           <a:lstStyle/>
           <a:p>
-            <a:pPr lvl="0"/>
-            <a:r>
-              <a:rPr lang="en-US"/>
-              <a:t>Edit Master text styles</a:t>
-            </a:r>
-          </a:p>
-          <a:p>
-            <a:pPr lvl="1"/>
-            <a:r>
-              <a:rPr lang="en-US"/>
-              <a:t>Second level</a:t>
-            </a:r>
-          </a:p>
-          <a:p>
-            <a:pPr lvl="2"/>
-            <a:r>
-              <a:rPr lang="en-US"/>
-              <a:t>Third level</a:t>
-            </a:r>
-          </a:p>
-          <a:p>
-            <a:pPr lvl="3"/>
-            <a:r>
-              <a:rPr lang="en-US"/>
-              <a:t>Fourth level</a:t>
-            </a:r>
-          </a:p>
-          <a:p>
-            <a:pPr lvl="4"/>
-            <a:r>
-              <a:rPr lang="en-US"/>
-              <a:t>Fifth level</a:t>
-            </a:r>
-          </a:p>
-        </p:txBody>
-      </p:sp>
-      <p:sp>
-        <p:nvSpPr>
-          <p:cNvPr id="4" name="Content Placeholder 3">
-            <a:extLst>
-              <a:ext uri="{FF2B5EF4-FFF2-40B4-BE49-F238E27FC236}">
-                <a16:creationId xmlns:a16="http://schemas.microsoft.com/office/drawing/2014/main" id="{E962F048-88AF-4383-947E-BEA0A1F58B7F}"/>
-              </a:ext>
-            </a:extLst>
-          </p:cNvPr>
-          <p:cNvSpPr>
-            <a:spLocks noGrp="1"/>
-          </p:cNvSpPr>
-          <p:nvPr>
-            <p:ph sz="half" idx="2"/>
+            <a:r>
+              <a:rPr lang="en-US"/>
+              <a:t>Click to edit Master title style</a:t>
+            </a:r>
+            <a:endParaRPr lang="en-US" dirty="0"/>
+          </a:p>
+        </p:txBody>
+      </p:sp>
+      <p:sp>
+        <p:nvSpPr>
+          <p:cNvPr id="12" name="Content Placeholder 2"/>
+          <p:cNvSpPr>
+            <a:spLocks noGrp="1"/>
+          </p:cNvSpPr>
+          <p:nvPr>
+            <p:ph sz="quarter" idx="13"/>
           </p:nvPr>
         </p:nvSpPr>
         <p:spPr>
           <a:xfrm>
-            <a:off x="6172200" y="1825625"/>
-            <a:ext cx="5181600" cy="4351338"/>
+            <a:off x="685800" y="2063396"/>
+            <a:ext cx="5088714" cy="3311189"/>
           </a:xfrm>
         </p:spPr>
         <p:txBody>
-          <a:bodyPr/>
+          <a:bodyPr anchor="t"/>
           <a:lstStyle/>
           <a:p>
             <a:pPr lvl="0"/>
@@ -1378,18 +4282,70 @@
               <a:rPr lang="en-US"/>
               <a:t>Fifth level</a:t>
             </a:r>
-          </a:p>
-        </p:txBody>
-      </p:sp>
-      <p:sp>
-        <p:nvSpPr>
-          <p:cNvPr id="5" name="Date Placeholder 4">
-            <a:extLst>
-              <a:ext uri="{FF2B5EF4-FFF2-40B4-BE49-F238E27FC236}">
-                <a16:creationId xmlns:a16="http://schemas.microsoft.com/office/drawing/2014/main" id="{95A7201C-830B-486D-8C03-C118ABBC5461}"/>
-              </a:ext>
-            </a:extLst>
-          </p:cNvPr>
+            <a:endParaRPr lang="en-US" dirty="0"/>
+          </a:p>
+        </p:txBody>
+      </p:sp>
+      <p:sp>
+        <p:nvSpPr>
+          <p:cNvPr id="13" name="Content Placeholder 3"/>
+          <p:cNvSpPr>
+            <a:spLocks noGrp="1"/>
+          </p:cNvSpPr>
+          <p:nvPr>
+            <p:ph sz="quarter" idx="14"/>
+          </p:nvPr>
+        </p:nvSpPr>
+        <p:spPr>
+          <a:xfrm>
+            <a:off x="5993971" y="2063396"/>
+            <a:ext cx="5086538" cy="3311189"/>
+          </a:xfrm>
+        </p:spPr>
+        <p:txBody>
+          <a:bodyPr anchor="t"/>
+          <a:lstStyle/>
+          <a:p>
+            <a:pPr lvl="0"/>
+            <a:r>
+              <a:rPr lang="en-US"/>
+              <a:t>Edit Master text styles</a:t>
+            </a:r>
+          </a:p>
+          <a:p>
+            <a:pPr lvl="1"/>
+            <a:r>
+              <a:rPr lang="en-US"/>
+              <a:t>Second level</a:t>
+            </a:r>
+          </a:p>
+          <a:p>
+            <a:pPr lvl="2"/>
+            <a:r>
+              <a:rPr lang="en-US"/>
+              <a:t>Third level</a:t>
+            </a:r>
+          </a:p>
+          <a:p>
+            <a:pPr lvl="3"/>
+            <a:r>
+              <a:rPr lang="en-US"/>
+              <a:t>Fourth level</a:t>
+            </a:r>
+          </a:p>
+          <a:p>
+            <a:pPr lvl="4"/>
+            <a:r>
+              <a:rPr lang="en-US"/>
+              <a:t>Fifth level</a:t>
+            </a:r>
+            <a:endParaRPr lang="en-US" dirty="0"/>
+          </a:p>
+        </p:txBody>
+      </p:sp>
+      <p:sp>
+        <p:nvSpPr>
+          <p:cNvPr id="5" name="Date Placeholder 4"/>
           <p:cNvSpPr>
             <a:spLocks noGrp="1"/>
           </p:cNvSpPr>
@@ -1404,7 +4360,7 @@
           <a:p>
             <a:fld id="{AB8825DF-4850-4405-A21B-790940A69C75}" type="datetimeFigureOut">
               <a:rPr lang="en-US" smtClean="0"/>
-              <a:t>3/15/2022</a:t>
+              <a:t>3/16/2022</a:t>
             </a:fld>
             <a:endParaRPr lang="en-US"/>
           </a:p>
@@ -1412,13 +4368,7 @@
       </p:sp>
       <p:sp>
         <p:nvSpPr>
-          <p:cNvPr id="6" name="Footer Placeholder 5">
-            <a:extLst>
-              <a:ext uri="{FF2B5EF4-FFF2-40B4-BE49-F238E27FC236}">
-                <a16:creationId xmlns:a16="http://schemas.microsoft.com/office/drawing/2014/main" id="{CC0F23FC-6F5B-4270-973C-05D87D5ACF8C}"/>
-              </a:ext>
-            </a:extLst>
-          </p:cNvPr>
+          <p:cNvPr id="6" name="Footer Placeholder 5"/>
           <p:cNvSpPr>
             <a:spLocks noGrp="1"/>
           </p:cNvSpPr>
@@ -1437,13 +4387,7 @@
       </p:sp>
       <p:sp>
         <p:nvSpPr>
-          <p:cNvPr id="7" name="Slide Number Placeholder 6">
-            <a:extLst>
-              <a:ext uri="{FF2B5EF4-FFF2-40B4-BE49-F238E27FC236}">
-                <a16:creationId xmlns:a16="http://schemas.microsoft.com/office/drawing/2014/main" id="{682BC2D6-013B-4809-99D2-B91917914823}"/>
-              </a:ext>
-            </a:extLst>
-          </p:cNvPr>
+          <p:cNvPr id="7" name="Slide Number Placeholder 6"/>
           <p:cNvSpPr>
             <a:spLocks noGrp="1"/>
           </p:cNvSpPr>
@@ -1467,7 +4411,7 @@
     </p:spTree>
     <p:extLst>
       <p:ext uri="{BB962C8B-B14F-4D97-AF65-F5344CB8AC3E}">
-        <p14:creationId xmlns:p14="http://schemas.microsoft.com/office/powerpoint/2010/main" val="350815504"/>
+        <p14:creationId xmlns:p14="http://schemas.microsoft.com/office/powerpoint/2010/main" val="1802022071"/>
       </p:ext>
     </p:extLst>
   </p:cSld>
@@ -1496,13 +4440,7 @@
       </p:grpSpPr>
       <p:sp>
         <p:nvSpPr>
-          <p:cNvPr id="2" name="Title 1">
-            <a:extLst>
-              <a:ext uri="{FF2B5EF4-FFF2-40B4-BE49-F238E27FC236}">
-                <a16:creationId xmlns:a16="http://schemas.microsoft.com/office/drawing/2014/main" id="{CAEA055E-87B7-48E7-847C-9F03E12F389F}"/>
-              </a:ext>
-            </a:extLst>
-          </p:cNvPr>
+          <p:cNvPr id="14" name="Title 1"/>
           <p:cNvSpPr>
             <a:spLocks noGrp="1"/>
           </p:cNvSpPr>
@@ -1512,8 +4450,8 @@
         </p:nvSpPr>
         <p:spPr>
           <a:xfrm>
-            <a:off x="839788" y="365125"/>
-            <a:ext cx="10515600" cy="1325563"/>
+            <a:off x="685801" y="685800"/>
+            <a:ext cx="10394707" cy="1158140"/>
           </a:xfrm>
         </p:spPr>
         <p:txBody>
@@ -1524,18 +4462,13 @@
               <a:rPr lang="en-US"/>
               <a:t>Click to edit Master title style</a:t>
             </a:r>
-          </a:p>
-        </p:txBody>
-      </p:sp>
-      <p:sp>
-        <p:nvSpPr>
-          <p:cNvPr id="3" name="Text Placeholder 2">
-            <a:extLst>
-              <a:ext uri="{FF2B5EF4-FFF2-40B4-BE49-F238E27FC236}">
-                <a16:creationId xmlns:a16="http://schemas.microsoft.com/office/drawing/2014/main" id="{672E5237-6B4B-484C-BE25-100D0039EE82}"/>
-              </a:ext>
-            </a:extLst>
-          </p:cNvPr>
+            <a:endParaRPr lang="en-US" dirty="0"/>
+          </a:p>
+        </p:txBody>
+      </p:sp>
+      <p:sp>
+        <p:nvSpPr>
+          <p:cNvPr id="3" name="Text Placeholder 2"/>
           <p:cNvSpPr>
             <a:spLocks noGrp="1"/>
           </p:cNvSpPr>
@@ -1545,16 +4478,25 @@
         </p:nvSpPr>
         <p:spPr>
           <a:xfrm>
-            <a:off x="839788" y="1681163"/>
-            <a:ext cx="5157787" cy="823912"/>
+            <a:off x="918356" y="2063396"/>
+            <a:ext cx="4856158" cy="679994"/>
           </a:xfrm>
         </p:spPr>
         <p:txBody>
-          <a:bodyPr anchor="b"/>
+          <a:bodyPr anchor="b">
+            <a:noAutofit/>
+          </a:bodyPr>
           <a:lstStyle>
             <a:lvl1pPr marL="0" indent="0">
-              <a:buNone/>
-              <a:defRPr sz="2400" b="1"/>
+              <a:lnSpc>
+                <a:spcPct val="90000"/>
+              </a:lnSpc>
+              <a:buNone/>
+              <a:defRPr sz="2600" b="0">
+                <a:solidFill>
+                  <a:schemeClr val="accent1"/>
+                </a:solidFill>
+              </a:defRPr>
             </a:lvl1pPr>
             <a:lvl2pPr marL="457200" indent="0">
               <a:buNone/>
@@ -1600,28 +4542,22 @@
       </p:sp>
       <p:sp>
         <p:nvSpPr>
-          <p:cNvPr id="4" name="Content Placeholder 3">
-            <a:extLst>
-              <a:ext uri="{FF2B5EF4-FFF2-40B4-BE49-F238E27FC236}">
-                <a16:creationId xmlns:a16="http://schemas.microsoft.com/office/drawing/2014/main" id="{53261C22-4BE9-41B3-8D5D-8369BC42DDDB}"/>
-              </a:ext>
-            </a:extLst>
-          </p:cNvPr>
-          <p:cNvSpPr>
-            <a:spLocks noGrp="1"/>
-          </p:cNvSpPr>
-          <p:nvPr>
-            <p:ph sz="half" idx="2"/>
+          <p:cNvPr id="12" name="Content Placeholder 3"/>
+          <p:cNvSpPr>
+            <a:spLocks noGrp="1"/>
+          </p:cNvSpPr>
+          <p:nvPr>
+            <p:ph sz="quarter" idx="13"/>
           </p:nvPr>
         </p:nvSpPr>
         <p:spPr>
           <a:xfrm>
-            <a:off x="839788" y="2505075"/>
-            <a:ext cx="5157787" cy="3684588"/>
+            <a:off x="685802" y="2861733"/>
+            <a:ext cx="5088712" cy="2512852"/>
           </a:xfrm>
         </p:spPr>
         <p:txBody>
-          <a:bodyPr/>
+          <a:bodyPr anchor="t"/>
           <a:lstStyle/>
           <a:p>
             <a:pPr lvl="0"/>
@@ -1657,18 +4593,13 @@
               <a:rPr lang="en-US"/>
               <a:t>Fifth level</a:t>
             </a:r>
-          </a:p>
-        </p:txBody>
-      </p:sp>
-      <p:sp>
-        <p:nvSpPr>
-          <p:cNvPr id="5" name="Text Placeholder 4">
-            <a:extLst>
-              <a:ext uri="{FF2B5EF4-FFF2-40B4-BE49-F238E27FC236}">
-                <a16:creationId xmlns:a16="http://schemas.microsoft.com/office/drawing/2014/main" id="{5CAF575C-1A86-4889-B9C5-1ED51A81FF7C}"/>
-              </a:ext>
-            </a:extLst>
-          </p:cNvPr>
+            <a:endParaRPr lang="en-US" dirty="0"/>
+          </a:p>
+        </p:txBody>
+      </p:sp>
+      <p:sp>
+        <p:nvSpPr>
+          <p:cNvPr id="5" name="Text Placeholder 4"/>
           <p:cNvSpPr>
             <a:spLocks noGrp="1"/>
           </p:cNvSpPr>
@@ -1678,16 +4609,25 @@
         </p:nvSpPr>
         <p:spPr>
           <a:xfrm>
-            <a:off x="6172200" y="1681163"/>
-            <a:ext cx="5183188" cy="823912"/>
+            <a:off x="6218191" y="2063396"/>
+            <a:ext cx="4864491" cy="679994"/>
           </a:xfrm>
         </p:spPr>
         <p:txBody>
-          <a:bodyPr anchor="b"/>
+          <a:bodyPr anchor="b">
+            <a:noAutofit/>
+          </a:bodyPr>
           <a:lstStyle>
             <a:lvl1pPr marL="0" indent="0">
-              <a:buNone/>
-              <a:defRPr sz="2400" b="1"/>
+              <a:lnSpc>
+                <a:spcPct val="90000"/>
+              </a:lnSpc>
+              <a:buNone/>
+              <a:defRPr sz="2600" b="0">
+                <a:solidFill>
+                  <a:schemeClr val="accent1"/>
+                </a:solidFill>
+              </a:defRPr>
             </a:lvl1pPr>
             <a:lvl2pPr marL="457200" indent="0">
               <a:buNone/>
@@ -1733,28 +4673,22 @@
       </p:sp>
       <p:sp>
         <p:nvSpPr>
-          <p:cNvPr id="6" name="Content Placeholder 5">
-            <a:extLst>
-              <a:ext uri="{FF2B5EF4-FFF2-40B4-BE49-F238E27FC236}">
-                <a16:creationId xmlns:a16="http://schemas.microsoft.com/office/drawing/2014/main" id="{0311FC4E-B256-44B9-AF9C-7E8BBFD2D327}"/>
-              </a:ext>
-            </a:extLst>
-          </p:cNvPr>
-          <p:cNvSpPr>
-            <a:spLocks noGrp="1"/>
-          </p:cNvSpPr>
-          <p:nvPr>
-            <p:ph sz="quarter" idx="4"/>
+          <p:cNvPr id="13" name="Content Placeholder 5"/>
+          <p:cNvSpPr>
+            <a:spLocks noGrp="1"/>
+          </p:cNvSpPr>
+          <p:nvPr>
+            <p:ph sz="quarter" idx="14"/>
           </p:nvPr>
         </p:nvSpPr>
         <p:spPr>
           <a:xfrm>
-            <a:off x="6172200" y="2505075"/>
-            <a:ext cx="5183188" cy="3684588"/>
+            <a:off x="5993969" y="2861733"/>
+            <a:ext cx="5088713" cy="2512852"/>
           </a:xfrm>
         </p:spPr>
         <p:txBody>
-          <a:bodyPr/>
+          <a:bodyPr anchor="t"/>
           <a:lstStyle/>
           <a:p>
             <a:pPr lvl="0"/>
@@ -1790,18 +4724,13 @@
               <a:rPr lang="en-US"/>
               <a:t>Fifth level</a:t>
             </a:r>
-          </a:p>
-        </p:txBody>
-      </p:sp>
-      <p:sp>
-        <p:nvSpPr>
-          <p:cNvPr id="7" name="Date Placeholder 6">
-            <a:extLst>
-              <a:ext uri="{FF2B5EF4-FFF2-40B4-BE49-F238E27FC236}">
-                <a16:creationId xmlns:a16="http://schemas.microsoft.com/office/drawing/2014/main" id="{B8E8073E-B30E-4865-9897-52524F2BB6AF}"/>
-              </a:ext>
-            </a:extLst>
-          </p:cNvPr>
+            <a:endParaRPr lang="en-US" dirty="0"/>
+          </a:p>
+        </p:txBody>
+      </p:sp>
+      <p:sp>
+        <p:nvSpPr>
+          <p:cNvPr id="7" name="Date Placeholder 6"/>
           <p:cNvSpPr>
             <a:spLocks noGrp="1"/>
           </p:cNvSpPr>
@@ -1816,7 +4745,7 @@
           <a:p>
             <a:fld id="{AB8825DF-4850-4405-A21B-790940A69C75}" type="datetimeFigureOut">
               <a:rPr lang="en-US" smtClean="0"/>
-              <a:t>3/15/2022</a:t>
+              <a:t>3/16/2022</a:t>
             </a:fld>
             <a:endParaRPr lang="en-US"/>
           </a:p>
@@ -1824,13 +4753,7 @@
       </p:sp>
       <p:sp>
         <p:nvSpPr>
-          <p:cNvPr id="8" name="Footer Placeholder 7">
-            <a:extLst>
-              <a:ext uri="{FF2B5EF4-FFF2-40B4-BE49-F238E27FC236}">
-                <a16:creationId xmlns:a16="http://schemas.microsoft.com/office/drawing/2014/main" id="{10E644E9-D74E-40A3-9474-A3BCD161FD64}"/>
-              </a:ext>
-            </a:extLst>
-          </p:cNvPr>
+          <p:cNvPr id="8" name="Footer Placeholder 7"/>
           <p:cNvSpPr>
             <a:spLocks noGrp="1"/>
           </p:cNvSpPr>
@@ -1849,13 +4772,7 @@
       </p:sp>
       <p:sp>
         <p:nvSpPr>
-          <p:cNvPr id="9" name="Slide Number Placeholder 8">
-            <a:extLst>
-              <a:ext uri="{FF2B5EF4-FFF2-40B4-BE49-F238E27FC236}">
-                <a16:creationId xmlns:a16="http://schemas.microsoft.com/office/drawing/2014/main" id="{E046A0DC-03A3-4A32-8539-4B8AE0BEB33C}"/>
-              </a:ext>
-            </a:extLst>
-          </p:cNvPr>
+          <p:cNvPr id="9" name="Slide Number Placeholder 8"/>
           <p:cNvSpPr>
             <a:spLocks noGrp="1"/>
           </p:cNvSpPr>
@@ -1879,7 +4796,7 @@
     </p:spTree>
     <p:extLst>
       <p:ext uri="{BB962C8B-B14F-4D97-AF65-F5344CB8AC3E}">
-        <p14:creationId xmlns:p14="http://schemas.microsoft.com/office/powerpoint/2010/main" val="3016299727"/>
+        <p14:creationId xmlns:p14="http://schemas.microsoft.com/office/powerpoint/2010/main" val="3445381061"/>
       </p:ext>
     </p:extLst>
   </p:cSld>
@@ -1908,13 +4825,7 @@
       </p:grpSpPr>
       <p:sp>
         <p:nvSpPr>
-          <p:cNvPr id="2" name="Title 1">
-            <a:extLst>
-              <a:ext uri="{FF2B5EF4-FFF2-40B4-BE49-F238E27FC236}">
-                <a16:creationId xmlns:a16="http://schemas.microsoft.com/office/drawing/2014/main" id="{CFC9A341-6E87-4779-8E97-A9D8DD421994}"/>
-              </a:ext>
-            </a:extLst>
-          </p:cNvPr>
+          <p:cNvPr id="2" name="Title 1"/>
           <p:cNvSpPr>
             <a:spLocks noGrp="1"/>
           </p:cNvSpPr>
@@ -1931,18 +4842,13 @@
               <a:rPr lang="en-US"/>
               <a:t>Click to edit Master title style</a:t>
             </a:r>
-          </a:p>
-        </p:txBody>
-      </p:sp>
-      <p:sp>
-        <p:nvSpPr>
-          <p:cNvPr id="3" name="Date Placeholder 2">
-            <a:extLst>
-              <a:ext uri="{FF2B5EF4-FFF2-40B4-BE49-F238E27FC236}">
-                <a16:creationId xmlns:a16="http://schemas.microsoft.com/office/drawing/2014/main" id="{0570209E-B21B-481D-9942-3F15B69A664C}"/>
-              </a:ext>
-            </a:extLst>
-          </p:cNvPr>
+            <a:endParaRPr lang="en-US" dirty="0"/>
+          </a:p>
+        </p:txBody>
+      </p:sp>
+      <p:sp>
+        <p:nvSpPr>
+          <p:cNvPr id="3" name="Date Placeholder 2"/>
           <p:cNvSpPr>
             <a:spLocks noGrp="1"/>
           </p:cNvSpPr>
@@ -1957,7 +4863,7 @@
           <a:p>
             <a:fld id="{AB8825DF-4850-4405-A21B-790940A69C75}" type="datetimeFigureOut">
               <a:rPr lang="en-US" smtClean="0"/>
-              <a:t>3/15/2022</a:t>
+              <a:t>3/16/2022</a:t>
             </a:fld>
             <a:endParaRPr lang="en-US"/>
           </a:p>
@@ -1965,13 +4871,7 @@
       </p:sp>
       <p:sp>
         <p:nvSpPr>
-          <p:cNvPr id="4" name="Footer Placeholder 3">
-            <a:extLst>
-              <a:ext uri="{FF2B5EF4-FFF2-40B4-BE49-F238E27FC236}">
-                <a16:creationId xmlns:a16="http://schemas.microsoft.com/office/drawing/2014/main" id="{20734192-7EED-458A-BF52-3F7BC50658AA}"/>
-              </a:ext>
-            </a:extLst>
-          </p:cNvPr>
+          <p:cNvPr id="4" name="Footer Placeholder 3"/>
           <p:cNvSpPr>
             <a:spLocks noGrp="1"/>
           </p:cNvSpPr>
@@ -1990,13 +4890,7 @@
       </p:sp>
       <p:sp>
         <p:nvSpPr>
-          <p:cNvPr id="5" name="Slide Number Placeholder 4">
-            <a:extLst>
-              <a:ext uri="{FF2B5EF4-FFF2-40B4-BE49-F238E27FC236}">
-                <a16:creationId xmlns:a16="http://schemas.microsoft.com/office/drawing/2014/main" id="{06E4A0D6-698A-4A9E-9F0B-EC199A7595ED}"/>
-              </a:ext>
-            </a:extLst>
-          </p:cNvPr>
+          <p:cNvPr id="5" name="Slide Number Placeholder 4"/>
           <p:cNvSpPr>
             <a:spLocks noGrp="1"/>
           </p:cNvSpPr>
@@ -2020,7 +4914,7 @@
     </p:spTree>
     <p:extLst>
       <p:ext uri="{BB962C8B-B14F-4D97-AF65-F5344CB8AC3E}">
-        <p14:creationId xmlns:p14="http://schemas.microsoft.com/office/powerpoint/2010/main" val="1894067314"/>
+        <p14:creationId xmlns:p14="http://schemas.microsoft.com/office/powerpoint/2010/main" val="3376963524"/>
       </p:ext>
     </p:extLst>
   </p:cSld>
@@ -2049,13 +4943,7 @@
       </p:grpSpPr>
       <p:sp>
         <p:nvSpPr>
-          <p:cNvPr id="2" name="Date Placeholder 1">
-            <a:extLst>
-              <a:ext uri="{FF2B5EF4-FFF2-40B4-BE49-F238E27FC236}">
-                <a16:creationId xmlns:a16="http://schemas.microsoft.com/office/drawing/2014/main" id="{8A5BEB00-A922-43E7-9BA3-51B01F4BB927}"/>
-              </a:ext>
-            </a:extLst>
-          </p:cNvPr>
+          <p:cNvPr id="2" name="Date Placeholder 1"/>
           <p:cNvSpPr>
             <a:spLocks noGrp="1"/>
           </p:cNvSpPr>
@@ -2070,7 +4958,7 @@
           <a:p>
             <a:fld id="{AB8825DF-4850-4405-A21B-790940A69C75}" type="datetimeFigureOut">
               <a:rPr lang="en-US" smtClean="0"/>
-              <a:t>3/15/2022</a:t>
+              <a:t>3/16/2022</a:t>
             </a:fld>
             <a:endParaRPr lang="en-US"/>
           </a:p>
@@ -2078,13 +4966,7 @@
       </p:sp>
       <p:sp>
         <p:nvSpPr>
-          <p:cNvPr id="3" name="Footer Placeholder 2">
-            <a:extLst>
-              <a:ext uri="{FF2B5EF4-FFF2-40B4-BE49-F238E27FC236}">
-                <a16:creationId xmlns:a16="http://schemas.microsoft.com/office/drawing/2014/main" id="{FA892092-DBCB-4E8E-A7F5-876DDCC333C0}"/>
-              </a:ext>
-            </a:extLst>
-          </p:cNvPr>
+          <p:cNvPr id="3" name="Footer Placeholder 2"/>
           <p:cNvSpPr>
             <a:spLocks noGrp="1"/>
           </p:cNvSpPr>
@@ -2103,13 +4985,7 @@
       </p:sp>
       <p:sp>
         <p:nvSpPr>
-          <p:cNvPr id="4" name="Slide Number Placeholder 3">
-            <a:extLst>
-              <a:ext uri="{FF2B5EF4-FFF2-40B4-BE49-F238E27FC236}">
-                <a16:creationId xmlns:a16="http://schemas.microsoft.com/office/drawing/2014/main" id="{A6FE7F0B-3187-45F4-ADD5-0F5FD9D98881}"/>
-              </a:ext>
-            </a:extLst>
-          </p:cNvPr>
+          <p:cNvPr id="4" name="Slide Number Placeholder 3"/>
           <p:cNvSpPr>
             <a:spLocks noGrp="1"/>
           </p:cNvSpPr>
@@ -2133,7 +5009,7 @@
     </p:spTree>
     <p:extLst>
       <p:ext uri="{BB962C8B-B14F-4D97-AF65-F5344CB8AC3E}">
-        <p14:creationId xmlns:p14="http://schemas.microsoft.com/office/powerpoint/2010/main" val="3867364362"/>
+        <p14:creationId xmlns:p14="http://schemas.microsoft.com/office/powerpoint/2010/main" val="1755926576"/>
       </p:ext>
     </p:extLst>
   </p:cSld>
@@ -2162,13 +5038,7 @@
       </p:grpSpPr>
       <p:sp>
         <p:nvSpPr>
-          <p:cNvPr id="2" name="Title 1">
-            <a:extLst>
-              <a:ext uri="{FF2B5EF4-FFF2-40B4-BE49-F238E27FC236}">
-                <a16:creationId xmlns:a16="http://schemas.microsoft.com/office/drawing/2014/main" id="{6C11324F-7582-4306-9C7E-CBF1E849F22F}"/>
-              </a:ext>
-            </a:extLst>
-          </p:cNvPr>
+          <p:cNvPr id="2" name="Title 1"/>
           <p:cNvSpPr>
             <a:spLocks noGrp="1"/>
           </p:cNvSpPr>
@@ -2178,15 +5048,17 @@
         </p:nvSpPr>
         <p:spPr>
           <a:xfrm>
-            <a:off x="839788" y="457200"/>
-            <a:ext cx="3932237" cy="1600200"/>
+            <a:off x="693643" y="685800"/>
+            <a:ext cx="4126860" cy="2023252"/>
           </a:xfrm>
         </p:spPr>
         <p:txBody>
-          <a:bodyPr anchor="b"/>
+          <a:bodyPr anchor="b">
+            <a:normAutofit/>
+          </a:bodyPr>
           <a:lstStyle>
-            <a:lvl1pPr>
-              <a:defRPr sz="3200"/>
+            <a:lvl1pPr algn="ctr">
+              <a:defRPr sz="3600"/>
             </a:lvl1pPr>
           </a:lstStyle>
           <a:p>
@@ -2194,62 +5066,29 @@
               <a:rPr lang="en-US"/>
               <a:t>Click to edit Master title style</a:t>
             </a:r>
-          </a:p>
-        </p:txBody>
-      </p:sp>
-      <p:sp>
-        <p:nvSpPr>
-          <p:cNvPr id="3" name="Content Placeholder 2">
-            <a:extLst>
-              <a:ext uri="{FF2B5EF4-FFF2-40B4-BE49-F238E27FC236}">
-                <a16:creationId xmlns:a16="http://schemas.microsoft.com/office/drawing/2014/main" id="{9B6981CA-7062-464C-93BF-7D8709C7A3B7}"/>
-              </a:ext>
-            </a:extLst>
-          </p:cNvPr>
-          <p:cNvSpPr>
-            <a:spLocks noGrp="1"/>
-          </p:cNvSpPr>
-          <p:nvPr>
-            <p:ph idx="1"/>
+            <a:endParaRPr lang="en-US" dirty="0"/>
+          </a:p>
+        </p:txBody>
+      </p:sp>
+      <p:sp>
+        <p:nvSpPr>
+          <p:cNvPr id="10" name="Content Placeholder 2"/>
+          <p:cNvSpPr>
+            <a:spLocks noGrp="1"/>
+          </p:cNvSpPr>
+          <p:nvPr>
+            <p:ph sz="quarter" idx="13"/>
           </p:nvPr>
         </p:nvSpPr>
         <p:spPr>
           <a:xfrm>
-            <a:off x="5183188" y="987425"/>
-            <a:ext cx="6172200" cy="4873625"/>
+            <a:off x="5046132" y="685800"/>
+            <a:ext cx="6034375" cy="4688785"/>
           </a:xfrm>
         </p:spPr>
         <p:txBody>
           <a:bodyPr/>
-          <a:lstStyle>
-            <a:lvl1pPr>
-              <a:defRPr sz="3200"/>
-            </a:lvl1pPr>
-            <a:lvl2pPr>
-              <a:defRPr sz="2800"/>
-            </a:lvl2pPr>
-            <a:lvl3pPr>
-              <a:defRPr sz="2400"/>
-            </a:lvl3pPr>
-            <a:lvl4pPr>
-              <a:defRPr sz="2000"/>
-            </a:lvl4pPr>
-            <a:lvl5pPr>
-              <a:defRPr sz="2000"/>
-            </a:lvl5pPr>
-            <a:lvl6pPr>
-              <a:defRPr sz="2000"/>
-            </a:lvl6pPr>
-            <a:lvl7pPr>
-              <a:defRPr sz="2000"/>
-            </a:lvl7pPr>
-            <a:lvl8pPr>
-              <a:defRPr sz="2000"/>
-            </a:lvl8pPr>
-            <a:lvl9pPr>
-              <a:defRPr sz="2000"/>
-            </a:lvl9pPr>
-          </a:lstStyle>
+          <a:lstStyle/>
           <a:p>
             <a:pPr lvl="0"/>
             <a:r>
@@ -2284,18 +5123,13 @@
               <a:rPr lang="en-US"/>
               <a:t>Fifth level</a:t>
             </a:r>
-          </a:p>
-        </p:txBody>
-      </p:sp>
-      <p:sp>
-        <p:nvSpPr>
-          <p:cNvPr id="4" name="Text Placeholder 3">
-            <a:extLst>
-              <a:ext uri="{FF2B5EF4-FFF2-40B4-BE49-F238E27FC236}">
-                <a16:creationId xmlns:a16="http://schemas.microsoft.com/office/drawing/2014/main" id="{02FE5E3F-5A8B-4B68-9078-1152E4A519FB}"/>
-              </a:ext>
-            </a:extLst>
-          </p:cNvPr>
+            <a:endParaRPr lang="en-US" dirty="0"/>
+          </a:p>
+        </p:txBody>
+      </p:sp>
+      <p:sp>
+        <p:nvSpPr>
+          <p:cNvPr id="4" name="Text Placeholder 3"/>
           <p:cNvSpPr>
             <a:spLocks noGrp="1"/>
           </p:cNvSpPr>
@@ -2305,16 +5139,18 @@
         </p:nvSpPr>
         <p:spPr>
           <a:xfrm>
-            <a:off x="839788" y="2057400"/>
-            <a:ext cx="3932237" cy="3811588"/>
+            <a:off x="693642" y="2709052"/>
+            <a:ext cx="4126861" cy="2665533"/>
           </a:xfrm>
         </p:spPr>
         <p:txBody>
-          <a:bodyPr/>
+          <a:bodyPr anchor="t">
+            <a:normAutofit/>
+          </a:bodyPr>
           <a:lstStyle>
-            <a:lvl1pPr marL="0" indent="0">
-              <a:buNone/>
-              <a:defRPr sz="1600"/>
+            <a:lvl1pPr marL="0" indent="0" algn="ctr">
+              <a:buNone/>
+              <a:defRPr sz="1800"/>
             </a:lvl1pPr>
             <a:lvl2pPr marL="457200" indent="0">
               <a:buNone/>
@@ -2360,13 +5196,7 @@
       </p:sp>
       <p:sp>
         <p:nvSpPr>
-          <p:cNvPr id="5" name="Date Placeholder 4">
-            <a:extLst>
-              <a:ext uri="{FF2B5EF4-FFF2-40B4-BE49-F238E27FC236}">
-                <a16:creationId xmlns:a16="http://schemas.microsoft.com/office/drawing/2014/main" id="{73F622CF-190B-4CA6-8063-2BF7F8D5E853}"/>
-              </a:ext>
-            </a:extLst>
-          </p:cNvPr>
+          <p:cNvPr id="5" name="Date Placeholder 4"/>
           <p:cNvSpPr>
             <a:spLocks noGrp="1"/>
           </p:cNvSpPr>
@@ -2381,7 +5211,7 @@
           <a:p>
             <a:fld id="{AB8825DF-4850-4405-A21B-790940A69C75}" type="datetimeFigureOut">
               <a:rPr lang="en-US" smtClean="0"/>
-              <a:t>3/15/2022</a:t>
+              <a:t>3/16/2022</a:t>
             </a:fld>
             <a:endParaRPr lang="en-US"/>
           </a:p>
@@ -2389,13 +5219,7 @@
       </p:sp>
       <p:sp>
         <p:nvSpPr>
-          <p:cNvPr id="6" name="Footer Placeholder 5">
-            <a:extLst>
-              <a:ext uri="{FF2B5EF4-FFF2-40B4-BE49-F238E27FC236}">
-                <a16:creationId xmlns:a16="http://schemas.microsoft.com/office/drawing/2014/main" id="{6472C6B7-7D4A-4C00-99E3-A65609E0C976}"/>
-              </a:ext>
-            </a:extLst>
-          </p:cNvPr>
+          <p:cNvPr id="6" name="Footer Placeholder 5"/>
           <p:cNvSpPr>
             <a:spLocks noGrp="1"/>
           </p:cNvSpPr>
@@ -2414,13 +5238,7 @@
       </p:sp>
       <p:sp>
         <p:nvSpPr>
-          <p:cNvPr id="7" name="Slide Number Placeholder 6">
-            <a:extLst>
-              <a:ext uri="{FF2B5EF4-FFF2-40B4-BE49-F238E27FC236}">
-                <a16:creationId xmlns:a16="http://schemas.microsoft.com/office/drawing/2014/main" id="{893665E0-510C-4117-800F-5FB6C88A24F4}"/>
-              </a:ext>
-            </a:extLst>
-          </p:cNvPr>
+          <p:cNvPr id="7" name="Slide Number Placeholder 6"/>
           <p:cNvSpPr>
             <a:spLocks noGrp="1"/>
           </p:cNvSpPr>
@@ -2444,7 +5262,7 @@
     </p:spTree>
     <p:extLst>
       <p:ext uri="{BB962C8B-B14F-4D97-AF65-F5344CB8AC3E}">
-        <p14:creationId xmlns:p14="http://schemas.microsoft.com/office/powerpoint/2010/main" val="927535744"/>
+        <p14:creationId xmlns:p14="http://schemas.microsoft.com/office/powerpoint/2010/main" val="2825120919"/>
       </p:ext>
     </p:extLst>
   </p:cSld>
@@ -2473,13 +5291,7 @@
       </p:grpSpPr>
       <p:sp>
         <p:nvSpPr>
-          <p:cNvPr id="2" name="Title 1">
-            <a:extLst>
-              <a:ext uri="{FF2B5EF4-FFF2-40B4-BE49-F238E27FC236}">
-                <a16:creationId xmlns:a16="http://schemas.microsoft.com/office/drawing/2014/main" id="{D5098F7C-EE5B-40FC-BDB3-10617DB96A4E}"/>
-              </a:ext>
-            </a:extLst>
-          </p:cNvPr>
+          <p:cNvPr id="2" name="Title 1"/>
           <p:cNvSpPr>
             <a:spLocks noGrp="1"/>
           </p:cNvSpPr>
@@ -2489,15 +5301,17 @@
         </p:nvSpPr>
         <p:spPr>
           <a:xfrm>
-            <a:off x="839788" y="457200"/>
-            <a:ext cx="3932237" cy="1600200"/>
+            <a:off x="685800" y="685800"/>
+            <a:ext cx="6345302" cy="2023252"/>
           </a:xfrm>
         </p:spPr>
         <p:txBody>
-          <a:bodyPr anchor="b"/>
+          <a:bodyPr anchor="b">
+            <a:normAutofit/>
+          </a:bodyPr>
           <a:lstStyle>
-            <a:lvl1pPr>
-              <a:defRPr sz="3200"/>
+            <a:lvl1pPr algn="ctr">
+              <a:defRPr sz="3600"/>
             </a:lvl1pPr>
           </a:lstStyle>
           <a:p>
@@ -2505,20 +5319,15 @@
               <a:rPr lang="en-US"/>
               <a:t>Click to edit Master title style</a:t>
             </a:r>
-          </a:p>
-        </p:txBody>
-      </p:sp>
-      <p:sp>
-        <p:nvSpPr>
-          <p:cNvPr id="3" name="Picture Placeholder 2">
-            <a:extLst>
-              <a:ext uri="{FF2B5EF4-FFF2-40B4-BE49-F238E27FC236}">
-                <a16:creationId xmlns:a16="http://schemas.microsoft.com/office/drawing/2014/main" id="{8B12C2B9-27BC-4F45-9E60-49D46979F6D4}"/>
-              </a:ext>
-            </a:extLst>
-          </p:cNvPr>
-          <p:cNvSpPr>
-            <a:spLocks noGrp="1"/>
+            <a:endParaRPr lang="en-US" dirty="0"/>
+          </a:p>
+        </p:txBody>
+      </p:sp>
+      <p:sp>
+        <p:nvSpPr>
+          <p:cNvPr id="3" name="Picture Placeholder 2"/>
+          <p:cNvSpPr>
+            <a:spLocks noGrp="1" noChangeAspect="1"/>
           </p:cNvSpPr>
           <p:nvPr>
             <p:ph type="pic" idx="1"/>
@@ -2526,14 +5335,22 @@
         </p:nvSpPr>
         <p:spPr>
           <a:xfrm>
-            <a:off x="5183188" y="987425"/>
-            <a:ext cx="6172200" cy="4873625"/>
+            <a:off x="7482362" y="0"/>
+            <a:ext cx="3598146" cy="5071533"/>
           </a:xfrm>
+          <a:ln w="57150" cmpd="thinThick">
+            <a:solidFill>
+              <a:schemeClr val="bg1">
+                <a:lumMod val="50000"/>
+              </a:schemeClr>
+            </a:solidFill>
+            <a:miter lim="800000"/>
+          </a:ln>
         </p:spPr>
         <p:txBody>
-          <a:bodyPr/>
+          <a:bodyPr anchor="t"/>
           <a:lstStyle>
-            <a:lvl1pPr marL="0" indent="0">
+            <a:lvl1pPr marL="0" indent="0" algn="ctr">
               <a:buNone/>
               <a:defRPr sz="3200"/>
             </a:lvl1pPr>
@@ -2571,19 +5388,17 @@
             </a:lvl9pPr>
           </a:lstStyle>
           <a:p>
-            <a:endParaRPr lang="en-US"/>
-          </a:p>
-        </p:txBody>
-      </p:sp>
-      <p:sp>
-        <p:nvSpPr>
-          <p:cNvPr id="4" name="Text Placeholder 3">
-            <a:extLst>
-              <a:ext uri="{FF2B5EF4-FFF2-40B4-BE49-F238E27FC236}">
-                <a16:creationId xmlns:a16="http://schemas.microsoft.com/office/drawing/2014/main" id="{319F32B4-09B4-4734-9EEB-BEA53C4A5BF0}"/>
-              </a:ext>
-            </a:extLst>
-          </p:cNvPr>
+            <a:r>
+              <a:rPr lang="en-US"/>
+              <a:t>Click icon to add picture</a:t>
+            </a:r>
+            <a:endParaRPr lang="en-US" dirty="0"/>
+          </a:p>
+        </p:txBody>
+      </p:sp>
+      <p:sp>
+        <p:nvSpPr>
+          <p:cNvPr id="4" name="Text Placeholder 3"/>
           <p:cNvSpPr>
             <a:spLocks noGrp="1"/>
           </p:cNvSpPr>
@@ -2593,16 +5408,18 @@
         </p:nvSpPr>
         <p:spPr>
           <a:xfrm>
-            <a:off x="839788" y="2057400"/>
-            <a:ext cx="3932237" cy="3811588"/>
+            <a:off x="685801" y="2709052"/>
+            <a:ext cx="6345301" cy="2362481"/>
           </a:xfrm>
         </p:spPr>
         <p:txBody>
-          <a:bodyPr/>
+          <a:bodyPr anchor="t">
+            <a:normAutofit/>
+          </a:bodyPr>
           <a:lstStyle>
-            <a:lvl1pPr marL="0" indent="0">
-              <a:buNone/>
-              <a:defRPr sz="1600"/>
+            <a:lvl1pPr marL="0" indent="0" algn="ctr">
+              <a:buNone/>
+              <a:defRPr sz="1800"/>
             </a:lvl1pPr>
             <a:lvl2pPr marL="457200" indent="0">
               <a:buNone/>
@@ -2648,13 +5465,7 @@
       </p:sp>
       <p:sp>
         <p:nvSpPr>
-          <p:cNvPr id="5" name="Date Placeholder 4">
-            <a:extLst>
-              <a:ext uri="{FF2B5EF4-FFF2-40B4-BE49-F238E27FC236}">
-                <a16:creationId xmlns:a16="http://schemas.microsoft.com/office/drawing/2014/main" id="{4E2A76E6-68C9-41C9-A74E-849F631D5537}"/>
-              </a:ext>
-            </a:extLst>
-          </p:cNvPr>
+          <p:cNvPr id="5" name="Date Placeholder 4"/>
           <p:cNvSpPr>
             <a:spLocks noGrp="1"/>
           </p:cNvSpPr>
@@ -2669,7 +5480,7 @@
           <a:p>
             <a:fld id="{AB8825DF-4850-4405-A21B-790940A69C75}" type="datetimeFigureOut">
               <a:rPr lang="en-US" smtClean="0"/>
-              <a:t>3/15/2022</a:t>
+              <a:t>3/16/2022</a:t>
             </a:fld>
             <a:endParaRPr lang="en-US"/>
           </a:p>
@@ -2677,13 +5488,7 @@
       </p:sp>
       <p:sp>
         <p:nvSpPr>
-          <p:cNvPr id="6" name="Footer Placeholder 5">
-            <a:extLst>
-              <a:ext uri="{FF2B5EF4-FFF2-40B4-BE49-F238E27FC236}">
-                <a16:creationId xmlns:a16="http://schemas.microsoft.com/office/drawing/2014/main" id="{8F829D3C-F8E4-430D-B9D7-3E14E49D6BBA}"/>
-              </a:ext>
-            </a:extLst>
-          </p:cNvPr>
+          <p:cNvPr id="6" name="Footer Placeholder 5"/>
           <p:cNvSpPr>
             <a:spLocks noGrp="1"/>
           </p:cNvSpPr>
@@ -2702,13 +5507,7 @@
       </p:sp>
       <p:sp>
         <p:nvSpPr>
-          <p:cNvPr id="7" name="Slide Number Placeholder 6">
-            <a:extLst>
-              <a:ext uri="{FF2B5EF4-FFF2-40B4-BE49-F238E27FC236}">
-                <a16:creationId xmlns:a16="http://schemas.microsoft.com/office/drawing/2014/main" id="{9FC183A1-97E3-480A-A565-B390C8204115}"/>
-              </a:ext>
-            </a:extLst>
-          </p:cNvPr>
+          <p:cNvPr id="7" name="Slide Number Placeholder 6"/>
           <p:cNvSpPr>
             <a:spLocks noGrp="1"/>
           </p:cNvSpPr>
@@ -2732,7 +5531,7 @@
     </p:spTree>
     <p:extLst>
       <p:ext uri="{BB962C8B-B14F-4D97-AF65-F5344CB8AC3E}">
-        <p14:creationId xmlns:p14="http://schemas.microsoft.com/office/powerpoint/2010/main" val="2498315118"/>
+        <p14:creationId xmlns:p14="http://schemas.microsoft.com/office/powerpoint/2010/main" val="2526293676"/>
       </p:ext>
     </p:extLst>
   </p:cSld>
@@ -2746,7 +5545,7 @@
 <p:sldMaster xmlns:a="http://schemas.openxmlformats.org/drawingml/2006/main" xmlns:r="http://schemas.openxmlformats.org/officeDocument/2006/relationships" xmlns:p="http://schemas.openxmlformats.org/presentationml/2006/main">
   <p:cSld>
     <p:bg>
-      <p:bgRef idx="1001">
+      <p:bgRef idx="1003">
         <a:schemeClr val="bg1"/>
       </p:bgRef>
     </p:bg>
@@ -2764,144 +5563,318 @@
           <a:chExt cx="0" cy="0"/>
         </a:xfrm>
       </p:grpSpPr>
-      <p:sp>
-        <p:nvSpPr>
-          <p:cNvPr id="2" name="Title Placeholder 1">
+      <p:pic>
+        <p:nvPicPr>
+          <p:cNvPr id="7" name="Picture 6" descr="Brickwork-HD-R1a.jpg"/>
+          <p:cNvPicPr>
+            <a:picLocks noChangeAspect="1"/>
+          </p:cNvPicPr>
+          <p:nvPr/>
+        </p:nvPicPr>
+        <p:blipFill>
+          <a:blip r:embed="rId20">
             <a:extLst>
-              <a:ext uri="{FF2B5EF4-FFF2-40B4-BE49-F238E27FC236}">
-                <a16:creationId xmlns:a16="http://schemas.microsoft.com/office/drawing/2014/main" id="{7DB21833-4586-4707-82B5-E648AA67A1BE}"/>
+              <a:ext uri="{28A0092B-C50C-407E-A947-70E740481C1C}">
+                <a14:useLocalDpi xmlns:a14="http://schemas.microsoft.com/office/drawing/2010/main" val="0"/>
               </a:ext>
             </a:extLst>
-          </p:cNvPr>
-          <p:cNvSpPr>
-            <a:spLocks noGrp="1"/>
-          </p:cNvSpPr>
-          <p:nvPr>
-            <p:ph type="title"/>
-          </p:nvPr>
-        </p:nvSpPr>
+          </a:blip>
+          <a:stretch>
+            <a:fillRect/>
+          </a:stretch>
+        </p:blipFill>
         <p:spPr>
           <a:xfrm>
-            <a:off x="838200" y="365125"/>
-            <a:ext cx="10515600" cy="1325563"/>
+            <a:off x="0" y="0"/>
+            <a:ext cx="12192000" cy="6858000"/>
           </a:xfrm>
           <a:prstGeom prst="rect">
             <a:avLst/>
           </a:prstGeom>
         </p:spPr>
-        <p:txBody>
-          <a:bodyPr vert="horz" lIns="91440" tIns="45720" rIns="91440" bIns="45720" rtlCol="0" anchor="ctr">
-            <a:normAutofit/>
-          </a:bodyPr>
-          <a:lstStyle/>
-          <a:p>
-            <a:r>
-              <a:rPr lang="en-US"/>
-              <a:t>Click to edit Master title style</a:t>
-            </a:r>
-          </a:p>
-        </p:txBody>
-      </p:sp>
-      <p:sp>
-        <p:nvSpPr>
-          <p:cNvPr id="3" name="Text Placeholder 2">
-            <a:extLst>
-              <a:ext uri="{FF2B5EF4-FFF2-40B4-BE49-F238E27FC236}">
-                <a16:creationId xmlns:a16="http://schemas.microsoft.com/office/drawing/2014/main" id="{C95941D5-C106-4357-BC6A-97AE5190E3DE}"/>
-              </a:ext>
-            </a:extLst>
-          </p:cNvPr>
-          <p:cNvSpPr>
-            <a:spLocks noGrp="1"/>
-          </p:cNvSpPr>
-          <p:nvPr>
-            <p:ph type="body" idx="1"/>
+      </p:pic>
+      <p:grpSp>
+        <p:nvGrpSpPr>
+          <p:cNvPr id="10" name="Group 9"/>
+          <p:cNvGrpSpPr/>
+          <p:nvPr/>
+        </p:nvGrpSpPr>
+        <p:grpSpPr>
+          <a:xfrm>
+            <a:off x="-25397" y="0"/>
+            <a:ext cx="12005350" cy="6644081"/>
+            <a:chOff x="-25397" y="0"/>
+            <a:chExt cx="12005350" cy="6644081"/>
+          </a:xfrm>
+        </p:grpSpPr>
+        <p:sp useBgFill="1">
+          <p:nvSpPr>
+            <p:cNvPr id="11" name="Rectangle 10"/>
+            <p:cNvSpPr/>
+            <p:nvPr/>
+          </p:nvSpPr>
+          <p:spPr>
+            <a:xfrm>
+              <a:off x="1" y="0"/>
+              <a:ext cx="11979952" cy="6644081"/>
+            </a:xfrm>
+            <a:prstGeom prst="rect">
+              <a:avLst/>
+            </a:prstGeom>
+            <a:ln>
+              <a:noFill/>
+            </a:ln>
+            <a:effectLst>
+              <a:outerShdw blurRad="98425" dist="76200" dir="4380000" algn="tl" rotWithShape="0">
+                <a:srgbClr val="000000">
+                  <a:alpha val="68000"/>
+                </a:srgbClr>
+              </a:outerShdw>
+            </a:effectLst>
+          </p:spPr>
+          <p:style>
+            <a:lnRef idx="1">
+              <a:schemeClr val="accent1"/>
+            </a:lnRef>
+            <a:fillRef idx="3">
+              <a:schemeClr val="accent1"/>
+            </a:fillRef>
+            <a:effectRef idx="2">
+              <a:schemeClr val="accent1"/>
+            </a:effectRef>
+            <a:fontRef idx="minor">
+              <a:schemeClr val="lt1"/>
+            </a:fontRef>
+          </p:style>
+        </p:sp>
+        <p:sp>
+          <p:nvSpPr>
+            <p:cNvPr id="12" name="Freeform 11"/>
+            <p:cNvSpPr/>
+            <p:nvPr/>
+          </p:nvSpPr>
+          <p:spPr>
+            <a:xfrm>
+              <a:off x="-25397" y="0"/>
+              <a:ext cx="11773291" cy="6419514"/>
+            </a:xfrm>
+            <a:custGeom>
+              <a:avLst/>
+              <a:gdLst/>
+              <a:ahLst/>
+              <a:cxnLst/>
+              <a:rect l="l" t="t" r="r" b="b"/>
+              <a:pathLst>
+                <a:path w="11773291" h="6419514">
+                  <a:moveTo>
+                    <a:pt x="11750059" y="0"/>
+                  </a:moveTo>
+                  <a:lnTo>
+                    <a:pt x="11773291" y="6419514"/>
+                  </a:lnTo>
+                  <a:lnTo>
+                    <a:pt x="0" y="6411047"/>
+                  </a:lnTo>
+                </a:path>
+              </a:pathLst>
+            </a:custGeom>
+            <a:ln w="82550">
+              <a:solidFill>
+                <a:schemeClr val="tx1">
+                  <a:lumMod val="50000"/>
+                  <a:lumOff val="50000"/>
+                </a:schemeClr>
+              </a:solidFill>
+              <a:miter lim="800000"/>
+            </a:ln>
+          </p:spPr>
+          <p:style>
+            <a:lnRef idx="2">
+              <a:schemeClr val="accent1"/>
+            </a:lnRef>
+            <a:fillRef idx="0">
+              <a:schemeClr val="accent1"/>
+            </a:fillRef>
+            <a:effectRef idx="1">
+              <a:schemeClr val="accent1"/>
+            </a:effectRef>
+            <a:fontRef idx="minor">
+              <a:schemeClr val="tx1"/>
+            </a:fontRef>
+          </p:style>
+        </p:sp>
+        <p:sp>
+          <p:nvSpPr>
+            <p:cNvPr id="13" name="Rectangle 12"/>
+            <p:cNvSpPr/>
+            <p:nvPr/>
+          </p:nvSpPr>
+          <p:spPr>
+            <a:xfrm>
+              <a:off x="1" y="5600215"/>
+              <a:ext cx="11706512" cy="780581"/>
+            </a:xfrm>
+            <a:prstGeom prst="rect">
+              <a:avLst/>
+            </a:prstGeom>
+            <a:gradFill flip="none" rotWithShape="1">
+              <a:gsLst>
+                <a:gs pos="34000">
+                  <a:schemeClr val="accent1"/>
+                </a:gs>
+                <a:gs pos="100000">
+                  <a:schemeClr val="accent1">
+                    <a:lumMod val="50000"/>
+                  </a:schemeClr>
+                </a:gs>
+              </a:gsLst>
+              <a:path path="circle">
+                <a:fillToRect l="50000" t="50000" r="50000" b="50000"/>
+              </a:path>
+              <a:tileRect/>
+            </a:gradFill>
+            <a:ln>
+              <a:noFill/>
+            </a:ln>
+          </p:spPr>
+          <p:style>
+            <a:lnRef idx="1">
+              <a:schemeClr val="accent1"/>
+            </a:lnRef>
+            <a:fillRef idx="3">
+              <a:schemeClr val="accent1"/>
+            </a:fillRef>
+            <a:effectRef idx="2">
+              <a:schemeClr val="accent1"/>
+            </a:effectRef>
+            <a:fontRef idx="minor">
+              <a:schemeClr val="lt1"/>
+            </a:fontRef>
+          </p:style>
+        </p:sp>
+      </p:grpSp>
+      <p:sp>
+        <p:nvSpPr>
+          <p:cNvPr id="2" name="Title Placeholder 1"/>
+          <p:cNvSpPr>
+            <a:spLocks noGrp="1"/>
+          </p:cNvSpPr>
+          <p:nvPr>
+            <p:ph type="title"/>
           </p:nvPr>
         </p:nvSpPr>
         <p:spPr>
           <a:xfrm>
-            <a:off x="838200" y="1825625"/>
-            <a:ext cx="10515600" cy="4351338"/>
+            <a:off x="685801" y="685800"/>
+            <a:ext cx="10396882" cy="1151965"/>
           </a:xfrm>
           <a:prstGeom prst="rect">
             <a:avLst/>
           </a:prstGeom>
         </p:spPr>
         <p:txBody>
-          <a:bodyPr vert="horz" lIns="91440" tIns="45720" rIns="91440" bIns="45720" rtlCol="0">
+          <a:bodyPr vert="horz" lIns="91440" tIns="45720" rIns="91440" bIns="45720" rtlCol="0" anchor="ctr">
             <a:normAutofit/>
           </a:bodyPr>
           <a:lstStyle/>
           <a:p>
-            <a:pPr lvl="0"/>
-            <a:r>
-              <a:rPr lang="en-US"/>
-              <a:t>Edit Master text styles</a:t>
-            </a:r>
-          </a:p>
-          <a:p>
-            <a:pPr lvl="1"/>
-            <a:r>
-              <a:rPr lang="en-US"/>
-              <a:t>Second level</a:t>
-            </a:r>
-          </a:p>
-          <a:p>
-            <a:pPr lvl="2"/>
-            <a:r>
-              <a:rPr lang="en-US"/>
-              <a:t>Third level</a:t>
-            </a:r>
-          </a:p>
-          <a:p>
-            <a:pPr lvl="3"/>
-            <a:r>
-              <a:rPr lang="en-US"/>
-              <a:t>Fourth level</a:t>
-            </a:r>
-          </a:p>
-          <a:p>
-            <a:pPr lvl="4"/>
-            <a:r>
-              <a:rPr lang="en-US"/>
-              <a:t>Fifth level</a:t>
-            </a:r>
-          </a:p>
-        </p:txBody>
-      </p:sp>
-      <p:sp>
-        <p:nvSpPr>
-          <p:cNvPr id="4" name="Date Placeholder 3">
-            <a:extLst>
-              <a:ext uri="{FF2B5EF4-FFF2-40B4-BE49-F238E27FC236}">
-                <a16:creationId xmlns:a16="http://schemas.microsoft.com/office/drawing/2014/main" id="{12328716-24F6-488A-BB10-0C75266BB0A4}"/>
-              </a:ext>
-            </a:extLst>
-          </p:cNvPr>
-          <p:cNvSpPr>
-            <a:spLocks noGrp="1"/>
-          </p:cNvSpPr>
-          <p:nvPr>
-            <p:ph type="dt" sz="half" idx="2"/>
+            <a:r>
+              <a:rPr lang="en-US"/>
+              <a:t>Click to edit Master title style</a:t>
+            </a:r>
+            <a:endParaRPr lang="en-US" dirty="0"/>
+          </a:p>
+        </p:txBody>
+      </p:sp>
+      <p:sp>
+        <p:nvSpPr>
+          <p:cNvPr id="3" name="Text Placeholder 2"/>
+          <p:cNvSpPr>
+            <a:spLocks noGrp="1"/>
+          </p:cNvSpPr>
+          <p:nvPr>
+            <p:ph type="body" idx="1"/>
           </p:nvPr>
         </p:nvSpPr>
         <p:spPr>
           <a:xfrm>
-            <a:off x="838200" y="6356350"/>
-            <a:ext cx="2743200" cy="365125"/>
+            <a:off x="685800" y="2063396"/>
+            <a:ext cx="10396883" cy="3311189"/>
           </a:xfrm>
           <a:prstGeom prst="rect">
             <a:avLst/>
           </a:prstGeom>
         </p:spPr>
         <p:txBody>
+          <a:bodyPr vert="horz" lIns="91440" tIns="45720" rIns="91440" bIns="45720" rtlCol="0" anchor="ctr">
+            <a:normAutofit/>
+          </a:bodyPr>
+          <a:lstStyle/>
+          <a:p>
+            <a:pPr lvl="0"/>
+            <a:r>
+              <a:rPr lang="en-US"/>
+              <a:t>Edit Master text styles</a:t>
+            </a:r>
+          </a:p>
+          <a:p>
+            <a:pPr lvl="1"/>
+            <a:r>
+              <a:rPr lang="en-US"/>
+              <a:t>Second level</a:t>
+            </a:r>
+          </a:p>
+          <a:p>
+            <a:pPr lvl="2"/>
+            <a:r>
+              <a:rPr lang="en-US"/>
+              <a:t>Third level</a:t>
+            </a:r>
+          </a:p>
+          <a:p>
+            <a:pPr lvl="3"/>
+            <a:r>
+              <a:rPr lang="en-US"/>
+              <a:t>Fourth level</a:t>
+            </a:r>
+          </a:p>
+          <a:p>
+            <a:pPr lvl="4"/>
+            <a:r>
+              <a:rPr lang="en-US"/>
+              <a:t>Fifth level</a:t>
+            </a:r>
+            <a:endParaRPr lang="en-US" dirty="0"/>
+          </a:p>
+        </p:txBody>
+      </p:sp>
+      <p:sp>
+        <p:nvSpPr>
+          <p:cNvPr id="4" name="Date Placeholder 3"/>
+          <p:cNvSpPr>
+            <a:spLocks noGrp="1"/>
+          </p:cNvSpPr>
+          <p:nvPr>
+            <p:ph type="dt" sz="half" idx="2"/>
+          </p:nvPr>
+        </p:nvSpPr>
+        <p:spPr>
+          <a:xfrm>
+            <a:off x="7298083" y="5757334"/>
+            <a:ext cx="3784600" cy="498470"/>
+          </a:xfrm>
+          <a:prstGeom prst="rect">
+            <a:avLst/>
+          </a:prstGeom>
+        </p:spPr>
+        <p:txBody>
           <a:bodyPr vert="horz" lIns="91440" tIns="45720" rIns="91440" bIns="45720" rtlCol="0" anchor="ctr"/>
           <a:lstStyle>
-            <a:lvl1pPr algn="l">
-              <a:defRPr sz="1200">
+            <a:lvl1pPr algn="r">
+              <a:defRPr sz="3200" cap="all" baseline="0">
                 <a:solidFill>
-                  <a:schemeClr val="tx1">
-                    <a:tint val="75000"/>
+                  <a:schemeClr val="accent1">
+                    <a:lumMod val="50000"/>
                   </a:schemeClr>
                 </a:solidFill>
               </a:defRPr>
@@ -2910,7 +5883,7 @@
           <a:p>
             <a:fld id="{AB8825DF-4850-4405-A21B-790940A69C75}" type="datetimeFigureOut">
               <a:rPr lang="en-US" smtClean="0"/>
-              <a:t>3/15/2022</a:t>
+              <a:t>3/16/2022</a:t>
             </a:fld>
             <a:endParaRPr lang="en-US"/>
           </a:p>
@@ -2918,13 +5891,7 @@
       </p:sp>
       <p:sp>
         <p:nvSpPr>
-          <p:cNvPr id="5" name="Footer Placeholder 4">
-            <a:extLst>
-              <a:ext uri="{FF2B5EF4-FFF2-40B4-BE49-F238E27FC236}">
-                <a16:creationId xmlns:a16="http://schemas.microsoft.com/office/drawing/2014/main" id="{6E2B9CD3-8C08-47C7-9E92-8E961008ED3C}"/>
-              </a:ext>
-            </a:extLst>
-          </p:cNvPr>
+          <p:cNvPr id="5" name="Footer Placeholder 4"/>
           <p:cNvSpPr>
             <a:spLocks noGrp="1"/>
           </p:cNvSpPr>
@@ -2934,8 +5901,8 @@
         </p:nvSpPr>
         <p:spPr>
           <a:xfrm>
-            <a:off x="4038600" y="6356350"/>
-            <a:ext cx="4114800" cy="365125"/>
+            <a:off x="685801" y="5757334"/>
+            <a:ext cx="5499719" cy="498470"/>
           </a:xfrm>
           <a:prstGeom prst="rect">
             <a:avLst/>
@@ -2944,11 +5911,11 @@
         <p:txBody>
           <a:bodyPr vert="horz" lIns="91440" tIns="45720" rIns="91440" bIns="45720" rtlCol="0" anchor="ctr"/>
           <a:lstStyle>
-            <a:lvl1pPr algn="ctr">
-              <a:defRPr sz="1200">
+            <a:lvl1pPr algn="l">
+              <a:defRPr sz="3200" cap="all" baseline="0">
                 <a:solidFill>
-                  <a:schemeClr val="tx1">
-                    <a:tint val="75000"/>
+                  <a:schemeClr val="accent1">
+                    <a:lumMod val="50000"/>
                   </a:schemeClr>
                 </a:solidFill>
               </a:defRPr>
@@ -2961,13 +5928,7 @@
       </p:sp>
       <p:sp>
         <p:nvSpPr>
-          <p:cNvPr id="6" name="Slide Number Placeholder 5">
-            <a:extLst>
-              <a:ext uri="{FF2B5EF4-FFF2-40B4-BE49-F238E27FC236}">
-                <a16:creationId xmlns:a16="http://schemas.microsoft.com/office/drawing/2014/main" id="{722A9842-62C6-4575-9649-7D33D53E9203}"/>
-              </a:ext>
-            </a:extLst>
-          </p:cNvPr>
+          <p:cNvPr id="6" name="Slide Number Placeholder 5"/>
           <p:cNvSpPr>
             <a:spLocks noGrp="1"/>
           </p:cNvSpPr>
@@ -2977,8 +5938,8 @@
         </p:nvSpPr>
         <p:spPr>
           <a:xfrm>
-            <a:off x="8610600" y="6356350"/>
-            <a:ext cx="2743200" cy="365125"/>
+            <a:off x="6287121" y="5757334"/>
+            <a:ext cx="907186" cy="498470"/>
           </a:xfrm>
           <a:prstGeom prst="rect">
             <a:avLst/>
@@ -2987,11 +5948,11 @@
         <p:txBody>
           <a:bodyPr vert="horz" lIns="91440" tIns="45720" rIns="91440" bIns="45720" rtlCol="0" anchor="ctr"/>
           <a:lstStyle>
-            <a:lvl1pPr algn="r">
-              <a:defRPr sz="1200">
+            <a:lvl1pPr algn="ctr">
+              <a:defRPr sz="3200" cap="all" baseline="0">
                 <a:solidFill>
-                  <a:schemeClr val="tx1">
-                    <a:tint val="75000"/>
+                  <a:schemeClr val="accent1">
+                    <a:lumMod val="50000"/>
                   </a:schemeClr>
                 </a:solidFill>
               </a:defRPr>
@@ -3009,23 +5970,30 @@
     </p:spTree>
     <p:extLst>
       <p:ext uri="{BB962C8B-B14F-4D97-AF65-F5344CB8AC3E}">
-        <p14:creationId xmlns:p14="http://schemas.microsoft.com/office/powerpoint/2010/main" val="3951067320"/>
+        <p14:creationId xmlns:p14="http://schemas.microsoft.com/office/powerpoint/2010/main" val="1238597781"/>
       </p:ext>
     </p:extLst>
   </p:cSld>
   <p:clrMap bg1="lt1" tx1="dk1" bg2="lt2" tx2="dk2" accent1="accent1" accent2="accent2" accent3="accent3" accent4="accent4" accent5="accent5" accent6="accent6" hlink="hlink" folHlink="folHlink"/>
   <p:sldLayoutIdLst>
-    <p:sldLayoutId id="2147483649" r:id="rId1"/>
-    <p:sldLayoutId id="2147483650" r:id="rId2"/>
-    <p:sldLayoutId id="2147483651" r:id="rId3"/>
-    <p:sldLayoutId id="2147483652" r:id="rId4"/>
-    <p:sldLayoutId id="2147483653" r:id="rId5"/>
-    <p:sldLayoutId id="2147483654" r:id="rId6"/>
-    <p:sldLayoutId id="2147483655" r:id="rId7"/>
-    <p:sldLayoutId id="2147483656" r:id="rId8"/>
-    <p:sldLayoutId id="2147483657" r:id="rId9"/>
-    <p:sldLayoutId id="2147483658" r:id="rId10"/>
-    <p:sldLayoutId id="2147483659" r:id="rId11"/>
+    <p:sldLayoutId id="2147483661" r:id="rId1"/>
+    <p:sldLayoutId id="2147483662" r:id="rId2"/>
+    <p:sldLayoutId id="2147483663" r:id="rId3"/>
+    <p:sldLayoutId id="2147483664" r:id="rId4"/>
+    <p:sldLayoutId id="2147483665" r:id="rId5"/>
+    <p:sldLayoutId id="2147483666" r:id="rId6"/>
+    <p:sldLayoutId id="2147483667" r:id="rId7"/>
+    <p:sldLayoutId id="2147483668" r:id="rId8"/>
+    <p:sldLayoutId id="2147483669" r:id="rId9"/>
+    <p:sldLayoutId id="2147483670" r:id="rId10"/>
+    <p:sldLayoutId id="2147483671" r:id="rId11"/>
+    <p:sldLayoutId id="2147483672" r:id="rId12"/>
+    <p:sldLayoutId id="2147483673" r:id="rId13"/>
+    <p:sldLayoutId id="2147483674" r:id="rId14"/>
+    <p:sldLayoutId id="2147483675" r:id="rId15"/>
+    <p:sldLayoutId id="2147483676" r:id="rId16"/>
+    <p:sldLayoutId id="2147483677" r:id="rId17"/>
+    <p:sldLayoutId id="2147483678" r:id="rId18"/>
   </p:sldLayoutIdLst>
   <p:txStyles>
     <p:titleStyle>
@@ -3037,10 +6005,11 @@
           <a:spcPct val="0"/>
         </a:spcBef>
         <a:buNone/>
-        <a:defRPr sz="4400" kern="1200">
+        <a:defRPr sz="5400" kern="1200" cap="all" baseline="0">
           <a:solidFill>
-            <a:schemeClr val="tx1"/>
+            <a:schemeClr val="accent1"/>
           </a:solidFill>
+          <a:effectLst/>
           <a:latin typeface="+mj-lt"/>
           <a:ea typeface="+mj-ea"/>
           <a:cs typeface="+mj-cs"/>
@@ -3050,17 +6019,22 @@
     <p:bodyStyle>
       <a:lvl1pPr marL="228600" indent="-228600" algn="l" defTabSz="914400" rtl="0" eaLnBrk="1" latinLnBrk="0" hangingPunct="1">
         <a:lnSpc>
-          <a:spcPct val="90000"/>
+          <a:spcPct val="120000"/>
         </a:lnSpc>
         <a:spcBef>
           <a:spcPts val="1000"/>
         </a:spcBef>
+        <a:buClr>
+          <a:schemeClr val="accent1"/>
+        </a:buClr>
+        <a:buSzPct val="160000"/>
         <a:buFont typeface="Arial" panose="020B0604020202020204" pitchFamily="34" charset="0"/>
         <a:buChar char="•"/>
-        <a:defRPr sz="2800" kern="1200">
+        <a:defRPr sz="2000" kern="1200" cap="all" baseline="0">
           <a:solidFill>
             <a:schemeClr val="tx1"/>
           </a:solidFill>
+          <a:effectLst/>
           <a:latin typeface="+mn-lt"/>
           <a:ea typeface="+mn-ea"/>
           <a:cs typeface="+mn-cs"/>
@@ -3068,17 +6042,22 @@
       </a:lvl1pPr>
       <a:lvl2pPr marL="685800" indent="-228600" algn="l" defTabSz="914400" rtl="0" eaLnBrk="1" latinLnBrk="0" hangingPunct="1">
         <a:lnSpc>
-          <a:spcPct val="90000"/>
+          <a:spcPct val="120000"/>
         </a:lnSpc>
         <a:spcBef>
           <a:spcPts val="500"/>
         </a:spcBef>
+        <a:buClr>
+          <a:schemeClr val="accent1"/>
+        </a:buClr>
+        <a:buSzPct val="160000"/>
         <a:buFont typeface="Arial" panose="020B0604020202020204" pitchFamily="34" charset="0"/>
         <a:buChar char="•"/>
-        <a:defRPr sz="2400" kern="1200">
+        <a:defRPr sz="1800" kern="1200" cap="all" baseline="0">
           <a:solidFill>
             <a:schemeClr val="tx1"/>
           </a:solidFill>
+          <a:effectLst/>
           <a:latin typeface="+mn-lt"/>
           <a:ea typeface="+mn-ea"/>
           <a:cs typeface="+mn-cs"/>
@@ -3086,17 +6065,22 @@
       </a:lvl2pPr>
       <a:lvl3pPr marL="1143000" indent="-228600" algn="l" defTabSz="914400" rtl="0" eaLnBrk="1" latinLnBrk="0" hangingPunct="1">
         <a:lnSpc>
-          <a:spcPct val="90000"/>
+          <a:spcPct val="120000"/>
         </a:lnSpc>
         <a:spcBef>
           <a:spcPts val="500"/>
         </a:spcBef>
+        <a:buClr>
+          <a:schemeClr val="accent1"/>
+        </a:buClr>
+        <a:buSzPct val="160000"/>
         <a:buFont typeface="Arial" panose="020B0604020202020204" pitchFamily="34" charset="0"/>
         <a:buChar char="•"/>
-        <a:defRPr sz="2000" kern="1200">
+        <a:defRPr sz="1600" kern="1200" cap="all" baseline="0">
           <a:solidFill>
             <a:schemeClr val="tx1"/>
           </a:solidFill>
+          <a:effectLst/>
           <a:latin typeface="+mn-lt"/>
           <a:ea typeface="+mn-ea"/>
           <a:cs typeface="+mn-cs"/>
@@ -3104,17 +6088,22 @@
       </a:lvl3pPr>
       <a:lvl4pPr marL="1600200" indent="-228600" algn="l" defTabSz="914400" rtl="0" eaLnBrk="1" latinLnBrk="0" hangingPunct="1">
         <a:lnSpc>
-          <a:spcPct val="90000"/>
+          <a:spcPct val="120000"/>
         </a:lnSpc>
         <a:spcBef>
           <a:spcPts val="500"/>
         </a:spcBef>
+        <a:buClr>
+          <a:schemeClr val="accent1"/>
+        </a:buClr>
+        <a:buSzPct val="160000"/>
         <a:buFont typeface="Arial" panose="020B0604020202020204" pitchFamily="34" charset="0"/>
         <a:buChar char="•"/>
-        <a:defRPr sz="1800" kern="1200">
+        <a:defRPr sz="1400" kern="1200" cap="all" baseline="0">
           <a:solidFill>
             <a:schemeClr val="tx1"/>
           </a:solidFill>
+          <a:effectLst/>
           <a:latin typeface="+mn-lt"/>
           <a:ea typeface="+mn-ea"/>
           <a:cs typeface="+mn-cs"/>
@@ -3122,17 +6111,22 @@
       </a:lvl4pPr>
       <a:lvl5pPr marL="2057400" indent="-228600" algn="l" defTabSz="914400" rtl="0" eaLnBrk="1" latinLnBrk="0" hangingPunct="1">
         <a:lnSpc>
-          <a:spcPct val="90000"/>
+          <a:spcPct val="120000"/>
         </a:lnSpc>
         <a:spcBef>
           <a:spcPts val="500"/>
         </a:spcBef>
+        <a:buClr>
+          <a:schemeClr val="accent1"/>
+        </a:buClr>
+        <a:buSzPct val="160000"/>
         <a:buFont typeface="Arial" panose="020B0604020202020204" pitchFamily="34" charset="0"/>
         <a:buChar char="•"/>
-        <a:defRPr sz="1800" kern="1200">
+        <a:defRPr sz="1400" kern="1200" cap="all" baseline="0">
           <a:solidFill>
             <a:schemeClr val="tx1"/>
           </a:solidFill>
+          <a:effectLst/>
           <a:latin typeface="+mn-lt"/>
           <a:ea typeface="+mn-ea"/>
           <a:cs typeface="+mn-cs"/>
@@ -3140,17 +6134,22 @@
       </a:lvl5pPr>
       <a:lvl6pPr marL="2514600" indent="-228600" algn="l" defTabSz="914400" rtl="0" eaLnBrk="1" latinLnBrk="0" hangingPunct="1">
         <a:lnSpc>
-          <a:spcPct val="90000"/>
+          <a:spcPct val="120000"/>
         </a:lnSpc>
         <a:spcBef>
           <a:spcPts val="500"/>
         </a:spcBef>
+        <a:buClr>
+          <a:schemeClr val="accent1"/>
+        </a:buClr>
+        <a:buSzPct val="160000"/>
         <a:buFont typeface="Arial" panose="020B0604020202020204" pitchFamily="34" charset="0"/>
         <a:buChar char="•"/>
-        <a:defRPr sz="1800" kern="1200">
+        <a:defRPr sz="1400" kern="1200" cap="all" baseline="0">
           <a:solidFill>
             <a:schemeClr val="tx1"/>
           </a:solidFill>
+          <a:effectLst/>
           <a:latin typeface="+mn-lt"/>
           <a:ea typeface="+mn-ea"/>
           <a:cs typeface="+mn-cs"/>
@@ -3158,17 +6157,22 @@
       </a:lvl6pPr>
       <a:lvl7pPr marL="2971800" indent="-228600" algn="l" defTabSz="914400" rtl="0" eaLnBrk="1" latinLnBrk="0" hangingPunct="1">
         <a:lnSpc>
-          <a:spcPct val="90000"/>
+          <a:spcPct val="120000"/>
         </a:lnSpc>
         <a:spcBef>
           <a:spcPts val="500"/>
         </a:spcBef>
+        <a:buClr>
+          <a:schemeClr val="accent1"/>
+        </a:buClr>
+        <a:buSzPct val="160000"/>
         <a:buFont typeface="Arial" panose="020B0604020202020204" pitchFamily="34" charset="0"/>
         <a:buChar char="•"/>
-        <a:defRPr sz="1800" kern="1200">
+        <a:defRPr sz="1400" kern="1200" cap="all" baseline="0">
           <a:solidFill>
             <a:schemeClr val="tx1"/>
           </a:solidFill>
+          <a:effectLst/>
           <a:latin typeface="+mn-lt"/>
           <a:ea typeface="+mn-ea"/>
           <a:cs typeface="+mn-cs"/>
@@ -3176,17 +6180,22 @@
       </a:lvl7pPr>
       <a:lvl8pPr marL="3429000" indent="-228600" algn="l" defTabSz="914400" rtl="0" eaLnBrk="1" latinLnBrk="0" hangingPunct="1">
         <a:lnSpc>
-          <a:spcPct val="90000"/>
+          <a:spcPct val="120000"/>
         </a:lnSpc>
         <a:spcBef>
           <a:spcPts val="500"/>
         </a:spcBef>
+        <a:buClr>
+          <a:schemeClr val="accent1"/>
+        </a:buClr>
+        <a:buSzPct val="160000"/>
         <a:buFont typeface="Arial" panose="020B0604020202020204" pitchFamily="34" charset="0"/>
         <a:buChar char="•"/>
-        <a:defRPr sz="1800" kern="1200">
+        <a:defRPr sz="1400" kern="1200" cap="all" baseline="0">
           <a:solidFill>
             <a:schemeClr val="tx1"/>
           </a:solidFill>
+          <a:effectLst/>
           <a:latin typeface="+mn-lt"/>
           <a:ea typeface="+mn-ea"/>
           <a:cs typeface="+mn-cs"/>
@@ -3194,17 +6203,22 @@
       </a:lvl8pPr>
       <a:lvl9pPr marL="3886200" indent="-228600" algn="l" defTabSz="914400" rtl="0" eaLnBrk="1" latinLnBrk="0" hangingPunct="1">
         <a:lnSpc>
-          <a:spcPct val="90000"/>
+          <a:spcPct val="120000"/>
         </a:lnSpc>
         <a:spcBef>
           <a:spcPts val="500"/>
         </a:spcBef>
+        <a:buClr>
+          <a:schemeClr val="accent1"/>
+        </a:buClr>
+        <a:buSzPct val="160000"/>
         <a:buFont typeface="Arial" panose="020B0604020202020204" pitchFamily="34" charset="0"/>
         <a:buChar char="•"/>
-        <a:defRPr sz="1800" kern="1200">
+        <a:defRPr sz="1400" kern="1200" cap="all" baseline="0">
           <a:solidFill>
             <a:schemeClr val="tx1"/>
           </a:solidFill>
+          <a:effectLst/>
           <a:latin typeface="+mn-lt"/>
           <a:ea typeface="+mn-ea"/>
           <a:cs typeface="+mn-cs"/>
@@ -3373,7 +6387,7 @@
         </p:nvSpPr>
         <p:spPr>
           <a:xfrm>
-            <a:off x="-3962400" y="6505258"/>
+            <a:off x="-7556625" y="6244216"/>
             <a:ext cx="9144000" cy="1655762"/>
           </a:xfrm>
         </p:spPr>
@@ -3388,6 +6402,46 @@
           </a:p>
         </p:txBody>
       </p:sp>
+      <p:pic>
+        <p:nvPicPr>
+          <p:cNvPr id="6" name="pirate">
+            <a:hlinkClick r:id="" action="ppaction://media"/>
+            <a:extLst>
+              <a:ext uri="{FF2B5EF4-FFF2-40B4-BE49-F238E27FC236}">
+                <a16:creationId xmlns:a16="http://schemas.microsoft.com/office/drawing/2014/main" id="{1467CE54-816A-4F9B-B56D-E4EEC9354224}"/>
+              </a:ext>
+            </a:extLst>
+          </p:cNvPr>
+          <p:cNvPicPr>
+            <a:picLocks noChangeAspect="1"/>
+          </p:cNvPicPr>
+          <p:nvPr>
+            <a:audioFile r:link="rId2"/>
+            <p:extLst>
+              <p:ext uri="{DAA4B4D4-6D71-4841-9C94-3DE7FCFB9230}">
+                <p14:media xmlns:p14="http://schemas.microsoft.com/office/powerpoint/2010/main" r:embed="rId1">
+                  <p14:fade in="17000"/>
+                </p14:media>
+              </p:ext>
+            </p:extLst>
+          </p:nvPr>
+        </p:nvPicPr>
+        <p:blipFill>
+          <a:blip r:embed="rId4"/>
+          <a:stretch>
+            <a:fillRect/>
+          </a:stretch>
+        </p:blipFill>
+        <p:spPr>
+          <a:xfrm>
+            <a:off x="5791200" y="3124200"/>
+            <a:ext cx="609600" cy="609600"/>
+          </a:xfrm>
+          <a:prstGeom prst="rect">
+            <a:avLst/>
+          </a:prstGeom>
+        </p:spPr>
+      </p:pic>
     </p:spTree>
     <p:extLst>
       <p:ext uri="{BB962C8B-B14F-4D97-AF65-F5344CB8AC3E}">
@@ -3398,6 +6452,195 @@
   <p:clrMapOvr>
     <a:masterClrMapping/>
   </p:clrMapOvr>
+  <p:timing>
+    <p:tnLst>
+      <p:par>
+        <p:cTn id="1" dur="indefinite" restart="never" nodeType="tmRoot">
+          <p:childTnLst>
+            <p:seq concurrent="1" nextAc="seek">
+              <p:cTn id="2" dur="indefinite" nodeType="mainSeq">
+                <p:childTnLst>
+                  <p:par>
+                    <p:cTn id="3" fill="hold">
+                      <p:stCondLst>
+                        <p:cond delay="indefinite"/>
+                        <p:cond evt="onBegin" delay="0">
+                          <p:tn val="2"/>
+                        </p:cond>
+                      </p:stCondLst>
+                      <p:childTnLst>
+                        <p:par>
+                          <p:cTn id="4" fill="hold">
+                            <p:stCondLst>
+                              <p:cond delay="0"/>
+                            </p:stCondLst>
+                            <p:childTnLst>
+                              <p:par>
+                                <p:cTn id="5" presetID="1" presetClass="mediacall" presetSubtype="0" fill="hold" nodeType="afterEffect">
+                                  <p:stCondLst>
+                                    <p:cond delay="0"/>
+                                  </p:stCondLst>
+                                  <p:childTnLst>
+                                    <p:cmd type="call" cmd="playFrom(0.0)">
+                                      <p:cBhvr>
+                                        <p:cTn id="6" dur="1" fill="hold"/>
+                                        <p:tgtEl>
+                                          <p:spTgt spid="6"/>
+                                        </p:tgtEl>
+                                      </p:cBhvr>
+                                    </p:cmd>
+                                  </p:childTnLst>
+                                </p:cTn>
+                              </p:par>
+                            </p:childTnLst>
+                          </p:cTn>
+                        </p:par>
+                      </p:childTnLst>
+                    </p:cTn>
+                  </p:par>
+                  <p:par>
+                    <p:cTn id="7" fill="hold">
+                      <p:stCondLst>
+                        <p:cond delay="indefinite"/>
+                      </p:stCondLst>
+                      <p:childTnLst>
+                        <p:par>
+                          <p:cTn id="8" fill="hold">
+                            <p:stCondLst>
+                              <p:cond delay="0"/>
+                            </p:stCondLst>
+                            <p:childTnLst>
+                              <p:par>
+                                <p:cTn id="9" presetID="45" presetClass="entr" presetSubtype="0" fill="hold" grpId="0" nodeType="clickEffect">
+                                  <p:stCondLst>
+                                    <p:cond delay="0"/>
+                                  </p:stCondLst>
+                                  <p:childTnLst>
+                                    <p:set>
+                                      <p:cBhvr>
+                                        <p:cTn id="10" dur="1" fill="hold">
+                                          <p:stCondLst>
+                                            <p:cond delay="0"/>
+                                          </p:stCondLst>
+                                        </p:cTn>
+                                        <p:tgtEl>
+                                          <p:spTgt spid="2"/>
+                                        </p:tgtEl>
+                                        <p:attrNameLst>
+                                          <p:attrName>style.visibility</p:attrName>
+                                        </p:attrNameLst>
+                                      </p:cBhvr>
+                                      <p:to>
+                                        <p:strVal val="visible"/>
+                                      </p:to>
+                                    </p:set>
+                                    <p:animEffect transition="in" filter="fade">
+                                      <p:cBhvr>
+                                        <p:cTn id="11" dur="2000"/>
+                                        <p:tgtEl>
+                                          <p:spTgt spid="2"/>
+                                        </p:tgtEl>
+                                      </p:cBhvr>
+                                    </p:animEffect>
+                                    <p:anim calcmode="lin" valueType="num">
+                                      <p:cBhvr>
+                                        <p:cTn id="12" dur="2000" fill="hold"/>
+                                        <p:tgtEl>
+                                          <p:spTgt spid="2"/>
+                                        </p:tgtEl>
+                                        <p:attrNameLst>
+                                          <p:attrName>ppt_w</p:attrName>
+                                        </p:attrNameLst>
+                                      </p:cBhvr>
+                                      <p:tavLst>
+                                        <p:tav tm="0" fmla="#ppt_w*sin(2.5*pi*$)">
+                                          <p:val>
+                                            <p:fltVal val="0"/>
+                                          </p:val>
+                                        </p:tav>
+                                        <p:tav tm="100000">
+                                          <p:val>
+                                            <p:fltVal val="1"/>
+                                          </p:val>
+                                        </p:tav>
+                                      </p:tavLst>
+                                    </p:anim>
+                                    <p:anim calcmode="lin" valueType="num">
+                                      <p:cBhvr>
+                                        <p:cTn id="13" dur="2000" fill="hold"/>
+                                        <p:tgtEl>
+                                          <p:spTgt spid="2"/>
+                                        </p:tgtEl>
+                                        <p:attrNameLst>
+                                          <p:attrName>ppt_h</p:attrName>
+                                        </p:attrNameLst>
+                                      </p:cBhvr>
+                                      <p:tavLst>
+                                        <p:tav tm="0">
+                                          <p:val>
+                                            <p:strVal val="#ppt_h"/>
+                                          </p:val>
+                                        </p:tav>
+                                        <p:tav tm="100000">
+                                          <p:val>
+                                            <p:strVal val="#ppt_h"/>
+                                          </p:val>
+                                        </p:tav>
+                                      </p:tavLst>
+                                    </p:anim>
+                                  </p:childTnLst>
+                                </p:cTn>
+                              </p:par>
+                            </p:childTnLst>
+                          </p:cTn>
+                        </p:par>
+                      </p:childTnLst>
+                    </p:cTn>
+                  </p:par>
+                </p:childTnLst>
+              </p:cTn>
+              <p:prevCondLst>
+                <p:cond evt="onPrev" delay="0">
+                  <p:tgtEl>
+                    <p:sldTgt/>
+                  </p:tgtEl>
+                </p:cond>
+              </p:prevCondLst>
+              <p:nextCondLst>
+                <p:cond evt="onNext" delay="0">
+                  <p:tgtEl>
+                    <p:sldTgt/>
+                  </p:tgtEl>
+                </p:cond>
+              </p:nextCondLst>
+            </p:seq>
+            <p:audio>
+              <p:cMediaNode vol="80000" numSld="999" showWhenStopped="0">
+                <p:cTn id="14" repeatCount="indefinite" fill="hold" display="0">
+                  <p:stCondLst>
+                    <p:cond delay="indefinite"/>
+                  </p:stCondLst>
+                  <p:endCondLst>
+                    <p:cond evt="onStopAudio" delay="0">
+                      <p:tgtEl>
+                        <p:sldTgt/>
+                      </p:tgtEl>
+                    </p:cond>
+                  </p:endCondLst>
+                </p:cTn>
+                <p:tgtEl>
+                  <p:spTgt spid="6"/>
+                </p:tgtEl>
+              </p:cMediaNode>
+            </p:audio>
+          </p:childTnLst>
+        </p:cTn>
+      </p:par>
+    </p:tnLst>
+    <p:bldLst>
+      <p:bldP spid="2" grpId="0"/>
+    </p:bldLst>
+  </p:timing>
 </p:sld>
 </file>
 
@@ -3495,6 +6738,208 @@
   <p:clrMapOvr>
     <a:masterClrMapping/>
   </p:clrMapOvr>
+  <p:timing>
+    <p:tnLst>
+      <p:par>
+        <p:cTn id="1" dur="indefinite" restart="never" nodeType="tmRoot">
+          <p:childTnLst>
+            <p:seq concurrent="1" nextAc="seek">
+              <p:cTn id="2" dur="indefinite" nodeType="mainSeq">
+                <p:childTnLst>
+                  <p:par>
+                    <p:cTn id="3" fill="hold">
+                      <p:stCondLst>
+                        <p:cond delay="indefinite"/>
+                      </p:stCondLst>
+                      <p:childTnLst>
+                        <p:par>
+                          <p:cTn id="4" fill="hold">
+                            <p:stCondLst>
+                              <p:cond delay="0"/>
+                            </p:stCondLst>
+                            <p:childTnLst>
+                              <p:par>
+                                <p:cTn id="5" presetID="22" presetClass="entr" presetSubtype="8" fill="hold" grpId="0" nodeType="clickEffect">
+                                  <p:stCondLst>
+                                    <p:cond delay="0"/>
+                                  </p:stCondLst>
+                                  <p:childTnLst>
+                                    <p:set>
+                                      <p:cBhvr>
+                                        <p:cTn id="6" dur="1" fill="hold">
+                                          <p:stCondLst>
+                                            <p:cond delay="0"/>
+                                          </p:stCondLst>
+                                        </p:cTn>
+                                        <p:tgtEl>
+                                          <p:spTgt spid="2"/>
+                                        </p:tgtEl>
+                                        <p:attrNameLst>
+                                          <p:attrName>style.visibility</p:attrName>
+                                        </p:attrNameLst>
+                                      </p:cBhvr>
+                                      <p:to>
+                                        <p:strVal val="visible"/>
+                                      </p:to>
+                                    </p:set>
+                                    <p:animEffect transition="in" filter="wipe(left)">
+                                      <p:cBhvr>
+                                        <p:cTn id="7" dur="500"/>
+                                        <p:tgtEl>
+                                          <p:spTgt spid="2"/>
+                                        </p:tgtEl>
+                                      </p:cBhvr>
+                                    </p:animEffect>
+                                  </p:childTnLst>
+                                </p:cTn>
+                              </p:par>
+                            </p:childTnLst>
+                          </p:cTn>
+                        </p:par>
+                      </p:childTnLst>
+                    </p:cTn>
+                  </p:par>
+                  <p:par>
+                    <p:cTn id="8" fill="hold">
+                      <p:stCondLst>
+                        <p:cond delay="indefinite"/>
+                      </p:stCondLst>
+                      <p:childTnLst>
+                        <p:par>
+                          <p:cTn id="9" fill="hold">
+                            <p:stCondLst>
+                              <p:cond delay="0"/>
+                            </p:stCondLst>
+                            <p:childTnLst>
+                              <p:par>
+                                <p:cTn id="10" presetID="53" presetClass="entr" presetSubtype="16" fill="hold" grpId="0" nodeType="clickEffect">
+                                  <p:stCondLst>
+                                    <p:cond delay="0"/>
+                                  </p:stCondLst>
+                                  <p:childTnLst>
+                                    <p:set>
+                                      <p:cBhvr>
+                                        <p:cTn id="11" dur="1" fill="hold">
+                                          <p:stCondLst>
+                                            <p:cond delay="0"/>
+                                          </p:stCondLst>
+                                        </p:cTn>
+                                        <p:tgtEl>
+                                          <p:spTgt spid="3">
+                                            <p:txEl>
+                                              <p:pRg st="0" end="0"/>
+                                            </p:txEl>
+                                          </p:spTgt>
+                                        </p:tgtEl>
+                                        <p:attrNameLst>
+                                          <p:attrName>style.visibility</p:attrName>
+                                        </p:attrNameLst>
+                                      </p:cBhvr>
+                                      <p:to>
+                                        <p:strVal val="visible"/>
+                                      </p:to>
+                                    </p:set>
+                                    <p:anim calcmode="lin" valueType="num">
+                                      <p:cBhvr>
+                                        <p:cTn id="12" dur="500" fill="hold"/>
+                                        <p:tgtEl>
+                                          <p:spTgt spid="3">
+                                            <p:txEl>
+                                              <p:pRg st="0" end="0"/>
+                                            </p:txEl>
+                                          </p:spTgt>
+                                        </p:tgtEl>
+                                        <p:attrNameLst>
+                                          <p:attrName>ppt_w</p:attrName>
+                                        </p:attrNameLst>
+                                      </p:cBhvr>
+                                      <p:tavLst>
+                                        <p:tav tm="0">
+                                          <p:val>
+                                            <p:fltVal val="0"/>
+                                          </p:val>
+                                        </p:tav>
+                                        <p:tav tm="100000">
+                                          <p:val>
+                                            <p:strVal val="#ppt_w"/>
+                                          </p:val>
+                                        </p:tav>
+                                      </p:tavLst>
+                                    </p:anim>
+                                    <p:anim calcmode="lin" valueType="num">
+                                      <p:cBhvr>
+                                        <p:cTn id="13" dur="500" fill="hold"/>
+                                        <p:tgtEl>
+                                          <p:spTgt spid="3">
+                                            <p:txEl>
+                                              <p:pRg st="0" end="0"/>
+                                            </p:txEl>
+                                          </p:spTgt>
+                                        </p:tgtEl>
+                                        <p:attrNameLst>
+                                          <p:attrName>ppt_h</p:attrName>
+                                        </p:attrNameLst>
+                                      </p:cBhvr>
+                                      <p:tavLst>
+                                        <p:tav tm="0">
+                                          <p:val>
+                                            <p:fltVal val="0"/>
+                                          </p:val>
+                                        </p:tav>
+                                        <p:tav tm="100000">
+                                          <p:val>
+                                            <p:strVal val="#ppt_h"/>
+                                          </p:val>
+                                        </p:tav>
+                                      </p:tavLst>
+                                    </p:anim>
+                                    <p:animEffect transition="in" filter="fade">
+                                      <p:cBhvr>
+                                        <p:cTn id="14" dur="500"/>
+                                        <p:tgtEl>
+                                          <p:spTgt spid="3">
+                                            <p:txEl>
+                                              <p:pRg st="0" end="0"/>
+                                            </p:txEl>
+                                          </p:spTgt>
+                                        </p:tgtEl>
+                                      </p:cBhvr>
+                                    </p:animEffect>
+                                  </p:childTnLst>
+                                </p:cTn>
+                              </p:par>
+                            </p:childTnLst>
+                          </p:cTn>
+                        </p:par>
+                      </p:childTnLst>
+                    </p:cTn>
+                  </p:par>
+                </p:childTnLst>
+              </p:cTn>
+              <p:prevCondLst>
+                <p:cond evt="onPrev" delay="0">
+                  <p:tgtEl>
+                    <p:sldTgt/>
+                  </p:tgtEl>
+                </p:cond>
+              </p:prevCondLst>
+              <p:nextCondLst>
+                <p:cond evt="onNext" delay="0">
+                  <p:tgtEl>
+                    <p:sldTgt/>
+                  </p:tgtEl>
+                </p:cond>
+              </p:nextCondLst>
+            </p:seq>
+          </p:childTnLst>
+        </p:cTn>
+      </p:par>
+    </p:tnLst>
+    <p:bldLst>
+      <p:bldP spid="2" grpId="0"/>
+      <p:bldP spid="3" grpId="0" build="p"/>
+    </p:bldLst>
+  </p:timing>
 </p:sld>
 </file>
 
@@ -3592,6 +7037,92 @@
   <p:clrMapOvr>
     <a:masterClrMapping/>
   </p:clrMapOvr>
+  <p:timing>
+    <p:tnLst>
+      <p:par>
+        <p:cTn id="1" dur="indefinite" restart="never" nodeType="tmRoot">
+          <p:childTnLst>
+            <p:seq concurrent="1" nextAc="seek">
+              <p:cTn id="2" dur="indefinite" nodeType="mainSeq">
+                <p:childTnLst>
+                  <p:par>
+                    <p:cTn id="3" fill="hold">
+                      <p:stCondLst>
+                        <p:cond delay="indefinite"/>
+                      </p:stCondLst>
+                      <p:childTnLst>
+                        <p:par>
+                          <p:cTn id="4" fill="hold">
+                            <p:stCondLst>
+                              <p:cond delay="0"/>
+                            </p:stCondLst>
+                            <p:childTnLst>
+                              <p:par>
+                                <p:cTn id="5" presetID="8" presetClass="entr" presetSubtype="16" fill="hold" grpId="0" nodeType="clickEffect">
+                                  <p:stCondLst>
+                                    <p:cond delay="0"/>
+                                  </p:stCondLst>
+                                  <p:childTnLst>
+                                    <p:set>
+                                      <p:cBhvr>
+                                        <p:cTn id="6" dur="1" fill="hold">
+                                          <p:stCondLst>
+                                            <p:cond delay="0"/>
+                                          </p:stCondLst>
+                                        </p:cTn>
+                                        <p:tgtEl>
+                                          <p:spTgt spid="2"/>
+                                        </p:tgtEl>
+                                        <p:attrNameLst>
+                                          <p:attrName>style.visibility</p:attrName>
+                                        </p:attrNameLst>
+                                      </p:cBhvr>
+                                      <p:to>
+                                        <p:strVal val="visible"/>
+                                      </p:to>
+                                    </p:set>
+                                    <p:animEffect transition="in" filter="diamond(in)">
+                                      <p:cBhvr>
+                                        <p:cTn id="7" dur="2000"/>
+                                        <p:tgtEl>
+                                          <p:spTgt spid="2"/>
+                                        </p:tgtEl>
+                                      </p:cBhvr>
+                                    </p:animEffect>
+                                  </p:childTnLst>
+                                </p:cTn>
+                              </p:par>
+                            </p:childTnLst>
+                          </p:cTn>
+                        </p:par>
+                      </p:childTnLst>
+                    </p:cTn>
+                  </p:par>
+                </p:childTnLst>
+              </p:cTn>
+              <p:prevCondLst>
+                <p:cond evt="onPrev" delay="0">
+                  <p:tgtEl>
+                    <p:sldTgt/>
+                  </p:tgtEl>
+                </p:cond>
+              </p:prevCondLst>
+              <p:nextCondLst>
+                <p:cond evt="onNext" delay="0">
+                  <p:tgtEl>
+                    <p:sldTgt/>
+                  </p:tgtEl>
+                </p:cond>
+              </p:nextCondLst>
+            </p:seq>
+          </p:childTnLst>
+        </p:cTn>
+      </p:par>
+    </p:tnLst>
+    <p:bldLst>
+      <p:bldP spid="2" grpId="0"/>
+    </p:bldLst>
+  </p:timing>
 </p:sld>
 </file>
 
@@ -4010,7 +7541,7 @@
         </p:blipFill>
         <p:spPr>
           <a:xfrm>
-            <a:off x="2762250" y="1690688"/>
+            <a:off x="4910647" y="350159"/>
             <a:ext cx="6667500" cy="5072062"/>
           </a:xfrm>
           <a:prstGeom prst="rect">
@@ -4032,9 +7563,9 @@
 </file>
 
 <file path=ppt/theme/theme1.xml><?xml version="1.0" encoding="utf-8"?>
-<a:theme xmlns:a="http://schemas.openxmlformats.org/drawingml/2006/main" name="Office Theme">
+<a:theme xmlns:a="http://schemas.openxmlformats.org/drawingml/2006/main" name="Main Event">
   <a:themeElements>
-    <a:clrScheme name="Office">
+    <a:clrScheme name="Main Event">
       <a:dk1>
         <a:sysClr val="windowText" lastClr="000000"/>
       </a:dk1>
@@ -4042,44 +7573,44 @@
         <a:sysClr val="window" lastClr="FFFFFF"/>
       </a:lt1>
       <a:dk2>
-        <a:srgbClr val="44546A"/>
+        <a:srgbClr val="424242"/>
       </a:dk2>
       <a:lt2>
-        <a:srgbClr val="E7E6E6"/>
+        <a:srgbClr val="C8C8C8"/>
       </a:lt2>
       <a:accent1>
-        <a:srgbClr val="4472C4"/>
+        <a:srgbClr val="B80E0F"/>
       </a:accent1>
       <a:accent2>
-        <a:srgbClr val="ED7D31"/>
+        <a:srgbClr val="A6987D"/>
       </a:accent2>
       <a:accent3>
-        <a:srgbClr val="A5A5A5"/>
+        <a:srgbClr val="7F9A71"/>
       </a:accent3>
       <a:accent4>
-        <a:srgbClr val="FFC000"/>
+        <a:srgbClr val="64969F"/>
       </a:accent4>
       <a:accent5>
-        <a:srgbClr val="5B9BD5"/>
+        <a:srgbClr val="9B75B2"/>
       </a:accent5>
       <a:accent6>
-        <a:srgbClr val="70AD47"/>
+        <a:srgbClr val="80737A"/>
       </a:accent6>
       <a:hlink>
-        <a:srgbClr val="0563C1"/>
+        <a:srgbClr val="F21213"/>
       </a:hlink>
       <a:folHlink>
-        <a:srgbClr val="954F72"/>
+        <a:srgbClr val="B6A394"/>
       </a:folHlink>
     </a:clrScheme>
-    <a:fontScheme name="Office">
+    <a:fontScheme name="Main Event">
       <a:majorFont>
-        <a:latin typeface="Calibri Light" panose="020F0302020204030204"/>
+        <a:latin typeface="Impact" panose="020B0806030902050204"/>
         <a:ea typeface=""/>
         <a:cs typeface=""/>
-        <a:font script="Jpan" typeface="游ゴシック Light"/>
+        <a:font script="Jpan" typeface="ＭＳ Ｐゴシック"/>
         <a:font script="Hang" typeface="맑은 고딕"/>
-        <a:font script="Hans" typeface="等线 Light"/>
+        <a:font script="Hans" typeface="宋体"/>
         <a:font script="Hant" typeface="新細明體"/>
         <a:font script="Arab" typeface="Times New Roman"/>
         <a:font script="Hebr" typeface="Times New Roman"/>
@@ -4107,31 +7638,14 @@
         <a:font script="Viet" typeface="Times New Roman"/>
         <a:font script="Uigh" typeface="Microsoft Uighur"/>
         <a:font script="Geor" typeface="Sylfaen"/>
-        <a:font script="Armn" typeface="Arial"/>
-        <a:font script="Bugi" typeface="Leelawadee UI"/>
-        <a:font script="Bopo" typeface="Microsoft JhengHei"/>
-        <a:font script="Java" typeface="Javanese Text"/>
-        <a:font script="Lisu" typeface="Segoe UI"/>
-        <a:font script="Mymr" typeface="Myanmar Text"/>
-        <a:font script="Nkoo" typeface="Ebrima"/>
-        <a:font script="Olck" typeface="Nirmala UI"/>
-        <a:font script="Osma" typeface="Ebrima"/>
-        <a:font script="Phag" typeface="Phagspa"/>
-        <a:font script="Syrn" typeface="Estrangelo Edessa"/>
-        <a:font script="Syrj" typeface="Estrangelo Edessa"/>
-        <a:font script="Syre" typeface="Estrangelo Edessa"/>
-        <a:font script="Sora" typeface="Nirmala UI"/>
-        <a:font script="Tale" typeface="Microsoft Tai Le"/>
-        <a:font script="Talu" typeface="Microsoft New Tai Lue"/>
-        <a:font script="Tfng" typeface="Ebrima"/>
       </a:majorFont>
       <a:minorFont>
-        <a:latin typeface="Calibri" panose="020F0502020204030204"/>
+        <a:latin typeface="Impact" panose="020B0806030902050204"/>
         <a:ea typeface=""/>
         <a:cs typeface=""/>
-        <a:font script="Jpan" typeface="游ゴシック"/>
+        <a:font script="Jpan" typeface="ＭＳ Ｐゴシック"/>
         <a:font script="Hang" typeface="맑은 고딕"/>
-        <a:font script="Hans" typeface="等线"/>
+        <a:font script="Hans" typeface="宋体"/>
         <a:font script="Hant" typeface="新細明體"/>
         <a:font script="Arab" typeface="Arial"/>
         <a:font script="Hebr" typeface="Arial"/>
@@ -4159,104 +7673,53 @@
         <a:font script="Viet" typeface="Arial"/>
         <a:font script="Uigh" typeface="Microsoft Uighur"/>
         <a:font script="Geor" typeface="Sylfaen"/>
-        <a:font script="Armn" typeface="Arial"/>
-        <a:font script="Bugi" typeface="Leelawadee UI"/>
-        <a:font script="Bopo" typeface="Microsoft JhengHei"/>
-        <a:font script="Java" typeface="Javanese Text"/>
-        <a:font script="Lisu" typeface="Segoe UI"/>
-        <a:font script="Mymr" typeface="Myanmar Text"/>
-        <a:font script="Nkoo" typeface="Ebrima"/>
-        <a:font script="Olck" typeface="Nirmala UI"/>
-        <a:font script="Osma" typeface="Ebrima"/>
-        <a:font script="Phag" typeface="Phagspa"/>
-        <a:font script="Syrn" typeface="Estrangelo Edessa"/>
-        <a:font script="Syrj" typeface="Estrangelo Edessa"/>
-        <a:font script="Syre" typeface="Estrangelo Edessa"/>
-        <a:font script="Sora" typeface="Nirmala UI"/>
-        <a:font script="Tale" typeface="Microsoft Tai Le"/>
-        <a:font script="Talu" typeface="Microsoft New Tai Lue"/>
-        <a:font script="Tfng" typeface="Ebrima"/>
       </a:minorFont>
     </a:fontScheme>
-    <a:fmtScheme name="Office">
+    <a:fmtScheme name="Main Event">
       <a:fillStyleLst>
         <a:solidFill>
           <a:schemeClr val="phClr"/>
         </a:solidFill>
-        <a:gradFill rotWithShape="1">
-          <a:gsLst>
-            <a:gs pos="0">
+        <a:solidFill>
+          <a:schemeClr val="phClr">
+            <a:tint val="69000"/>
+            <a:satMod val="105000"/>
+            <a:lumMod val="110000"/>
+          </a:schemeClr>
+        </a:solidFill>
+        <a:blipFill>
+          <a:blip xmlns:r="http://schemas.openxmlformats.org/officeDocument/2006/relationships" r:embed="rId1">
+            <a:duotone>
               <a:schemeClr val="phClr">
-                <a:lumMod val="110000"/>
-                <a:satMod val="105000"/>
-                <a:tint val="67000"/>
+                <a:shade val="88000"/>
+                <a:lumMod val="88000"/>
               </a:schemeClr>
-            </a:gs>
-            <a:gs pos="50000">
-              <a:schemeClr val="phClr">
-                <a:lumMod val="105000"/>
-                <a:satMod val="103000"/>
-                <a:tint val="73000"/>
-              </a:schemeClr>
-            </a:gs>
-            <a:gs pos="100000">
-              <a:schemeClr val="phClr">
-                <a:lumMod val="105000"/>
-                <a:satMod val="109000"/>
-                <a:tint val="81000"/>
-              </a:schemeClr>
-            </a:gs>
-          </a:gsLst>
-          <a:lin ang="5400000" scaled="0"/>
-        </a:gradFill>
-        <a:gradFill rotWithShape="1">
-          <a:gsLst>
-            <a:gs pos="0">
-              <a:schemeClr val="phClr">
-                <a:satMod val="103000"/>
-                <a:lumMod val="102000"/>
-                <a:tint val="94000"/>
-              </a:schemeClr>
-            </a:gs>
-            <a:gs pos="50000">
-              <a:schemeClr val="phClr">
-                <a:satMod val="110000"/>
-                <a:lumMod val="100000"/>
-                <a:shade val="100000"/>
-              </a:schemeClr>
-            </a:gs>
-            <a:gs pos="100000">
-              <a:schemeClr val="phClr">
-                <a:lumMod val="99000"/>
-                <a:satMod val="120000"/>
-                <a:shade val="78000"/>
-              </a:schemeClr>
-            </a:gs>
-          </a:gsLst>
-          <a:lin ang="5400000" scaled="0"/>
-        </a:gradFill>
+              <a:schemeClr val="phClr"/>
+            </a:duotone>
+          </a:blip>
+          <a:tile tx="0" ty="0" sx="100000" sy="100000" flip="none" algn="tl"/>
+        </a:blipFill>
       </a:fillStyleLst>
       <a:lnStyleLst>
-        <a:ln w="6350" cap="flat" cmpd="sng" algn="ctr">
+        <a:ln w="9525" cap="flat" cmpd="sng" algn="ctr">
           <a:solidFill>
-            <a:schemeClr val="phClr"/>
+            <a:schemeClr val="phClr">
+              <a:shade val="60000"/>
+            </a:schemeClr>
           </a:solidFill>
           <a:prstDash val="solid"/>
-          <a:miter lim="800000"/>
-        </a:ln>
-        <a:ln w="12700" cap="flat" cmpd="sng" algn="ctr">
-          <a:solidFill>
-            <a:schemeClr val="phClr"/>
-          </a:solidFill>
-          <a:prstDash val="solid"/>
-          <a:miter lim="800000"/>
         </a:ln>
         <a:ln w="19050" cap="flat" cmpd="sng" algn="ctr">
           <a:solidFill>
             <a:schemeClr val="phClr"/>
           </a:solidFill>
           <a:prstDash val="solid"/>
-          <a:miter lim="800000"/>
+        </a:ln>
+        <a:ln w="25400" cap="flat" cmpd="sng" algn="ctr">
+          <a:solidFill>
+            <a:schemeClr val="phClr"/>
+          </a:solidFill>
+          <a:prstDash val="solid"/>
         </a:ln>
       </a:lnStyleLst>
       <a:effectStyleLst>
@@ -4268,9 +7731,9 @@
         </a:effectStyle>
         <a:effectStyle>
           <a:effectLst>
-            <a:outerShdw blurRad="57150" dist="19050" dir="5400000" algn="ctr" rotWithShape="0">
+            <a:outerShdw blurRad="25400" dist="12700" dir="5400000" rotWithShape="0">
               <a:srgbClr val="000000">
-                <a:alpha val="63000"/>
+                <a:alpha val="60000"/>
               </a:srgbClr>
             </a:outerShdw>
           </a:effectLst>
@@ -4280,39 +7743,39 @@
         <a:solidFill>
           <a:schemeClr val="phClr"/>
         </a:solidFill>
-        <a:solidFill>
-          <a:schemeClr val="phClr">
-            <a:tint val="95000"/>
-            <a:satMod val="170000"/>
-          </a:schemeClr>
-        </a:solidFill>
         <a:gradFill rotWithShape="1">
           <a:gsLst>
             <a:gs pos="0">
               <a:schemeClr val="phClr">
-                <a:tint val="93000"/>
-                <a:satMod val="150000"/>
-                <a:shade val="98000"/>
-                <a:lumMod val="102000"/>
-              </a:schemeClr>
-            </a:gs>
-            <a:gs pos="50000">
-              <a:schemeClr val="phClr">
-                <a:tint val="98000"/>
-                <a:satMod val="130000"/>
-                <a:shade val="90000"/>
-                <a:lumMod val="103000"/>
+                <a:tint val="90000"/>
+                <a:lumMod val="110000"/>
               </a:schemeClr>
             </a:gs>
             <a:gs pos="100000">
               <a:schemeClr val="phClr">
-                <a:shade val="63000"/>
-                <a:satMod val="120000"/>
+                <a:shade val="88000"/>
+                <a:lumMod val="88000"/>
               </a:schemeClr>
             </a:gs>
           </a:gsLst>
           <a:lin ang="5400000" scaled="0"/>
         </a:gradFill>
+        <a:blipFill>
+          <a:blip xmlns:r="http://schemas.openxmlformats.org/officeDocument/2006/relationships" r:embed="rId2">
+            <a:duotone>
+              <a:schemeClr val="phClr">
+                <a:shade val="48000"/>
+                <a:satMod val="110000"/>
+                <a:lumMod val="40000"/>
+              </a:schemeClr>
+              <a:schemeClr val="phClr">
+                <a:tint val="90000"/>
+                <a:lumMod val="106000"/>
+              </a:schemeClr>
+            </a:duotone>
+          </a:blip>
+          <a:stretch/>
+        </a:blipFill>
       </a:bgFillStyleLst>
     </a:fmtScheme>
   </a:themeElements>
@@ -4320,7 +7783,7 @@
   <a:extraClrSchemeLst/>
   <a:extLst>
     <a:ext uri="{05A4C25C-085E-4340-85A3-A5531E510DB2}">
-      <thm15:themeFamily xmlns:thm15="http://schemas.microsoft.com/office/thememl/2012/main" name="Office Theme" id="{62F939B6-93AF-4DB8-9C6B-D6C7DFDC589F}" vid="{4A3C46E8-61CC-4603-A589-7422A47A8E4A}"/>
+      <thm15:themeFamily xmlns:thm15="http://schemas.microsoft.com/office/thememl/2012/main" name="Main Event" id="{AC372BB4-D83D-411E-B849-B641926BA760}" vid="{F1EFBDE3-1A95-4E3D-81AD-1F53D65BEA01}"/>
     </a:ext>
   </a:extLst>
 </a:theme>
